--- a/docs/PDDimitrova19 presentation.pptx
+++ b/docs/PDDimitrova19 presentation.pptx
@@ -2,35 +2,34 @@
 <file path=ppt/presentation.xml><?xml version="1.0" encoding="utf-8"?>
 <p:presentation xmlns:a="http://schemas.openxmlformats.org/drawingml/2006/main" xmlns:r="http://schemas.openxmlformats.org/officeDocument/2006/relationships" xmlns:p="http://schemas.openxmlformats.org/presentationml/2006/main" strictFirstAndLastChars="0" embedTrueTypeFonts="1" saveSubsetFonts="1" autoCompressPictures="0">
   <p:sldMasterIdLst>
-    <p:sldMasterId id="2147483672" r:id="rId1"/>
+    <p:sldMasterId id="2147483672" r:id="rId4"/>
   </p:sldMasterIdLst>
   <p:notesMasterIdLst>
-    <p:notesMasterId r:id="rId10"/>
+    <p:notesMasterId r:id="rId12"/>
   </p:notesMasterIdLst>
   <p:sldIdLst>
-    <p:sldId id="256" r:id="rId2"/>
-    <p:sldId id="257" r:id="rId3"/>
-    <p:sldId id="265" r:id="rId4"/>
-    <p:sldId id="266" r:id="rId5"/>
-    <p:sldId id="270" r:id="rId6"/>
-    <p:sldId id="282" r:id="rId7"/>
-    <p:sldId id="284" r:id="rId8"/>
-    <p:sldId id="288" r:id="rId9"/>
+    <p:sldId id="256" r:id="rId5"/>
+    <p:sldId id="257" r:id="rId6"/>
+    <p:sldId id="265" r:id="rId7"/>
+    <p:sldId id="266" r:id="rId8"/>
+    <p:sldId id="270" r:id="rId9"/>
+    <p:sldId id="282" r:id="rId10"/>
+    <p:sldId id="288" r:id="rId11"/>
   </p:sldIdLst>
   <p:sldSz cx="9144000" cy="5143500" type="screen16x9"/>
   <p:notesSz cx="6858000" cy="9144000"/>
   <p:embeddedFontLst>
     <p:embeddedFont>
-      <p:font typeface="Abel" panose="020B0604020202020204" charset="0"/>
-      <p:regular r:id="rId11"/>
+      <p:font typeface="Abel" panose="02000506030000020004" pitchFamily="2" charset="0"/>
+      <p:regular r:id="rId13"/>
     </p:embeddedFont>
     <p:embeddedFont>
-      <p:font typeface="Bebas Neue" panose="020B0604020202020204" charset="0"/>
-      <p:regular r:id="rId12"/>
+      <p:font typeface="Bebas Neue" panose="020B0606020202050201" pitchFamily="34" charset="0"/>
+      <p:regular r:id="rId14"/>
     </p:embeddedFont>
     <p:embeddedFont>
-      <p:font typeface="Questrial" panose="020B0604020202020204" charset="0"/>
-      <p:regular r:id="rId13"/>
+      <p:font typeface="Questrial" pitchFamily="2" charset="0"/>
+      <p:regular r:id="rId15"/>
     </p:embeddedFont>
   </p:embeddedFontLst>
   <p:defaultTextStyle>
@@ -1340,110 +1339,6 @@
   <p:cSld>
     <p:spTree>
       <p:nvGrpSpPr>
-        <p:cNvPr id="1" name="Shape 4125"/>
-        <p:cNvGrpSpPr/>
-        <p:nvPr/>
-      </p:nvGrpSpPr>
-      <p:grpSpPr>
-        <a:xfrm>
-          <a:off x="0" y="0"/>
-          <a:ext cx="0" cy="0"/>
-          <a:chOff x="0" y="0"/>
-          <a:chExt cx="0" cy="0"/>
-        </a:xfrm>
-      </p:grpSpPr>
-      <p:sp>
-        <p:nvSpPr>
-          <p:cNvPr id="4126" name="Google Shape;4126;g12ebaae033c_2_160:notes"/>
-          <p:cNvSpPr>
-            <a:spLocks noGrp="1" noRot="1" noChangeAspect="1"/>
-          </p:cNvSpPr>
-          <p:nvPr>
-            <p:ph type="sldImg" idx="2"/>
-          </p:nvPr>
-        </p:nvSpPr>
-        <p:spPr>
-          <a:xfrm>
-            <a:off x="381000" y="685800"/>
-            <a:ext cx="6096000" cy="3429000"/>
-          </a:xfrm>
-          <a:custGeom>
-            <a:avLst/>
-            <a:gdLst/>
-            <a:ahLst/>
-            <a:cxnLst/>
-            <a:rect l="l" t="t" r="r" b="b"/>
-            <a:pathLst>
-              <a:path w="120000" h="120000" extrusionOk="0">
-                <a:moveTo>
-                  <a:pt x="0" y="0"/>
-                </a:moveTo>
-                <a:lnTo>
-                  <a:pt x="120000" y="0"/>
-                </a:lnTo>
-                <a:lnTo>
-                  <a:pt x="120000" y="120000"/>
-                </a:lnTo>
-                <a:lnTo>
-                  <a:pt x="0" y="120000"/>
-                </a:lnTo>
-                <a:close/>
-              </a:path>
-            </a:pathLst>
-          </a:custGeom>
-        </p:spPr>
-      </p:sp>
-      <p:sp>
-        <p:nvSpPr>
-          <p:cNvPr id="4127" name="Google Shape;4127;g12ebaae033c_2_160:notes"/>
-          <p:cNvSpPr txBox="1">
-            <a:spLocks noGrp="1"/>
-          </p:cNvSpPr>
-          <p:nvPr>
-            <p:ph type="body" idx="1"/>
-          </p:nvPr>
-        </p:nvSpPr>
-        <p:spPr>
-          <a:xfrm>
-            <a:off x="685800" y="4343400"/>
-            <a:ext cx="5486400" cy="4114800"/>
-          </a:xfrm>
-          <a:prstGeom prst="rect">
-            <a:avLst/>
-          </a:prstGeom>
-        </p:spPr>
-        <p:txBody>
-          <a:bodyPr spcFirstLastPara="1" wrap="square" lIns="91425" tIns="91425" rIns="91425" bIns="91425" anchor="t" anchorCtr="0">
-            <a:noAutofit/>
-          </a:bodyPr>
-          <a:lstStyle/>
-          <a:p>
-            <a:pPr marL="0" lvl="0" indent="0" algn="l" rtl="0">
-              <a:spcBef>
-                <a:spcPts val="0"/>
-              </a:spcBef>
-              <a:spcAft>
-                <a:spcPts val="0"/>
-              </a:spcAft>
-              <a:buNone/>
-            </a:pPr>
-            <a:endParaRPr dirty="0"/>
-          </a:p>
-        </p:txBody>
-      </p:sp>
-    </p:spTree>
-  </p:cSld>
-  <p:clrMapOvr>
-    <a:masterClrMapping/>
-  </p:clrMapOvr>
-</p:notes>
-</file>
-
-<file path=ppt/notesSlides/notesSlide8.xml><?xml version="1.0" encoding="utf-8"?>
-<p:notes xmlns:a="http://schemas.openxmlformats.org/drawingml/2006/main" xmlns:r="http://schemas.openxmlformats.org/officeDocument/2006/relationships" xmlns:p="http://schemas.openxmlformats.org/presentationml/2006/main" showMasterSp="0" showMasterPhAnim="0">
-  <p:cSld>
-    <p:spTree>
-      <p:nvGrpSpPr>
         <p:cNvPr id="1" name="Shape 4823"/>
         <p:cNvGrpSpPr/>
         <p:nvPr/>
@@ -52189,5366 +52084,6 @@
   <p:cSld>
     <p:spTree>
       <p:nvGrpSpPr>
-        <p:cNvPr id="1" name="Shape 4128"/>
-        <p:cNvGrpSpPr/>
-        <p:nvPr/>
-      </p:nvGrpSpPr>
-      <p:grpSpPr>
-        <a:xfrm>
-          <a:off x="0" y="0"/>
-          <a:ext cx="0" cy="0"/>
-          <a:chOff x="0" y="0"/>
-          <a:chExt cx="0" cy="0"/>
-        </a:xfrm>
-      </p:grpSpPr>
-      <p:sp>
-        <p:nvSpPr>
-          <p:cNvPr id="4129" name="Google Shape;4129;p55"/>
-          <p:cNvSpPr/>
-          <p:nvPr/>
-        </p:nvSpPr>
-        <p:spPr>
-          <a:xfrm>
-            <a:off x="4737479" y="659585"/>
-            <a:ext cx="3723887" cy="2840165"/>
-          </a:xfrm>
-          <a:prstGeom prst="roundRect">
-            <a:avLst>
-              <a:gd name="adj" fmla="val 3857"/>
-            </a:avLst>
-          </a:prstGeom>
-          <a:solidFill>
-            <a:schemeClr val="accent3"/>
-          </a:solidFill>
-          <a:ln>
-            <a:noFill/>
-          </a:ln>
-        </p:spPr>
-        <p:txBody>
-          <a:bodyPr spcFirstLastPara="1" wrap="square" lIns="91425" tIns="91425" rIns="91425" bIns="91425" anchor="ctr" anchorCtr="0">
-            <a:noAutofit/>
-          </a:bodyPr>
-          <a:lstStyle/>
-          <a:p>
-            <a:pPr marL="0" lvl="0" indent="0" algn="l" rtl="0">
-              <a:spcBef>
-                <a:spcPts val="0"/>
-              </a:spcBef>
-              <a:spcAft>
-                <a:spcPts val="0"/>
-              </a:spcAft>
-              <a:buNone/>
-            </a:pPr>
-            <a:endParaRPr/>
-          </a:p>
-        </p:txBody>
-      </p:sp>
-      <p:sp>
-        <p:nvSpPr>
-          <p:cNvPr id="4130" name="Google Shape;4130;p55"/>
-          <p:cNvSpPr/>
-          <p:nvPr/>
-        </p:nvSpPr>
-        <p:spPr>
-          <a:xfrm>
-            <a:off x="5956200" y="3465600"/>
-            <a:ext cx="1258106" cy="509176"/>
-          </a:xfrm>
-          <a:custGeom>
-            <a:avLst/>
-            <a:gdLst/>
-            <a:ahLst/>
-            <a:cxnLst/>
-            <a:rect l="l" t="t" r="r" b="b"/>
-            <a:pathLst>
-              <a:path w="65999" h="24926" extrusionOk="0">
-                <a:moveTo>
-                  <a:pt x="13372" y="0"/>
-                </a:moveTo>
-                <a:cubicBezTo>
-                  <a:pt x="13051" y="1881"/>
-                  <a:pt x="12653" y="8225"/>
-                  <a:pt x="11445" y="11283"/>
-                </a:cubicBezTo>
-                <a:cubicBezTo>
-                  <a:pt x="10237" y="14341"/>
-                  <a:pt x="7883" y="16511"/>
-                  <a:pt x="6125" y="18346"/>
-                </a:cubicBezTo>
-                <a:cubicBezTo>
-                  <a:pt x="4367" y="20181"/>
-                  <a:pt x="1875" y="21297"/>
-                  <a:pt x="896" y="22291"/>
-                </a:cubicBezTo>
-                <a:cubicBezTo>
-                  <a:pt x="-82" y="23285"/>
-                  <a:pt x="-174" y="23896"/>
-                  <a:pt x="254" y="24309"/>
-                </a:cubicBezTo>
-                <a:cubicBezTo>
-                  <a:pt x="682" y="24722"/>
-                  <a:pt x="805" y="24692"/>
-                  <a:pt x="3465" y="24768"/>
-                </a:cubicBezTo>
-                <a:cubicBezTo>
-                  <a:pt x="6125" y="24845"/>
-                  <a:pt x="10925" y="24768"/>
-                  <a:pt x="16215" y="24768"/>
-                </a:cubicBezTo>
-                <a:cubicBezTo>
-                  <a:pt x="21505" y="24768"/>
-                  <a:pt x="28630" y="24768"/>
-                  <a:pt x="35204" y="24768"/>
-                </a:cubicBezTo>
-                <a:cubicBezTo>
-                  <a:pt x="41778" y="24768"/>
-                  <a:pt x="50783" y="24768"/>
-                  <a:pt x="55660" y="24768"/>
-                </a:cubicBezTo>
-                <a:cubicBezTo>
-                  <a:pt x="60537" y="24768"/>
-                  <a:pt x="62754" y="25104"/>
-                  <a:pt x="64466" y="24768"/>
-                </a:cubicBezTo>
-                <a:cubicBezTo>
-                  <a:pt x="66178" y="24432"/>
-                  <a:pt x="66056" y="23346"/>
-                  <a:pt x="65934" y="22750"/>
-                </a:cubicBezTo>
-                <a:cubicBezTo>
-                  <a:pt x="65812" y="22154"/>
-                  <a:pt x="65353" y="22765"/>
-                  <a:pt x="63732" y="21190"/>
-                </a:cubicBezTo>
-                <a:cubicBezTo>
-                  <a:pt x="62111" y="19615"/>
-                  <a:pt x="57999" y="16512"/>
-                  <a:pt x="56210" y="13301"/>
-                </a:cubicBezTo>
-                <a:cubicBezTo>
-                  <a:pt x="54421" y="10091"/>
-                  <a:pt x="53505" y="4083"/>
-                  <a:pt x="53000" y="1927"/>
-                </a:cubicBezTo>
-                <a:cubicBezTo>
-                  <a:pt x="52496" y="-229"/>
-                  <a:pt x="53153" y="627"/>
-                  <a:pt x="53183" y="367"/>
-                </a:cubicBezTo>
-              </a:path>
-            </a:pathLst>
-          </a:custGeom>
-          <a:solidFill>
-            <a:schemeClr val="accent3"/>
-          </a:solidFill>
-          <a:ln>
-            <a:noFill/>
-          </a:ln>
-        </p:spPr>
-      </p:sp>
-      <p:cxnSp>
-        <p:nvCxnSpPr>
-          <p:cNvPr id="4131" name="Google Shape;4131;p55"/>
-          <p:cNvCxnSpPr/>
-          <p:nvPr/>
-        </p:nvCxnSpPr>
-        <p:spPr>
-          <a:xfrm>
-            <a:off x="5969796" y="3929772"/>
-            <a:ext cx="1239900" cy="0"/>
-          </a:xfrm>
-          <a:prstGeom prst="straightConnector1">
-            <a:avLst/>
-          </a:prstGeom>
-          <a:noFill/>
-          <a:ln w="19050" cap="flat" cmpd="sng">
-            <a:solidFill>
-              <a:schemeClr val="dk1"/>
-            </a:solidFill>
-            <a:prstDash val="dot"/>
-            <a:round/>
-            <a:headEnd type="none" w="med" len="med"/>
-            <a:tailEnd type="none" w="med" len="med"/>
-          </a:ln>
-        </p:spPr>
-      </p:cxnSp>
-      <p:sp>
-        <p:nvSpPr>
-          <p:cNvPr id="4132" name="Google Shape;4132;p55"/>
-          <p:cNvSpPr txBox="1">
-            <a:spLocks noGrp="1"/>
-          </p:cNvSpPr>
-          <p:nvPr>
-            <p:ph type="ctrTitle"/>
-          </p:nvPr>
-        </p:nvSpPr>
-        <p:spPr>
-          <a:xfrm>
-            <a:off x="1026505" y="2118603"/>
-            <a:ext cx="1575904" cy="607538"/>
-          </a:xfrm>
-          <a:prstGeom prst="rect">
-            <a:avLst/>
-          </a:prstGeom>
-        </p:spPr>
-        <p:txBody>
-          <a:bodyPr spcFirstLastPara="1" wrap="square" lIns="91425" tIns="91425" rIns="91425" bIns="91425" anchor="b" anchorCtr="0">
-            <a:noAutofit/>
-          </a:bodyPr>
-          <a:lstStyle/>
-          <a:p>
-            <a:pPr marL="0" lvl="0" indent="0" algn="l" rtl="0">
-              <a:spcBef>
-                <a:spcPts val="0"/>
-              </a:spcBef>
-              <a:spcAft>
-                <a:spcPts val="0"/>
-              </a:spcAft>
-              <a:buNone/>
-            </a:pPr>
-            <a:r>
-              <a:rPr lang="en" sz="3200" b="1" dirty="0"/>
-              <a:t>GUI</a:t>
-            </a:r>
-            <a:endParaRPr sz="3200" b="1" dirty="0"/>
-          </a:p>
-        </p:txBody>
-      </p:sp>
-      <p:sp>
-        <p:nvSpPr>
-          <p:cNvPr id="4134" name="Google Shape;4134;p55"/>
-          <p:cNvSpPr/>
-          <p:nvPr/>
-        </p:nvSpPr>
-        <p:spPr>
-          <a:xfrm>
-            <a:off x="4894687" y="778310"/>
-            <a:ext cx="3429461" cy="2602148"/>
-          </a:xfrm>
-          <a:prstGeom prst="rect">
-            <a:avLst/>
-          </a:prstGeom>
-          <a:solidFill>
-            <a:schemeClr val="lt1"/>
-          </a:solidFill>
-          <a:ln>
-            <a:noFill/>
-          </a:ln>
-        </p:spPr>
-        <p:txBody>
-          <a:bodyPr spcFirstLastPara="1" wrap="square" lIns="91425" tIns="91425" rIns="91425" bIns="91425" anchor="ctr" anchorCtr="0">
-            <a:noAutofit/>
-          </a:bodyPr>
-          <a:lstStyle/>
-          <a:p>
-            <a:pPr marL="0" lvl="0" indent="0" algn="l" rtl="0">
-              <a:spcBef>
-                <a:spcPts val="0"/>
-              </a:spcBef>
-              <a:spcAft>
-                <a:spcPts val="0"/>
-              </a:spcAft>
-              <a:buNone/>
-            </a:pPr>
-            <a:endParaRPr/>
-          </a:p>
-        </p:txBody>
-      </p:sp>
-      <p:grpSp>
-        <p:nvGrpSpPr>
-          <p:cNvPr id="4135" name="Google Shape;4135;p55"/>
-          <p:cNvGrpSpPr/>
-          <p:nvPr/>
-        </p:nvGrpSpPr>
-        <p:grpSpPr>
-          <a:xfrm>
-            <a:off x="854266" y="255998"/>
-            <a:ext cx="593164" cy="1161172"/>
-            <a:chOff x="4921825" y="870250"/>
-            <a:chExt cx="407925" cy="798550"/>
-          </a:xfrm>
-        </p:grpSpPr>
-        <p:sp>
-          <p:nvSpPr>
-            <p:cNvPr id="4136" name="Google Shape;4136;p55"/>
-            <p:cNvSpPr/>
-            <p:nvPr/>
-          </p:nvSpPr>
-          <p:spPr>
-            <a:xfrm>
-              <a:off x="4921825" y="1092675"/>
-              <a:ext cx="21950" cy="27125"/>
-            </a:xfrm>
-            <a:custGeom>
-              <a:avLst/>
-              <a:gdLst/>
-              <a:ahLst/>
-              <a:cxnLst/>
-              <a:rect l="l" t="t" r="r" b="b"/>
-              <a:pathLst>
-                <a:path w="878" h="1085" extrusionOk="0">
-                  <a:moveTo>
-                    <a:pt x="624" y="0"/>
-                  </a:moveTo>
-                  <a:cubicBezTo>
-                    <a:pt x="569" y="0"/>
-                    <a:pt x="509" y="18"/>
-                    <a:pt x="452" y="54"/>
-                  </a:cubicBezTo>
-                  <a:cubicBezTo>
-                    <a:pt x="201" y="179"/>
-                    <a:pt x="0" y="530"/>
-                    <a:pt x="0" y="781"/>
-                  </a:cubicBezTo>
-                  <a:cubicBezTo>
-                    <a:pt x="0" y="977"/>
-                    <a:pt x="115" y="1085"/>
-                    <a:pt x="263" y="1085"/>
-                  </a:cubicBezTo>
-                  <a:cubicBezTo>
-                    <a:pt x="322" y="1085"/>
-                    <a:pt x="387" y="1067"/>
-                    <a:pt x="452" y="1031"/>
-                  </a:cubicBezTo>
-                  <a:cubicBezTo>
-                    <a:pt x="702" y="906"/>
-                    <a:pt x="878" y="580"/>
-                    <a:pt x="878" y="304"/>
-                  </a:cubicBezTo>
-                  <a:cubicBezTo>
-                    <a:pt x="878" y="108"/>
-                    <a:pt x="763" y="0"/>
-                    <a:pt x="624" y="0"/>
-                  </a:cubicBezTo>
-                  <a:close/>
-                </a:path>
-              </a:pathLst>
-            </a:custGeom>
-            <a:solidFill>
-              <a:schemeClr val="dk1"/>
-            </a:solidFill>
-            <a:ln>
-              <a:noFill/>
-            </a:ln>
-          </p:spPr>
-          <p:txBody>
-            <a:bodyPr spcFirstLastPara="1" wrap="square" lIns="91425" tIns="91425" rIns="91425" bIns="91425" anchor="ctr" anchorCtr="0">
-              <a:noAutofit/>
-            </a:bodyPr>
-            <a:lstStyle/>
-            <a:p>
-              <a:pPr marL="0" lvl="0" indent="0" algn="l" rtl="0">
-                <a:spcBef>
-                  <a:spcPts val="0"/>
-                </a:spcBef>
-                <a:spcAft>
-                  <a:spcPts val="0"/>
-                </a:spcAft>
-                <a:buNone/>
-              </a:pPr>
-              <a:endParaRPr/>
-            </a:p>
-          </p:txBody>
-        </p:sp>
-        <p:sp>
-          <p:nvSpPr>
-            <p:cNvPr id="4137" name="Google Shape;4137;p55"/>
-            <p:cNvSpPr/>
-            <p:nvPr/>
-          </p:nvSpPr>
-          <p:spPr>
-            <a:xfrm>
-              <a:off x="5018325" y="1037425"/>
-              <a:ext cx="21950" cy="26725"/>
-            </a:xfrm>
-            <a:custGeom>
-              <a:avLst/>
-              <a:gdLst/>
-              <a:ahLst/>
-              <a:cxnLst/>
-              <a:rect l="l" t="t" r="r" b="b"/>
-              <a:pathLst>
-                <a:path w="878" h="1069" extrusionOk="0">
-                  <a:moveTo>
-                    <a:pt x="627" y="0"/>
-                  </a:moveTo>
-                  <a:cubicBezTo>
-                    <a:pt x="564" y="0"/>
-                    <a:pt x="495" y="20"/>
-                    <a:pt x="426" y="58"/>
-                  </a:cubicBezTo>
-                  <a:cubicBezTo>
-                    <a:pt x="175" y="209"/>
-                    <a:pt x="0" y="509"/>
-                    <a:pt x="0" y="760"/>
-                  </a:cubicBezTo>
-                  <a:cubicBezTo>
-                    <a:pt x="0" y="969"/>
-                    <a:pt x="96" y="1069"/>
-                    <a:pt x="231" y="1069"/>
-                  </a:cubicBezTo>
-                  <a:cubicBezTo>
-                    <a:pt x="290" y="1069"/>
-                    <a:pt x="357" y="1049"/>
-                    <a:pt x="426" y="1011"/>
-                  </a:cubicBezTo>
-                  <a:cubicBezTo>
-                    <a:pt x="677" y="885"/>
-                    <a:pt x="877" y="585"/>
-                    <a:pt x="877" y="309"/>
-                  </a:cubicBezTo>
-                  <a:cubicBezTo>
-                    <a:pt x="877" y="100"/>
-                    <a:pt x="769" y="0"/>
-                    <a:pt x="627" y="0"/>
-                  </a:cubicBezTo>
-                  <a:close/>
-                </a:path>
-              </a:pathLst>
-            </a:custGeom>
-            <a:solidFill>
-              <a:schemeClr val="dk1"/>
-            </a:solidFill>
-            <a:ln>
-              <a:noFill/>
-            </a:ln>
-          </p:spPr>
-          <p:txBody>
-            <a:bodyPr spcFirstLastPara="1" wrap="square" lIns="91425" tIns="91425" rIns="91425" bIns="91425" anchor="ctr" anchorCtr="0">
-              <a:noAutofit/>
-            </a:bodyPr>
-            <a:lstStyle/>
-            <a:p>
-              <a:pPr marL="0" lvl="0" indent="0" algn="l" rtl="0">
-                <a:spcBef>
-                  <a:spcPts val="0"/>
-                </a:spcBef>
-                <a:spcAft>
-                  <a:spcPts val="0"/>
-                </a:spcAft>
-                <a:buNone/>
-              </a:pPr>
-              <a:endParaRPr/>
-            </a:p>
-          </p:txBody>
-        </p:sp>
-        <p:sp>
-          <p:nvSpPr>
-            <p:cNvPr id="4138" name="Google Shape;4138;p55"/>
-            <p:cNvSpPr/>
-            <p:nvPr/>
-          </p:nvSpPr>
-          <p:spPr>
-            <a:xfrm>
-              <a:off x="5114800" y="981775"/>
-              <a:ext cx="21325" cy="26900"/>
-            </a:xfrm>
-            <a:custGeom>
-              <a:avLst/>
-              <a:gdLst/>
-              <a:ahLst/>
-              <a:cxnLst/>
-              <a:rect l="l" t="t" r="r" b="b"/>
-              <a:pathLst>
-                <a:path w="853" h="1076" extrusionOk="0">
-                  <a:moveTo>
-                    <a:pt x="611" y="0"/>
-                  </a:moveTo>
-                  <a:cubicBezTo>
-                    <a:pt x="554" y="0"/>
-                    <a:pt x="491" y="18"/>
-                    <a:pt x="427" y="54"/>
-                  </a:cubicBezTo>
-                  <a:cubicBezTo>
-                    <a:pt x="176" y="204"/>
-                    <a:pt x="1" y="530"/>
-                    <a:pt x="1" y="780"/>
-                  </a:cubicBezTo>
-                  <a:cubicBezTo>
-                    <a:pt x="1" y="969"/>
-                    <a:pt x="95" y="1076"/>
-                    <a:pt x="227" y="1076"/>
-                  </a:cubicBezTo>
-                  <a:cubicBezTo>
-                    <a:pt x="287" y="1076"/>
-                    <a:pt x="356" y="1053"/>
-                    <a:pt x="427" y="1006"/>
-                  </a:cubicBezTo>
-                  <a:cubicBezTo>
-                    <a:pt x="677" y="906"/>
-                    <a:pt x="853" y="580"/>
-                    <a:pt x="853" y="304"/>
-                  </a:cubicBezTo>
-                  <a:cubicBezTo>
-                    <a:pt x="853" y="108"/>
-                    <a:pt x="751" y="0"/>
-                    <a:pt x="611" y="0"/>
-                  </a:cubicBezTo>
-                  <a:close/>
-                </a:path>
-              </a:pathLst>
-            </a:custGeom>
-            <a:solidFill>
-              <a:schemeClr val="dk1"/>
-            </a:solidFill>
-            <a:ln>
-              <a:noFill/>
-            </a:ln>
-          </p:spPr>
-          <p:txBody>
-            <a:bodyPr spcFirstLastPara="1" wrap="square" lIns="91425" tIns="91425" rIns="91425" bIns="91425" anchor="ctr" anchorCtr="0">
-              <a:noAutofit/>
-            </a:bodyPr>
-            <a:lstStyle/>
-            <a:p>
-              <a:pPr marL="0" lvl="0" indent="0" algn="l" rtl="0">
-                <a:spcBef>
-                  <a:spcPts val="0"/>
-                </a:spcBef>
-                <a:spcAft>
-                  <a:spcPts val="0"/>
-                </a:spcAft>
-                <a:buNone/>
-              </a:pPr>
-              <a:endParaRPr/>
-            </a:p>
-          </p:txBody>
-        </p:sp>
-        <p:sp>
-          <p:nvSpPr>
-            <p:cNvPr id="4139" name="Google Shape;4139;p55"/>
-            <p:cNvSpPr/>
-            <p:nvPr/>
-          </p:nvSpPr>
-          <p:spPr>
-            <a:xfrm>
-              <a:off x="5210050" y="926000"/>
-              <a:ext cx="21950" cy="27125"/>
-            </a:xfrm>
-            <a:custGeom>
-              <a:avLst/>
-              <a:gdLst/>
-              <a:ahLst/>
-              <a:cxnLst/>
-              <a:rect l="l" t="t" r="r" b="b"/>
-              <a:pathLst>
-                <a:path w="878" h="1085" extrusionOk="0">
-                  <a:moveTo>
-                    <a:pt x="624" y="1"/>
-                  </a:moveTo>
-                  <a:cubicBezTo>
-                    <a:pt x="568" y="1"/>
-                    <a:pt x="509" y="18"/>
-                    <a:pt x="451" y="54"/>
-                  </a:cubicBezTo>
-                  <a:cubicBezTo>
-                    <a:pt x="226" y="204"/>
-                    <a:pt x="0" y="505"/>
-                    <a:pt x="0" y="781"/>
-                  </a:cubicBezTo>
-                  <a:cubicBezTo>
-                    <a:pt x="0" y="977"/>
-                    <a:pt x="115" y="1085"/>
-                    <a:pt x="263" y="1085"/>
-                  </a:cubicBezTo>
-                  <a:cubicBezTo>
-                    <a:pt x="322" y="1085"/>
-                    <a:pt x="387" y="1067"/>
-                    <a:pt x="451" y="1032"/>
-                  </a:cubicBezTo>
-                  <a:cubicBezTo>
-                    <a:pt x="677" y="906"/>
-                    <a:pt x="877" y="580"/>
-                    <a:pt x="877" y="305"/>
-                  </a:cubicBezTo>
-                  <a:cubicBezTo>
-                    <a:pt x="877" y="108"/>
-                    <a:pt x="763" y="1"/>
-                    <a:pt x="624" y="1"/>
-                  </a:cubicBezTo>
-                  <a:close/>
-                </a:path>
-              </a:pathLst>
-            </a:custGeom>
-            <a:solidFill>
-              <a:schemeClr val="dk1"/>
-            </a:solidFill>
-            <a:ln>
-              <a:noFill/>
-            </a:ln>
-          </p:spPr>
-          <p:txBody>
-            <a:bodyPr spcFirstLastPara="1" wrap="square" lIns="91425" tIns="91425" rIns="91425" bIns="91425" anchor="ctr" anchorCtr="0">
-              <a:noAutofit/>
-            </a:bodyPr>
-            <a:lstStyle/>
-            <a:p>
-              <a:pPr marL="0" lvl="0" indent="0" algn="l" rtl="0">
-                <a:spcBef>
-                  <a:spcPts val="0"/>
-                </a:spcBef>
-                <a:spcAft>
-                  <a:spcPts val="0"/>
-                </a:spcAft>
-                <a:buNone/>
-              </a:pPr>
-              <a:endParaRPr/>
-            </a:p>
-          </p:txBody>
-        </p:sp>
-        <p:sp>
-          <p:nvSpPr>
-            <p:cNvPr id="4140" name="Google Shape;4140;p55"/>
-            <p:cNvSpPr/>
-            <p:nvPr/>
-          </p:nvSpPr>
-          <p:spPr>
-            <a:xfrm>
-              <a:off x="5306525" y="870250"/>
-              <a:ext cx="21975" cy="27125"/>
-            </a:xfrm>
-            <a:custGeom>
-              <a:avLst/>
-              <a:gdLst/>
-              <a:ahLst/>
-              <a:cxnLst/>
-              <a:rect l="l" t="t" r="r" b="b"/>
-              <a:pathLst>
-                <a:path w="879" h="1085" extrusionOk="0">
-                  <a:moveTo>
-                    <a:pt x="616" y="0"/>
-                  </a:moveTo>
-                  <a:cubicBezTo>
-                    <a:pt x="556" y="0"/>
-                    <a:pt x="492" y="18"/>
-                    <a:pt x="427" y="53"/>
-                  </a:cubicBezTo>
-                  <a:cubicBezTo>
-                    <a:pt x="226" y="229"/>
-                    <a:pt x="1" y="505"/>
-                    <a:pt x="1" y="780"/>
-                  </a:cubicBezTo>
-                  <a:cubicBezTo>
-                    <a:pt x="1" y="977"/>
-                    <a:pt x="103" y="1084"/>
-                    <a:pt x="243" y="1084"/>
-                  </a:cubicBezTo>
-                  <a:cubicBezTo>
-                    <a:pt x="300" y="1084"/>
-                    <a:pt x="362" y="1067"/>
-                    <a:pt x="427" y="1031"/>
-                  </a:cubicBezTo>
-                  <a:cubicBezTo>
-                    <a:pt x="678" y="906"/>
-                    <a:pt x="878" y="605"/>
-                    <a:pt x="878" y="304"/>
-                  </a:cubicBezTo>
-                  <a:cubicBezTo>
-                    <a:pt x="878" y="108"/>
-                    <a:pt x="763" y="0"/>
-                    <a:pt x="616" y="0"/>
-                  </a:cubicBezTo>
-                  <a:close/>
-                </a:path>
-              </a:pathLst>
-            </a:custGeom>
-            <a:solidFill>
-              <a:schemeClr val="dk1"/>
-            </a:solidFill>
-            <a:ln>
-              <a:noFill/>
-            </a:ln>
-          </p:spPr>
-          <p:txBody>
-            <a:bodyPr spcFirstLastPara="1" wrap="square" lIns="91425" tIns="91425" rIns="91425" bIns="91425" anchor="ctr" anchorCtr="0">
-              <a:noAutofit/>
-            </a:bodyPr>
-            <a:lstStyle/>
-            <a:p>
-              <a:pPr marL="0" lvl="0" indent="0" algn="l" rtl="0">
-                <a:spcBef>
-                  <a:spcPts val="0"/>
-                </a:spcBef>
-                <a:spcAft>
-                  <a:spcPts val="0"/>
-                </a:spcAft>
-                <a:buNone/>
-              </a:pPr>
-              <a:endParaRPr/>
-            </a:p>
-          </p:txBody>
-        </p:sp>
-        <p:sp>
-          <p:nvSpPr>
-            <p:cNvPr id="4141" name="Google Shape;4141;p55"/>
-            <p:cNvSpPr/>
-            <p:nvPr/>
-          </p:nvSpPr>
-          <p:spPr>
-            <a:xfrm>
-              <a:off x="4921825" y="1203450"/>
-              <a:ext cx="21950" cy="26750"/>
-            </a:xfrm>
-            <a:custGeom>
-              <a:avLst/>
-              <a:gdLst/>
-              <a:ahLst/>
-              <a:cxnLst/>
-              <a:rect l="l" t="t" r="r" b="b"/>
-              <a:pathLst>
-                <a:path w="878" h="1070" extrusionOk="0">
-                  <a:moveTo>
-                    <a:pt x="636" y="1"/>
-                  </a:moveTo>
-                  <a:cubicBezTo>
-                    <a:pt x="577" y="1"/>
-                    <a:pt x="513" y="20"/>
-                    <a:pt x="452" y="59"/>
-                  </a:cubicBezTo>
-                  <a:cubicBezTo>
-                    <a:pt x="226" y="209"/>
-                    <a:pt x="25" y="510"/>
-                    <a:pt x="0" y="761"/>
-                  </a:cubicBezTo>
-                  <a:cubicBezTo>
-                    <a:pt x="0" y="969"/>
-                    <a:pt x="109" y="1069"/>
-                    <a:pt x="251" y="1069"/>
-                  </a:cubicBezTo>
-                  <a:cubicBezTo>
-                    <a:pt x="313" y="1069"/>
-                    <a:pt x="382" y="1050"/>
-                    <a:pt x="452" y="1011"/>
-                  </a:cubicBezTo>
-                  <a:cubicBezTo>
-                    <a:pt x="702" y="886"/>
-                    <a:pt x="878" y="585"/>
-                    <a:pt x="878" y="310"/>
-                  </a:cubicBezTo>
-                  <a:cubicBezTo>
-                    <a:pt x="878" y="101"/>
-                    <a:pt x="769" y="1"/>
-                    <a:pt x="636" y="1"/>
-                  </a:cubicBezTo>
-                  <a:close/>
-                </a:path>
-              </a:pathLst>
-            </a:custGeom>
-            <a:solidFill>
-              <a:schemeClr val="dk1"/>
-            </a:solidFill>
-            <a:ln>
-              <a:noFill/>
-            </a:ln>
-          </p:spPr>
-          <p:txBody>
-            <a:bodyPr spcFirstLastPara="1" wrap="square" lIns="91425" tIns="91425" rIns="91425" bIns="91425" anchor="ctr" anchorCtr="0">
-              <a:noAutofit/>
-            </a:bodyPr>
-            <a:lstStyle/>
-            <a:p>
-              <a:pPr marL="0" lvl="0" indent="0" algn="l" rtl="0">
-                <a:spcBef>
-                  <a:spcPts val="0"/>
-                </a:spcBef>
-                <a:spcAft>
-                  <a:spcPts val="0"/>
-                </a:spcAft>
-                <a:buNone/>
-              </a:pPr>
-              <a:endParaRPr/>
-            </a:p>
-          </p:txBody>
-        </p:sp>
-        <p:sp>
-          <p:nvSpPr>
-            <p:cNvPr id="4142" name="Google Shape;4142;p55"/>
-            <p:cNvSpPr/>
-            <p:nvPr/>
-          </p:nvSpPr>
-          <p:spPr>
-            <a:xfrm>
-              <a:off x="4922450" y="1313850"/>
-              <a:ext cx="21950" cy="27125"/>
-            </a:xfrm>
-            <a:custGeom>
-              <a:avLst/>
-              <a:gdLst/>
-              <a:ahLst/>
-              <a:cxnLst/>
-              <a:rect l="l" t="t" r="r" b="b"/>
-              <a:pathLst>
-                <a:path w="878" h="1085" extrusionOk="0">
-                  <a:moveTo>
-                    <a:pt x="635" y="1"/>
-                  </a:moveTo>
-                  <a:cubicBezTo>
-                    <a:pt x="579" y="1"/>
-                    <a:pt x="516" y="18"/>
-                    <a:pt x="452" y="54"/>
-                  </a:cubicBezTo>
-                  <a:cubicBezTo>
-                    <a:pt x="201" y="204"/>
-                    <a:pt x="0" y="530"/>
-                    <a:pt x="0" y="781"/>
-                  </a:cubicBezTo>
-                  <a:cubicBezTo>
-                    <a:pt x="0" y="977"/>
-                    <a:pt x="102" y="1085"/>
-                    <a:pt x="252" y="1085"/>
-                  </a:cubicBezTo>
-                  <a:cubicBezTo>
-                    <a:pt x="312" y="1085"/>
-                    <a:pt x="380" y="1067"/>
-                    <a:pt x="452" y="1031"/>
-                  </a:cubicBezTo>
-                  <a:cubicBezTo>
-                    <a:pt x="702" y="906"/>
-                    <a:pt x="878" y="580"/>
-                    <a:pt x="878" y="305"/>
-                  </a:cubicBezTo>
-                  <a:cubicBezTo>
-                    <a:pt x="878" y="108"/>
-                    <a:pt x="776" y="1"/>
-                    <a:pt x="635" y="1"/>
-                  </a:cubicBezTo>
-                  <a:close/>
-                </a:path>
-              </a:pathLst>
-            </a:custGeom>
-            <a:solidFill>
-              <a:schemeClr val="dk1"/>
-            </a:solidFill>
-            <a:ln>
-              <a:noFill/>
-            </a:ln>
-          </p:spPr>
-          <p:txBody>
-            <a:bodyPr spcFirstLastPara="1" wrap="square" lIns="91425" tIns="91425" rIns="91425" bIns="91425" anchor="ctr" anchorCtr="0">
-              <a:noAutofit/>
-            </a:bodyPr>
-            <a:lstStyle/>
-            <a:p>
-              <a:pPr marL="0" lvl="0" indent="0" algn="l" rtl="0">
-                <a:spcBef>
-                  <a:spcPts val="0"/>
-                </a:spcBef>
-                <a:spcAft>
-                  <a:spcPts val="0"/>
-                </a:spcAft>
-                <a:buNone/>
-              </a:pPr>
-              <a:endParaRPr/>
-            </a:p>
-          </p:txBody>
-        </p:sp>
-        <p:sp>
-          <p:nvSpPr>
-            <p:cNvPr id="4143" name="Google Shape;4143;p55"/>
-            <p:cNvSpPr/>
-            <p:nvPr/>
-          </p:nvSpPr>
-          <p:spPr>
-            <a:xfrm>
-              <a:off x="4922450" y="1424750"/>
-              <a:ext cx="21950" cy="27125"/>
-            </a:xfrm>
-            <a:custGeom>
-              <a:avLst/>
-              <a:gdLst/>
-              <a:ahLst/>
-              <a:cxnLst/>
-              <a:rect l="l" t="t" r="r" b="b"/>
-              <a:pathLst>
-                <a:path w="878" h="1085" extrusionOk="0">
-                  <a:moveTo>
-                    <a:pt x="635" y="1"/>
-                  </a:moveTo>
-                  <a:cubicBezTo>
-                    <a:pt x="579" y="1"/>
-                    <a:pt x="516" y="18"/>
-                    <a:pt x="452" y="54"/>
-                  </a:cubicBezTo>
-                  <a:cubicBezTo>
-                    <a:pt x="226" y="179"/>
-                    <a:pt x="51" y="505"/>
-                    <a:pt x="0" y="781"/>
-                  </a:cubicBezTo>
-                  <a:cubicBezTo>
-                    <a:pt x="0" y="977"/>
-                    <a:pt x="115" y="1085"/>
-                    <a:pt x="263" y="1085"/>
-                  </a:cubicBezTo>
-                  <a:cubicBezTo>
-                    <a:pt x="322" y="1085"/>
-                    <a:pt x="387" y="1067"/>
-                    <a:pt x="452" y="1032"/>
-                  </a:cubicBezTo>
-                  <a:cubicBezTo>
-                    <a:pt x="702" y="906"/>
-                    <a:pt x="878" y="605"/>
-                    <a:pt x="878" y="305"/>
-                  </a:cubicBezTo>
-                  <a:cubicBezTo>
-                    <a:pt x="878" y="108"/>
-                    <a:pt x="776" y="1"/>
-                    <a:pt x="635" y="1"/>
-                  </a:cubicBezTo>
-                  <a:close/>
-                </a:path>
-              </a:pathLst>
-            </a:custGeom>
-            <a:solidFill>
-              <a:schemeClr val="dk1"/>
-            </a:solidFill>
-            <a:ln>
-              <a:noFill/>
-            </a:ln>
-          </p:spPr>
-          <p:txBody>
-            <a:bodyPr spcFirstLastPara="1" wrap="square" lIns="91425" tIns="91425" rIns="91425" bIns="91425" anchor="ctr" anchorCtr="0">
-              <a:noAutofit/>
-            </a:bodyPr>
-            <a:lstStyle/>
-            <a:p>
-              <a:pPr marL="0" lvl="0" indent="0" algn="l" rtl="0">
-                <a:spcBef>
-                  <a:spcPts val="0"/>
-                </a:spcBef>
-                <a:spcAft>
-                  <a:spcPts val="0"/>
-                </a:spcAft>
-                <a:buNone/>
-              </a:pPr>
-              <a:endParaRPr/>
-            </a:p>
-          </p:txBody>
-        </p:sp>
-        <p:sp>
-          <p:nvSpPr>
-            <p:cNvPr id="4144" name="Google Shape;4144;p55"/>
-            <p:cNvSpPr/>
-            <p:nvPr/>
-          </p:nvSpPr>
-          <p:spPr>
-            <a:xfrm>
-              <a:off x="4923700" y="1535550"/>
-              <a:ext cx="21325" cy="26725"/>
-            </a:xfrm>
-            <a:custGeom>
-              <a:avLst/>
-              <a:gdLst/>
-              <a:ahLst/>
-              <a:cxnLst/>
-              <a:rect l="l" t="t" r="r" b="b"/>
-              <a:pathLst>
-                <a:path w="853" h="1069" extrusionOk="0">
-                  <a:moveTo>
-                    <a:pt x="622" y="0"/>
-                  </a:moveTo>
-                  <a:cubicBezTo>
-                    <a:pt x="563" y="0"/>
-                    <a:pt x="496" y="20"/>
-                    <a:pt x="427" y="58"/>
-                  </a:cubicBezTo>
-                  <a:cubicBezTo>
-                    <a:pt x="176" y="183"/>
-                    <a:pt x="1" y="484"/>
-                    <a:pt x="1" y="760"/>
-                  </a:cubicBezTo>
-                  <a:cubicBezTo>
-                    <a:pt x="1" y="968"/>
-                    <a:pt x="97" y="1069"/>
-                    <a:pt x="231" y="1069"/>
-                  </a:cubicBezTo>
-                  <a:cubicBezTo>
-                    <a:pt x="291" y="1069"/>
-                    <a:pt x="357" y="1049"/>
-                    <a:pt x="427" y="1011"/>
-                  </a:cubicBezTo>
-                  <a:cubicBezTo>
-                    <a:pt x="677" y="885"/>
-                    <a:pt x="853" y="584"/>
-                    <a:pt x="853" y="309"/>
-                  </a:cubicBezTo>
-                  <a:cubicBezTo>
-                    <a:pt x="853" y="100"/>
-                    <a:pt x="756" y="0"/>
-                    <a:pt x="622" y="0"/>
-                  </a:cubicBezTo>
-                  <a:close/>
-                </a:path>
-              </a:pathLst>
-            </a:custGeom>
-            <a:solidFill>
-              <a:schemeClr val="dk1"/>
-            </a:solidFill>
-            <a:ln>
-              <a:noFill/>
-            </a:ln>
-          </p:spPr>
-          <p:txBody>
-            <a:bodyPr spcFirstLastPara="1" wrap="square" lIns="91425" tIns="91425" rIns="91425" bIns="91425" anchor="ctr" anchorCtr="0">
-              <a:noAutofit/>
-            </a:bodyPr>
-            <a:lstStyle/>
-            <a:p>
-              <a:pPr marL="0" lvl="0" indent="0" algn="l" rtl="0">
-                <a:spcBef>
-                  <a:spcPts val="0"/>
-                </a:spcBef>
-                <a:spcAft>
-                  <a:spcPts val="0"/>
-                </a:spcAft>
-                <a:buNone/>
-              </a:pPr>
-              <a:endParaRPr/>
-            </a:p>
-          </p:txBody>
-        </p:sp>
-        <p:sp>
-          <p:nvSpPr>
-            <p:cNvPr id="4145" name="Google Shape;4145;p55"/>
-            <p:cNvSpPr/>
-            <p:nvPr/>
-          </p:nvSpPr>
-          <p:spPr>
-            <a:xfrm>
-              <a:off x="5018325" y="1147800"/>
-              <a:ext cx="21950" cy="27150"/>
-            </a:xfrm>
-            <a:custGeom>
-              <a:avLst/>
-              <a:gdLst/>
-              <a:ahLst/>
-              <a:cxnLst/>
-              <a:rect l="l" t="t" r="r" b="b"/>
-              <a:pathLst>
-                <a:path w="878" h="1086" extrusionOk="0">
-                  <a:moveTo>
-                    <a:pt x="615" y="1"/>
-                  </a:moveTo>
-                  <a:cubicBezTo>
-                    <a:pt x="556" y="1"/>
-                    <a:pt x="491" y="18"/>
-                    <a:pt x="426" y="54"/>
-                  </a:cubicBezTo>
-                  <a:cubicBezTo>
-                    <a:pt x="201" y="205"/>
-                    <a:pt x="0" y="480"/>
-                    <a:pt x="0" y="781"/>
-                  </a:cubicBezTo>
-                  <a:cubicBezTo>
-                    <a:pt x="0" y="978"/>
-                    <a:pt x="102" y="1085"/>
-                    <a:pt x="242" y="1085"/>
-                  </a:cubicBezTo>
-                  <a:cubicBezTo>
-                    <a:pt x="299" y="1085"/>
-                    <a:pt x="361" y="1068"/>
-                    <a:pt x="426" y="1032"/>
-                  </a:cubicBezTo>
-                  <a:cubicBezTo>
-                    <a:pt x="677" y="906"/>
-                    <a:pt x="877" y="581"/>
-                    <a:pt x="877" y="305"/>
-                  </a:cubicBezTo>
-                  <a:cubicBezTo>
-                    <a:pt x="877" y="108"/>
-                    <a:pt x="763" y="1"/>
-                    <a:pt x="615" y="1"/>
-                  </a:cubicBezTo>
-                  <a:close/>
-                </a:path>
-              </a:pathLst>
-            </a:custGeom>
-            <a:solidFill>
-              <a:schemeClr val="dk1"/>
-            </a:solidFill>
-            <a:ln>
-              <a:noFill/>
-            </a:ln>
-          </p:spPr>
-          <p:txBody>
-            <a:bodyPr spcFirstLastPara="1" wrap="square" lIns="91425" tIns="91425" rIns="91425" bIns="91425" anchor="ctr" anchorCtr="0">
-              <a:noAutofit/>
-            </a:bodyPr>
-            <a:lstStyle/>
-            <a:p>
-              <a:pPr marL="0" lvl="0" indent="0" algn="l" rtl="0">
-                <a:spcBef>
-                  <a:spcPts val="0"/>
-                </a:spcBef>
-                <a:spcAft>
-                  <a:spcPts val="0"/>
-                </a:spcAft>
-                <a:buNone/>
-              </a:pPr>
-              <a:endParaRPr/>
-            </a:p>
-          </p:txBody>
-        </p:sp>
-        <p:sp>
-          <p:nvSpPr>
-            <p:cNvPr id="4146" name="Google Shape;4146;p55"/>
-            <p:cNvSpPr/>
-            <p:nvPr/>
-          </p:nvSpPr>
-          <p:spPr>
-            <a:xfrm>
-              <a:off x="5114800" y="1092050"/>
-              <a:ext cx="21325" cy="27125"/>
-            </a:xfrm>
-            <a:custGeom>
-              <a:avLst/>
-              <a:gdLst/>
-              <a:ahLst/>
-              <a:cxnLst/>
-              <a:rect l="l" t="t" r="r" b="b"/>
-              <a:pathLst>
-                <a:path w="853" h="1085" extrusionOk="0">
-                  <a:moveTo>
-                    <a:pt x="611" y="0"/>
-                  </a:moveTo>
-                  <a:cubicBezTo>
-                    <a:pt x="554" y="0"/>
-                    <a:pt x="491" y="18"/>
-                    <a:pt x="427" y="54"/>
-                  </a:cubicBezTo>
-                  <a:cubicBezTo>
-                    <a:pt x="201" y="204"/>
-                    <a:pt x="1" y="530"/>
-                    <a:pt x="1" y="781"/>
-                  </a:cubicBezTo>
-                  <a:cubicBezTo>
-                    <a:pt x="1" y="977"/>
-                    <a:pt x="103" y="1085"/>
-                    <a:pt x="243" y="1085"/>
-                  </a:cubicBezTo>
-                  <a:cubicBezTo>
-                    <a:pt x="299" y="1085"/>
-                    <a:pt x="362" y="1067"/>
-                    <a:pt x="427" y="1031"/>
-                  </a:cubicBezTo>
-                  <a:cubicBezTo>
-                    <a:pt x="677" y="906"/>
-                    <a:pt x="853" y="580"/>
-                    <a:pt x="853" y="304"/>
-                  </a:cubicBezTo>
-                  <a:cubicBezTo>
-                    <a:pt x="853" y="108"/>
-                    <a:pt x="751" y="0"/>
-                    <a:pt x="611" y="0"/>
-                  </a:cubicBezTo>
-                  <a:close/>
-                </a:path>
-              </a:pathLst>
-            </a:custGeom>
-            <a:solidFill>
-              <a:schemeClr val="dk1"/>
-            </a:solidFill>
-            <a:ln>
-              <a:noFill/>
-            </a:ln>
-          </p:spPr>
-          <p:txBody>
-            <a:bodyPr spcFirstLastPara="1" wrap="square" lIns="91425" tIns="91425" rIns="91425" bIns="91425" anchor="ctr" anchorCtr="0">
-              <a:noAutofit/>
-            </a:bodyPr>
-            <a:lstStyle/>
-            <a:p>
-              <a:pPr marL="0" lvl="0" indent="0" algn="l" rtl="0">
-                <a:spcBef>
-                  <a:spcPts val="0"/>
-                </a:spcBef>
-                <a:spcAft>
-                  <a:spcPts val="0"/>
-                </a:spcAft>
-                <a:buNone/>
-              </a:pPr>
-              <a:endParaRPr/>
-            </a:p>
-          </p:txBody>
-        </p:sp>
-        <p:sp>
-          <p:nvSpPr>
-            <p:cNvPr id="4147" name="Google Shape;4147;p55"/>
-            <p:cNvSpPr/>
-            <p:nvPr/>
-          </p:nvSpPr>
-          <p:spPr>
-            <a:xfrm>
-              <a:off x="5210675" y="1036275"/>
-              <a:ext cx="21950" cy="27125"/>
-            </a:xfrm>
-            <a:custGeom>
-              <a:avLst/>
-              <a:gdLst/>
-              <a:ahLst/>
-              <a:cxnLst/>
-              <a:rect l="l" t="t" r="r" b="b"/>
-              <a:pathLst>
-                <a:path w="878" h="1085" extrusionOk="0">
-                  <a:moveTo>
-                    <a:pt x="635" y="1"/>
-                  </a:moveTo>
-                  <a:cubicBezTo>
-                    <a:pt x="579" y="1"/>
-                    <a:pt x="516" y="18"/>
-                    <a:pt x="451" y="54"/>
-                  </a:cubicBezTo>
-                  <a:cubicBezTo>
-                    <a:pt x="201" y="230"/>
-                    <a:pt x="0" y="530"/>
-                    <a:pt x="0" y="781"/>
-                  </a:cubicBezTo>
-                  <a:cubicBezTo>
-                    <a:pt x="0" y="978"/>
-                    <a:pt x="115" y="1085"/>
-                    <a:pt x="263" y="1085"/>
-                  </a:cubicBezTo>
-                  <a:cubicBezTo>
-                    <a:pt x="322" y="1085"/>
-                    <a:pt x="387" y="1068"/>
-                    <a:pt x="451" y="1032"/>
-                  </a:cubicBezTo>
-                  <a:cubicBezTo>
-                    <a:pt x="702" y="906"/>
-                    <a:pt x="878" y="580"/>
-                    <a:pt x="878" y="305"/>
-                  </a:cubicBezTo>
-                  <a:cubicBezTo>
-                    <a:pt x="878" y="108"/>
-                    <a:pt x="776" y="1"/>
-                    <a:pt x="635" y="1"/>
-                  </a:cubicBezTo>
-                  <a:close/>
-                </a:path>
-              </a:pathLst>
-            </a:custGeom>
-            <a:solidFill>
-              <a:schemeClr val="dk1"/>
-            </a:solidFill>
-            <a:ln>
-              <a:noFill/>
-            </a:ln>
-          </p:spPr>
-          <p:txBody>
-            <a:bodyPr spcFirstLastPara="1" wrap="square" lIns="91425" tIns="91425" rIns="91425" bIns="91425" anchor="ctr" anchorCtr="0">
-              <a:noAutofit/>
-            </a:bodyPr>
-            <a:lstStyle/>
-            <a:p>
-              <a:pPr marL="0" lvl="0" indent="0" algn="l" rtl="0">
-                <a:spcBef>
-                  <a:spcPts val="0"/>
-                </a:spcBef>
-                <a:spcAft>
-                  <a:spcPts val="0"/>
-                </a:spcAft>
-                <a:buNone/>
-              </a:pPr>
-              <a:endParaRPr/>
-            </a:p>
-          </p:txBody>
-        </p:sp>
-        <p:sp>
-          <p:nvSpPr>
-            <p:cNvPr id="4148" name="Google Shape;4148;p55"/>
-            <p:cNvSpPr/>
-            <p:nvPr/>
-          </p:nvSpPr>
-          <p:spPr>
-            <a:xfrm>
-              <a:off x="5307150" y="981775"/>
-              <a:ext cx="21975" cy="26900"/>
-            </a:xfrm>
-            <a:custGeom>
-              <a:avLst/>
-              <a:gdLst/>
-              <a:ahLst/>
-              <a:cxnLst/>
-              <a:rect l="l" t="t" r="r" b="b"/>
-              <a:pathLst>
-                <a:path w="879" h="1076" extrusionOk="0">
-                  <a:moveTo>
-                    <a:pt x="625" y="0"/>
-                  </a:moveTo>
-                  <a:cubicBezTo>
-                    <a:pt x="569" y="0"/>
-                    <a:pt x="510" y="18"/>
-                    <a:pt x="452" y="54"/>
-                  </a:cubicBezTo>
-                  <a:cubicBezTo>
-                    <a:pt x="201" y="179"/>
-                    <a:pt x="1" y="480"/>
-                    <a:pt x="1" y="780"/>
-                  </a:cubicBezTo>
-                  <a:cubicBezTo>
-                    <a:pt x="1" y="969"/>
-                    <a:pt x="107" y="1076"/>
-                    <a:pt x="246" y="1076"/>
-                  </a:cubicBezTo>
-                  <a:cubicBezTo>
-                    <a:pt x="310" y="1076"/>
-                    <a:pt x="381" y="1053"/>
-                    <a:pt x="452" y="1006"/>
-                  </a:cubicBezTo>
-                  <a:cubicBezTo>
-                    <a:pt x="678" y="906"/>
-                    <a:pt x="878" y="580"/>
-                    <a:pt x="878" y="304"/>
-                  </a:cubicBezTo>
-                  <a:cubicBezTo>
-                    <a:pt x="878" y="108"/>
-                    <a:pt x="763" y="0"/>
-                    <a:pt x="625" y="0"/>
-                  </a:cubicBezTo>
-                  <a:close/>
-                </a:path>
-              </a:pathLst>
-            </a:custGeom>
-            <a:solidFill>
-              <a:schemeClr val="dk1"/>
-            </a:solidFill>
-            <a:ln>
-              <a:noFill/>
-            </a:ln>
-          </p:spPr>
-          <p:txBody>
-            <a:bodyPr spcFirstLastPara="1" wrap="square" lIns="91425" tIns="91425" rIns="91425" bIns="91425" anchor="ctr" anchorCtr="0">
-              <a:noAutofit/>
-            </a:bodyPr>
-            <a:lstStyle/>
-            <a:p>
-              <a:pPr marL="0" lvl="0" indent="0" algn="l" rtl="0">
-                <a:spcBef>
-                  <a:spcPts val="0"/>
-                </a:spcBef>
-                <a:spcAft>
-                  <a:spcPts val="0"/>
-                </a:spcAft>
-                <a:buNone/>
-              </a:pPr>
-              <a:endParaRPr/>
-            </a:p>
-          </p:txBody>
-        </p:sp>
-        <p:sp>
-          <p:nvSpPr>
-            <p:cNvPr id="4149" name="Google Shape;4149;p55"/>
-            <p:cNvSpPr/>
-            <p:nvPr/>
-          </p:nvSpPr>
-          <p:spPr>
-            <a:xfrm>
-              <a:off x="5018950" y="1258100"/>
-              <a:ext cx="21950" cy="27125"/>
-            </a:xfrm>
-            <a:custGeom>
-              <a:avLst/>
-              <a:gdLst/>
-              <a:ahLst/>
-              <a:cxnLst/>
-              <a:rect l="l" t="t" r="r" b="b"/>
-              <a:pathLst>
-                <a:path w="878" h="1085" extrusionOk="0">
-                  <a:moveTo>
-                    <a:pt x="624" y="0"/>
-                  </a:moveTo>
-                  <a:cubicBezTo>
-                    <a:pt x="568" y="0"/>
-                    <a:pt x="509" y="17"/>
-                    <a:pt x="451" y="53"/>
-                  </a:cubicBezTo>
-                  <a:cubicBezTo>
-                    <a:pt x="176" y="204"/>
-                    <a:pt x="0" y="504"/>
-                    <a:pt x="0" y="780"/>
-                  </a:cubicBezTo>
-                  <a:cubicBezTo>
-                    <a:pt x="0" y="977"/>
-                    <a:pt x="115" y="1084"/>
-                    <a:pt x="262" y="1084"/>
-                  </a:cubicBezTo>
-                  <a:cubicBezTo>
-                    <a:pt x="322" y="1084"/>
-                    <a:pt x="387" y="1067"/>
-                    <a:pt x="451" y="1031"/>
-                  </a:cubicBezTo>
-                  <a:cubicBezTo>
-                    <a:pt x="702" y="905"/>
-                    <a:pt x="877" y="580"/>
-                    <a:pt x="877" y="304"/>
-                  </a:cubicBezTo>
-                  <a:cubicBezTo>
-                    <a:pt x="877" y="107"/>
-                    <a:pt x="763" y="0"/>
-                    <a:pt x="624" y="0"/>
-                  </a:cubicBezTo>
-                  <a:close/>
-                </a:path>
-              </a:pathLst>
-            </a:custGeom>
-            <a:solidFill>
-              <a:schemeClr val="dk1"/>
-            </a:solidFill>
-            <a:ln>
-              <a:noFill/>
-            </a:ln>
-          </p:spPr>
-          <p:txBody>
-            <a:bodyPr spcFirstLastPara="1" wrap="square" lIns="91425" tIns="91425" rIns="91425" bIns="91425" anchor="ctr" anchorCtr="0">
-              <a:noAutofit/>
-            </a:bodyPr>
-            <a:lstStyle/>
-            <a:p>
-              <a:pPr marL="0" lvl="0" indent="0" algn="l" rtl="0">
-                <a:spcBef>
-                  <a:spcPts val="0"/>
-                </a:spcBef>
-                <a:spcAft>
-                  <a:spcPts val="0"/>
-                </a:spcAft>
-                <a:buNone/>
-              </a:pPr>
-              <a:endParaRPr/>
-            </a:p>
-          </p:txBody>
-        </p:sp>
-        <p:sp>
-          <p:nvSpPr>
-            <p:cNvPr id="4150" name="Google Shape;4150;p55"/>
-            <p:cNvSpPr/>
-            <p:nvPr/>
-          </p:nvSpPr>
-          <p:spPr>
-            <a:xfrm>
-              <a:off x="5018950" y="1369225"/>
-              <a:ext cx="21950" cy="27000"/>
-            </a:xfrm>
-            <a:custGeom>
-              <a:avLst/>
-              <a:gdLst/>
-              <a:ahLst/>
-              <a:cxnLst/>
-              <a:rect l="l" t="t" r="r" b="b"/>
-              <a:pathLst>
-                <a:path w="878" h="1080" extrusionOk="0">
-                  <a:moveTo>
-                    <a:pt x="637" y="0"/>
-                  </a:moveTo>
-                  <a:cubicBezTo>
-                    <a:pt x="578" y="0"/>
-                    <a:pt x="513" y="23"/>
-                    <a:pt x="451" y="70"/>
-                  </a:cubicBezTo>
-                  <a:cubicBezTo>
-                    <a:pt x="176" y="195"/>
-                    <a:pt x="0" y="496"/>
-                    <a:pt x="0" y="771"/>
-                  </a:cubicBezTo>
-                  <a:cubicBezTo>
-                    <a:pt x="0" y="980"/>
-                    <a:pt x="109" y="1080"/>
-                    <a:pt x="250" y="1080"/>
-                  </a:cubicBezTo>
-                  <a:cubicBezTo>
-                    <a:pt x="313" y="1080"/>
-                    <a:pt x="382" y="1060"/>
-                    <a:pt x="451" y="1022"/>
-                  </a:cubicBezTo>
-                  <a:cubicBezTo>
-                    <a:pt x="702" y="897"/>
-                    <a:pt x="877" y="596"/>
-                    <a:pt x="877" y="320"/>
-                  </a:cubicBezTo>
-                  <a:cubicBezTo>
-                    <a:pt x="877" y="113"/>
-                    <a:pt x="770" y="0"/>
-                    <a:pt x="637" y="0"/>
-                  </a:cubicBezTo>
-                  <a:close/>
-                </a:path>
-              </a:pathLst>
-            </a:custGeom>
-            <a:solidFill>
-              <a:schemeClr val="dk1"/>
-            </a:solidFill>
-            <a:ln>
-              <a:noFill/>
-            </a:ln>
-          </p:spPr>
-          <p:txBody>
-            <a:bodyPr spcFirstLastPara="1" wrap="square" lIns="91425" tIns="91425" rIns="91425" bIns="91425" anchor="ctr" anchorCtr="0">
-              <a:noAutofit/>
-            </a:bodyPr>
-            <a:lstStyle/>
-            <a:p>
-              <a:pPr marL="0" lvl="0" indent="0" algn="l" rtl="0">
-                <a:spcBef>
-                  <a:spcPts val="0"/>
-                </a:spcBef>
-                <a:spcAft>
-                  <a:spcPts val="0"/>
-                </a:spcAft>
-                <a:buNone/>
-              </a:pPr>
-              <a:endParaRPr/>
-            </a:p>
-          </p:txBody>
-        </p:sp>
-        <p:sp>
-          <p:nvSpPr>
-            <p:cNvPr id="4151" name="Google Shape;4151;p55"/>
-            <p:cNvSpPr/>
-            <p:nvPr/>
-          </p:nvSpPr>
-          <p:spPr>
-            <a:xfrm>
-              <a:off x="5018950" y="1479900"/>
-              <a:ext cx="21950" cy="27125"/>
-            </a:xfrm>
-            <a:custGeom>
-              <a:avLst/>
-              <a:gdLst/>
-              <a:ahLst/>
-              <a:cxnLst/>
-              <a:rect l="l" t="t" r="r" b="b"/>
-              <a:pathLst>
-                <a:path w="878" h="1085" extrusionOk="0">
-                  <a:moveTo>
-                    <a:pt x="624" y="0"/>
-                  </a:moveTo>
-                  <a:cubicBezTo>
-                    <a:pt x="568" y="0"/>
-                    <a:pt x="509" y="18"/>
-                    <a:pt x="451" y="54"/>
-                  </a:cubicBezTo>
-                  <a:cubicBezTo>
-                    <a:pt x="226" y="179"/>
-                    <a:pt x="25" y="505"/>
-                    <a:pt x="0" y="780"/>
-                  </a:cubicBezTo>
-                  <a:cubicBezTo>
-                    <a:pt x="0" y="977"/>
-                    <a:pt x="102" y="1084"/>
-                    <a:pt x="251" y="1084"/>
-                  </a:cubicBezTo>
-                  <a:cubicBezTo>
-                    <a:pt x="312" y="1084"/>
-                    <a:pt x="379" y="1067"/>
-                    <a:pt x="451" y="1031"/>
-                  </a:cubicBezTo>
-                  <a:cubicBezTo>
-                    <a:pt x="702" y="906"/>
-                    <a:pt x="877" y="580"/>
-                    <a:pt x="877" y="304"/>
-                  </a:cubicBezTo>
-                  <a:cubicBezTo>
-                    <a:pt x="877" y="108"/>
-                    <a:pt x="763" y="0"/>
-                    <a:pt x="624" y="0"/>
-                  </a:cubicBezTo>
-                  <a:close/>
-                </a:path>
-              </a:pathLst>
-            </a:custGeom>
-            <a:solidFill>
-              <a:schemeClr val="dk1"/>
-            </a:solidFill>
-            <a:ln>
-              <a:noFill/>
-            </a:ln>
-          </p:spPr>
-          <p:txBody>
-            <a:bodyPr spcFirstLastPara="1" wrap="square" lIns="91425" tIns="91425" rIns="91425" bIns="91425" anchor="ctr" anchorCtr="0">
-              <a:noAutofit/>
-            </a:bodyPr>
-            <a:lstStyle/>
-            <a:p>
-              <a:pPr marL="0" lvl="0" indent="0" algn="l" rtl="0">
-                <a:spcBef>
-                  <a:spcPts val="0"/>
-                </a:spcBef>
-                <a:spcAft>
-                  <a:spcPts val="0"/>
-                </a:spcAft>
-                <a:buNone/>
-              </a:pPr>
-              <a:endParaRPr/>
-            </a:p>
-          </p:txBody>
-        </p:sp>
-        <p:sp>
-          <p:nvSpPr>
-            <p:cNvPr id="4152" name="Google Shape;4152;p55"/>
-            <p:cNvSpPr/>
-            <p:nvPr/>
-          </p:nvSpPr>
-          <p:spPr>
-            <a:xfrm>
-              <a:off x="5114800" y="1203450"/>
-              <a:ext cx="21325" cy="26750"/>
-            </a:xfrm>
-            <a:custGeom>
-              <a:avLst/>
-              <a:gdLst/>
-              <a:ahLst/>
-              <a:cxnLst/>
-              <a:rect l="l" t="t" r="r" b="b"/>
-              <a:pathLst>
-                <a:path w="853" h="1070" extrusionOk="0">
-                  <a:moveTo>
-                    <a:pt x="622" y="1"/>
-                  </a:moveTo>
-                  <a:cubicBezTo>
-                    <a:pt x="563" y="1"/>
-                    <a:pt x="496" y="20"/>
-                    <a:pt x="427" y="59"/>
-                  </a:cubicBezTo>
-                  <a:cubicBezTo>
-                    <a:pt x="201" y="184"/>
-                    <a:pt x="26" y="485"/>
-                    <a:pt x="1" y="761"/>
-                  </a:cubicBezTo>
-                  <a:cubicBezTo>
-                    <a:pt x="1" y="969"/>
-                    <a:pt x="85" y="1069"/>
-                    <a:pt x="220" y="1069"/>
-                  </a:cubicBezTo>
-                  <a:cubicBezTo>
-                    <a:pt x="280" y="1069"/>
-                    <a:pt x="350" y="1050"/>
-                    <a:pt x="427" y="1011"/>
-                  </a:cubicBezTo>
-                  <a:cubicBezTo>
-                    <a:pt x="677" y="886"/>
-                    <a:pt x="853" y="585"/>
-                    <a:pt x="853" y="310"/>
-                  </a:cubicBezTo>
-                  <a:cubicBezTo>
-                    <a:pt x="853" y="101"/>
-                    <a:pt x="756" y="1"/>
-                    <a:pt x="622" y="1"/>
-                  </a:cubicBezTo>
-                  <a:close/>
-                </a:path>
-              </a:pathLst>
-            </a:custGeom>
-            <a:solidFill>
-              <a:schemeClr val="dk1"/>
-            </a:solidFill>
-            <a:ln>
-              <a:noFill/>
-            </a:ln>
-          </p:spPr>
-          <p:txBody>
-            <a:bodyPr spcFirstLastPara="1" wrap="square" lIns="91425" tIns="91425" rIns="91425" bIns="91425" anchor="ctr" anchorCtr="0">
-              <a:noAutofit/>
-            </a:bodyPr>
-            <a:lstStyle/>
-            <a:p>
-              <a:pPr marL="0" lvl="0" indent="0" algn="l" rtl="0">
-                <a:spcBef>
-                  <a:spcPts val="0"/>
-                </a:spcBef>
-                <a:spcAft>
-                  <a:spcPts val="0"/>
-                </a:spcAft>
-                <a:buNone/>
-              </a:pPr>
-              <a:endParaRPr/>
-            </a:p>
-          </p:txBody>
-        </p:sp>
-        <p:sp>
-          <p:nvSpPr>
-            <p:cNvPr id="4153" name="Google Shape;4153;p55"/>
-            <p:cNvSpPr/>
-            <p:nvPr/>
-          </p:nvSpPr>
-          <p:spPr>
-            <a:xfrm>
-              <a:off x="5210675" y="1147800"/>
-              <a:ext cx="21950" cy="27150"/>
-            </a:xfrm>
-            <a:custGeom>
-              <a:avLst/>
-              <a:gdLst/>
-              <a:ahLst/>
-              <a:cxnLst/>
-              <a:rect l="l" t="t" r="r" b="b"/>
-              <a:pathLst>
-                <a:path w="878" h="1086" extrusionOk="0">
-                  <a:moveTo>
-                    <a:pt x="635" y="1"/>
-                  </a:moveTo>
-                  <a:cubicBezTo>
-                    <a:pt x="579" y="1"/>
-                    <a:pt x="516" y="18"/>
-                    <a:pt x="451" y="54"/>
-                  </a:cubicBezTo>
-                  <a:cubicBezTo>
-                    <a:pt x="226" y="180"/>
-                    <a:pt x="0" y="480"/>
-                    <a:pt x="0" y="781"/>
-                  </a:cubicBezTo>
-                  <a:cubicBezTo>
-                    <a:pt x="0" y="978"/>
-                    <a:pt x="115" y="1085"/>
-                    <a:pt x="263" y="1085"/>
-                  </a:cubicBezTo>
-                  <a:cubicBezTo>
-                    <a:pt x="322" y="1085"/>
-                    <a:pt x="387" y="1068"/>
-                    <a:pt x="451" y="1032"/>
-                  </a:cubicBezTo>
-                  <a:cubicBezTo>
-                    <a:pt x="702" y="906"/>
-                    <a:pt x="878" y="581"/>
-                    <a:pt x="878" y="305"/>
-                  </a:cubicBezTo>
-                  <a:cubicBezTo>
-                    <a:pt x="878" y="108"/>
-                    <a:pt x="776" y="1"/>
-                    <a:pt x="635" y="1"/>
-                  </a:cubicBezTo>
-                  <a:close/>
-                </a:path>
-              </a:pathLst>
-            </a:custGeom>
-            <a:solidFill>
-              <a:schemeClr val="dk1"/>
-            </a:solidFill>
-            <a:ln>
-              <a:noFill/>
-            </a:ln>
-          </p:spPr>
-          <p:txBody>
-            <a:bodyPr spcFirstLastPara="1" wrap="square" lIns="91425" tIns="91425" rIns="91425" bIns="91425" anchor="ctr" anchorCtr="0">
-              <a:noAutofit/>
-            </a:bodyPr>
-            <a:lstStyle/>
-            <a:p>
-              <a:pPr marL="0" lvl="0" indent="0" algn="l" rtl="0">
-                <a:spcBef>
-                  <a:spcPts val="0"/>
-                </a:spcBef>
-                <a:spcAft>
-                  <a:spcPts val="0"/>
-                </a:spcAft>
-                <a:buNone/>
-              </a:pPr>
-              <a:endParaRPr/>
-            </a:p>
-          </p:txBody>
-        </p:sp>
-        <p:sp>
-          <p:nvSpPr>
-            <p:cNvPr id="4154" name="Google Shape;4154;p55"/>
-            <p:cNvSpPr/>
-            <p:nvPr/>
-          </p:nvSpPr>
-          <p:spPr>
-            <a:xfrm>
-              <a:off x="5307150" y="1092050"/>
-              <a:ext cx="21975" cy="27125"/>
-            </a:xfrm>
-            <a:custGeom>
-              <a:avLst/>
-              <a:gdLst/>
-              <a:ahLst/>
-              <a:cxnLst/>
-              <a:rect l="l" t="t" r="r" b="b"/>
-              <a:pathLst>
-                <a:path w="879" h="1085" extrusionOk="0">
-                  <a:moveTo>
-                    <a:pt x="625" y="0"/>
-                  </a:moveTo>
-                  <a:cubicBezTo>
-                    <a:pt x="569" y="0"/>
-                    <a:pt x="510" y="18"/>
-                    <a:pt x="452" y="54"/>
-                  </a:cubicBezTo>
-                  <a:cubicBezTo>
-                    <a:pt x="227" y="179"/>
-                    <a:pt x="26" y="530"/>
-                    <a:pt x="1" y="781"/>
-                  </a:cubicBezTo>
-                  <a:cubicBezTo>
-                    <a:pt x="1" y="977"/>
-                    <a:pt x="116" y="1085"/>
-                    <a:pt x="263" y="1085"/>
-                  </a:cubicBezTo>
-                  <a:cubicBezTo>
-                    <a:pt x="323" y="1085"/>
-                    <a:pt x="387" y="1067"/>
-                    <a:pt x="452" y="1031"/>
-                  </a:cubicBezTo>
-                  <a:cubicBezTo>
-                    <a:pt x="678" y="906"/>
-                    <a:pt x="878" y="580"/>
-                    <a:pt x="878" y="304"/>
-                  </a:cubicBezTo>
-                  <a:cubicBezTo>
-                    <a:pt x="878" y="108"/>
-                    <a:pt x="763" y="0"/>
-                    <a:pt x="625" y="0"/>
-                  </a:cubicBezTo>
-                  <a:close/>
-                </a:path>
-              </a:pathLst>
-            </a:custGeom>
-            <a:solidFill>
-              <a:schemeClr val="dk1"/>
-            </a:solidFill>
-            <a:ln>
-              <a:noFill/>
-            </a:ln>
-          </p:spPr>
-          <p:txBody>
-            <a:bodyPr spcFirstLastPara="1" wrap="square" lIns="91425" tIns="91425" rIns="91425" bIns="91425" anchor="ctr" anchorCtr="0">
-              <a:noAutofit/>
-            </a:bodyPr>
-            <a:lstStyle/>
-            <a:p>
-              <a:pPr marL="0" lvl="0" indent="0" algn="l" rtl="0">
-                <a:spcBef>
-                  <a:spcPts val="0"/>
-                </a:spcBef>
-                <a:spcAft>
-                  <a:spcPts val="0"/>
-                </a:spcAft>
-                <a:buNone/>
-              </a:pPr>
-              <a:endParaRPr/>
-            </a:p>
-          </p:txBody>
-        </p:sp>
-        <p:sp>
-          <p:nvSpPr>
-            <p:cNvPr id="4155" name="Google Shape;4155;p55"/>
-            <p:cNvSpPr/>
-            <p:nvPr/>
-          </p:nvSpPr>
-          <p:spPr>
-            <a:xfrm>
-              <a:off x="5115425" y="1313850"/>
-              <a:ext cx="21950" cy="27125"/>
-            </a:xfrm>
-            <a:custGeom>
-              <a:avLst/>
-              <a:gdLst/>
-              <a:ahLst/>
-              <a:cxnLst/>
-              <a:rect l="l" t="t" r="r" b="b"/>
-              <a:pathLst>
-                <a:path w="878" h="1085" extrusionOk="0">
-                  <a:moveTo>
-                    <a:pt x="616" y="1"/>
-                  </a:moveTo>
-                  <a:cubicBezTo>
-                    <a:pt x="556" y="1"/>
-                    <a:pt x="492" y="18"/>
-                    <a:pt x="427" y="54"/>
-                  </a:cubicBezTo>
-                  <a:cubicBezTo>
-                    <a:pt x="176" y="179"/>
-                    <a:pt x="1" y="480"/>
-                    <a:pt x="1" y="781"/>
-                  </a:cubicBezTo>
-                  <a:cubicBezTo>
-                    <a:pt x="1" y="977"/>
-                    <a:pt x="90" y="1085"/>
-                    <a:pt x="232" y="1085"/>
-                  </a:cubicBezTo>
-                  <a:cubicBezTo>
-                    <a:pt x="289" y="1085"/>
-                    <a:pt x="355" y="1067"/>
-                    <a:pt x="427" y="1031"/>
-                  </a:cubicBezTo>
-                  <a:cubicBezTo>
-                    <a:pt x="677" y="906"/>
-                    <a:pt x="878" y="580"/>
-                    <a:pt x="878" y="305"/>
-                  </a:cubicBezTo>
-                  <a:cubicBezTo>
-                    <a:pt x="878" y="108"/>
-                    <a:pt x="763" y="1"/>
-                    <a:pt x="616" y="1"/>
-                  </a:cubicBezTo>
-                  <a:close/>
-                </a:path>
-              </a:pathLst>
-            </a:custGeom>
-            <a:solidFill>
-              <a:schemeClr val="dk1"/>
-            </a:solidFill>
-            <a:ln>
-              <a:noFill/>
-            </a:ln>
-          </p:spPr>
-          <p:txBody>
-            <a:bodyPr spcFirstLastPara="1" wrap="square" lIns="91425" tIns="91425" rIns="91425" bIns="91425" anchor="ctr" anchorCtr="0">
-              <a:noAutofit/>
-            </a:bodyPr>
-            <a:lstStyle/>
-            <a:p>
-              <a:pPr marL="0" lvl="0" indent="0" algn="l" rtl="0">
-                <a:spcBef>
-                  <a:spcPts val="0"/>
-                </a:spcBef>
-                <a:spcAft>
-                  <a:spcPts val="0"/>
-                </a:spcAft>
-                <a:buNone/>
-              </a:pPr>
-              <a:endParaRPr/>
-            </a:p>
-          </p:txBody>
-        </p:sp>
-        <p:sp>
-          <p:nvSpPr>
-            <p:cNvPr id="4156" name="Google Shape;4156;p55"/>
-            <p:cNvSpPr/>
-            <p:nvPr/>
-          </p:nvSpPr>
-          <p:spPr>
-            <a:xfrm>
-              <a:off x="5115425" y="1424125"/>
-              <a:ext cx="21950" cy="27125"/>
-            </a:xfrm>
-            <a:custGeom>
-              <a:avLst/>
-              <a:gdLst/>
-              <a:ahLst/>
-              <a:cxnLst/>
-              <a:rect l="l" t="t" r="r" b="b"/>
-              <a:pathLst>
-                <a:path w="878" h="1085" extrusionOk="0">
-                  <a:moveTo>
-                    <a:pt x="616" y="1"/>
-                  </a:moveTo>
-                  <a:cubicBezTo>
-                    <a:pt x="556" y="1"/>
-                    <a:pt x="492" y="18"/>
-                    <a:pt x="427" y="54"/>
-                  </a:cubicBezTo>
-                  <a:cubicBezTo>
-                    <a:pt x="226" y="179"/>
-                    <a:pt x="26" y="530"/>
-                    <a:pt x="1" y="781"/>
-                  </a:cubicBezTo>
-                  <a:cubicBezTo>
-                    <a:pt x="1" y="977"/>
-                    <a:pt x="90" y="1085"/>
-                    <a:pt x="232" y="1085"/>
-                  </a:cubicBezTo>
-                  <a:cubicBezTo>
-                    <a:pt x="289" y="1085"/>
-                    <a:pt x="355" y="1067"/>
-                    <a:pt x="427" y="1031"/>
-                  </a:cubicBezTo>
-                  <a:cubicBezTo>
-                    <a:pt x="677" y="906"/>
-                    <a:pt x="878" y="580"/>
-                    <a:pt x="878" y="305"/>
-                  </a:cubicBezTo>
-                  <a:cubicBezTo>
-                    <a:pt x="878" y="108"/>
-                    <a:pt x="763" y="1"/>
-                    <a:pt x="616" y="1"/>
-                  </a:cubicBezTo>
-                  <a:close/>
-                </a:path>
-              </a:pathLst>
-            </a:custGeom>
-            <a:solidFill>
-              <a:schemeClr val="dk1"/>
-            </a:solidFill>
-            <a:ln>
-              <a:noFill/>
-            </a:ln>
-          </p:spPr>
-          <p:txBody>
-            <a:bodyPr spcFirstLastPara="1" wrap="square" lIns="91425" tIns="91425" rIns="91425" bIns="91425" anchor="ctr" anchorCtr="0">
-              <a:noAutofit/>
-            </a:bodyPr>
-            <a:lstStyle/>
-            <a:p>
-              <a:pPr marL="0" lvl="0" indent="0" algn="l" rtl="0">
-                <a:spcBef>
-                  <a:spcPts val="0"/>
-                </a:spcBef>
-                <a:spcAft>
-                  <a:spcPts val="0"/>
-                </a:spcAft>
-                <a:buNone/>
-              </a:pPr>
-              <a:endParaRPr/>
-            </a:p>
-          </p:txBody>
-        </p:sp>
-        <p:sp>
-          <p:nvSpPr>
-            <p:cNvPr id="4157" name="Google Shape;4157;p55"/>
-            <p:cNvSpPr/>
-            <p:nvPr/>
-          </p:nvSpPr>
-          <p:spPr>
-            <a:xfrm>
-              <a:off x="5211300" y="1258100"/>
-              <a:ext cx="22575" cy="27125"/>
-            </a:xfrm>
-            <a:custGeom>
-              <a:avLst/>
-              <a:gdLst/>
-              <a:ahLst/>
-              <a:cxnLst/>
-              <a:rect l="l" t="t" r="r" b="b"/>
-              <a:pathLst>
-                <a:path w="903" h="1085" extrusionOk="0">
-                  <a:moveTo>
-                    <a:pt x="640" y="0"/>
-                  </a:moveTo>
-                  <a:cubicBezTo>
-                    <a:pt x="581" y="0"/>
-                    <a:pt x="516" y="17"/>
-                    <a:pt x="452" y="53"/>
-                  </a:cubicBezTo>
-                  <a:cubicBezTo>
-                    <a:pt x="201" y="179"/>
-                    <a:pt x="0" y="530"/>
-                    <a:pt x="25" y="780"/>
-                  </a:cubicBezTo>
-                  <a:cubicBezTo>
-                    <a:pt x="25" y="977"/>
-                    <a:pt x="115" y="1084"/>
-                    <a:pt x="257" y="1084"/>
-                  </a:cubicBezTo>
-                  <a:cubicBezTo>
-                    <a:pt x="314" y="1084"/>
-                    <a:pt x="380" y="1067"/>
-                    <a:pt x="452" y="1031"/>
-                  </a:cubicBezTo>
-                  <a:cubicBezTo>
-                    <a:pt x="702" y="905"/>
-                    <a:pt x="903" y="580"/>
-                    <a:pt x="903" y="304"/>
-                  </a:cubicBezTo>
-                  <a:cubicBezTo>
-                    <a:pt x="903" y="107"/>
-                    <a:pt x="788" y="0"/>
-                    <a:pt x="640" y="0"/>
-                  </a:cubicBezTo>
-                  <a:close/>
-                </a:path>
-              </a:pathLst>
-            </a:custGeom>
-            <a:solidFill>
-              <a:schemeClr val="dk1"/>
-            </a:solidFill>
-            <a:ln>
-              <a:noFill/>
-            </a:ln>
-          </p:spPr>
-          <p:txBody>
-            <a:bodyPr spcFirstLastPara="1" wrap="square" lIns="91425" tIns="91425" rIns="91425" bIns="91425" anchor="ctr" anchorCtr="0">
-              <a:noAutofit/>
-            </a:bodyPr>
-            <a:lstStyle/>
-            <a:p>
-              <a:pPr marL="0" lvl="0" indent="0" algn="l" rtl="0">
-                <a:spcBef>
-                  <a:spcPts val="0"/>
-                </a:spcBef>
-                <a:spcAft>
-                  <a:spcPts val="0"/>
-                </a:spcAft>
-                <a:buNone/>
-              </a:pPr>
-              <a:endParaRPr/>
-            </a:p>
-          </p:txBody>
-        </p:sp>
-        <p:sp>
-          <p:nvSpPr>
-            <p:cNvPr id="4158" name="Google Shape;4158;p55"/>
-            <p:cNvSpPr/>
-            <p:nvPr/>
-          </p:nvSpPr>
-          <p:spPr>
-            <a:xfrm>
-              <a:off x="5307150" y="1202325"/>
-              <a:ext cx="21975" cy="27125"/>
-            </a:xfrm>
-            <a:custGeom>
-              <a:avLst/>
-              <a:gdLst/>
-              <a:ahLst/>
-              <a:cxnLst/>
-              <a:rect l="l" t="t" r="r" b="b"/>
-              <a:pathLst>
-                <a:path w="879" h="1085" extrusionOk="0">
-                  <a:moveTo>
-                    <a:pt x="625" y="0"/>
-                  </a:moveTo>
-                  <a:cubicBezTo>
-                    <a:pt x="569" y="0"/>
-                    <a:pt x="510" y="18"/>
-                    <a:pt x="452" y="54"/>
-                  </a:cubicBezTo>
-                  <a:cubicBezTo>
-                    <a:pt x="227" y="179"/>
-                    <a:pt x="26" y="530"/>
-                    <a:pt x="1" y="781"/>
-                  </a:cubicBezTo>
-                  <a:cubicBezTo>
-                    <a:pt x="1" y="977"/>
-                    <a:pt x="116" y="1085"/>
-                    <a:pt x="263" y="1085"/>
-                  </a:cubicBezTo>
-                  <a:cubicBezTo>
-                    <a:pt x="323" y="1085"/>
-                    <a:pt x="387" y="1067"/>
-                    <a:pt x="452" y="1031"/>
-                  </a:cubicBezTo>
-                  <a:cubicBezTo>
-                    <a:pt x="678" y="906"/>
-                    <a:pt x="878" y="605"/>
-                    <a:pt x="878" y="304"/>
-                  </a:cubicBezTo>
-                  <a:cubicBezTo>
-                    <a:pt x="878" y="108"/>
-                    <a:pt x="763" y="0"/>
-                    <a:pt x="625" y="0"/>
-                  </a:cubicBezTo>
-                  <a:close/>
-                </a:path>
-              </a:pathLst>
-            </a:custGeom>
-            <a:solidFill>
-              <a:schemeClr val="dk1"/>
-            </a:solidFill>
-            <a:ln>
-              <a:noFill/>
-            </a:ln>
-          </p:spPr>
-          <p:txBody>
-            <a:bodyPr spcFirstLastPara="1" wrap="square" lIns="91425" tIns="91425" rIns="91425" bIns="91425" anchor="ctr" anchorCtr="0">
-              <a:noAutofit/>
-            </a:bodyPr>
-            <a:lstStyle/>
-            <a:p>
-              <a:pPr marL="0" lvl="0" indent="0" algn="l" rtl="0">
-                <a:spcBef>
-                  <a:spcPts val="0"/>
-                </a:spcBef>
-                <a:spcAft>
-                  <a:spcPts val="0"/>
-                </a:spcAft>
-                <a:buNone/>
-              </a:pPr>
-              <a:endParaRPr/>
-            </a:p>
-          </p:txBody>
-        </p:sp>
-        <p:sp>
-          <p:nvSpPr>
-            <p:cNvPr id="4159" name="Google Shape;4159;p55"/>
-            <p:cNvSpPr/>
-            <p:nvPr/>
-          </p:nvSpPr>
-          <p:spPr>
-            <a:xfrm>
-              <a:off x="5307800" y="1313100"/>
-              <a:ext cx="21950" cy="26750"/>
-            </a:xfrm>
-            <a:custGeom>
-              <a:avLst/>
-              <a:gdLst/>
-              <a:ahLst/>
-              <a:cxnLst/>
-              <a:rect l="l" t="t" r="r" b="b"/>
-              <a:pathLst>
-                <a:path w="878" h="1070" extrusionOk="0">
-                  <a:moveTo>
-                    <a:pt x="647" y="1"/>
-                  </a:moveTo>
-                  <a:cubicBezTo>
-                    <a:pt x="587" y="1"/>
-                    <a:pt x="520" y="20"/>
-                    <a:pt x="451" y="59"/>
-                  </a:cubicBezTo>
-                  <a:cubicBezTo>
-                    <a:pt x="201" y="184"/>
-                    <a:pt x="0" y="510"/>
-                    <a:pt x="0" y="761"/>
-                  </a:cubicBezTo>
-                  <a:cubicBezTo>
-                    <a:pt x="0" y="969"/>
-                    <a:pt x="108" y="1069"/>
-                    <a:pt x="250" y="1069"/>
-                  </a:cubicBezTo>
-                  <a:cubicBezTo>
-                    <a:pt x="313" y="1069"/>
-                    <a:pt x="382" y="1050"/>
-                    <a:pt x="451" y="1011"/>
-                  </a:cubicBezTo>
-                  <a:cubicBezTo>
-                    <a:pt x="702" y="886"/>
-                    <a:pt x="877" y="585"/>
-                    <a:pt x="877" y="310"/>
-                  </a:cubicBezTo>
-                  <a:cubicBezTo>
-                    <a:pt x="877" y="101"/>
-                    <a:pt x="781" y="1"/>
-                    <a:pt x="647" y="1"/>
-                  </a:cubicBezTo>
-                  <a:close/>
-                </a:path>
-              </a:pathLst>
-            </a:custGeom>
-            <a:solidFill>
-              <a:schemeClr val="dk1"/>
-            </a:solidFill>
-            <a:ln>
-              <a:noFill/>
-            </a:ln>
-          </p:spPr>
-          <p:txBody>
-            <a:bodyPr spcFirstLastPara="1" wrap="square" lIns="91425" tIns="91425" rIns="91425" bIns="91425" anchor="ctr" anchorCtr="0">
-              <a:noAutofit/>
-            </a:bodyPr>
-            <a:lstStyle/>
-            <a:p>
-              <a:pPr marL="0" lvl="0" indent="0" algn="l" rtl="0">
-                <a:spcBef>
-                  <a:spcPts val="0"/>
-                </a:spcBef>
-                <a:spcAft>
-                  <a:spcPts val="0"/>
-                </a:spcAft>
-                <a:buNone/>
-              </a:pPr>
-              <a:endParaRPr/>
-            </a:p>
-          </p:txBody>
-        </p:sp>
-        <p:sp>
-          <p:nvSpPr>
-            <p:cNvPr id="4160" name="Google Shape;4160;p55"/>
-            <p:cNvSpPr/>
-            <p:nvPr/>
-          </p:nvSpPr>
-          <p:spPr>
-            <a:xfrm>
-              <a:off x="5211300" y="1368375"/>
-              <a:ext cx="22575" cy="27125"/>
-            </a:xfrm>
-            <a:custGeom>
-              <a:avLst/>
-              <a:gdLst/>
-              <a:ahLst/>
-              <a:cxnLst/>
-              <a:rect l="l" t="t" r="r" b="b"/>
-              <a:pathLst>
-                <a:path w="903" h="1085" extrusionOk="0">
-                  <a:moveTo>
-                    <a:pt x="640" y="0"/>
-                  </a:moveTo>
-                  <a:cubicBezTo>
-                    <a:pt x="581" y="0"/>
-                    <a:pt x="516" y="17"/>
-                    <a:pt x="452" y="53"/>
-                  </a:cubicBezTo>
-                  <a:cubicBezTo>
-                    <a:pt x="226" y="179"/>
-                    <a:pt x="0" y="530"/>
-                    <a:pt x="25" y="780"/>
-                  </a:cubicBezTo>
-                  <a:cubicBezTo>
-                    <a:pt x="25" y="977"/>
-                    <a:pt x="127" y="1084"/>
-                    <a:pt x="268" y="1084"/>
-                  </a:cubicBezTo>
-                  <a:cubicBezTo>
-                    <a:pt x="324" y="1084"/>
-                    <a:pt x="387" y="1067"/>
-                    <a:pt x="452" y="1031"/>
-                  </a:cubicBezTo>
-                  <a:cubicBezTo>
-                    <a:pt x="702" y="906"/>
-                    <a:pt x="903" y="605"/>
-                    <a:pt x="903" y="304"/>
-                  </a:cubicBezTo>
-                  <a:cubicBezTo>
-                    <a:pt x="903" y="107"/>
-                    <a:pt x="788" y="0"/>
-                    <a:pt x="640" y="0"/>
-                  </a:cubicBezTo>
-                  <a:close/>
-                </a:path>
-              </a:pathLst>
-            </a:custGeom>
-            <a:solidFill>
-              <a:schemeClr val="dk1"/>
-            </a:solidFill>
-            <a:ln>
-              <a:noFill/>
-            </a:ln>
-          </p:spPr>
-          <p:txBody>
-            <a:bodyPr spcFirstLastPara="1" wrap="square" lIns="91425" tIns="91425" rIns="91425" bIns="91425" anchor="ctr" anchorCtr="0">
-              <a:noAutofit/>
-            </a:bodyPr>
-            <a:lstStyle/>
-            <a:p>
-              <a:pPr marL="0" lvl="0" indent="0" algn="l" rtl="0">
-                <a:spcBef>
-                  <a:spcPts val="0"/>
-                </a:spcBef>
-                <a:spcAft>
-                  <a:spcPts val="0"/>
-                </a:spcAft>
-                <a:buNone/>
-              </a:pPr>
-              <a:endParaRPr/>
-            </a:p>
-          </p:txBody>
-        </p:sp>
-        <p:sp>
-          <p:nvSpPr>
-            <p:cNvPr id="4161" name="Google Shape;4161;p55"/>
-            <p:cNvSpPr/>
-            <p:nvPr/>
-          </p:nvSpPr>
-          <p:spPr>
-            <a:xfrm>
-              <a:off x="4921825" y="1642050"/>
-              <a:ext cx="21950" cy="26750"/>
-            </a:xfrm>
-            <a:custGeom>
-              <a:avLst/>
-              <a:gdLst/>
-              <a:ahLst/>
-              <a:cxnLst/>
-              <a:rect l="l" t="t" r="r" b="b"/>
-              <a:pathLst>
-                <a:path w="878" h="1070" extrusionOk="0">
-                  <a:moveTo>
-                    <a:pt x="636" y="1"/>
-                  </a:moveTo>
-                  <a:cubicBezTo>
-                    <a:pt x="577" y="1"/>
-                    <a:pt x="513" y="20"/>
-                    <a:pt x="452" y="59"/>
-                  </a:cubicBezTo>
-                  <a:cubicBezTo>
-                    <a:pt x="201" y="184"/>
-                    <a:pt x="0" y="510"/>
-                    <a:pt x="0" y="761"/>
-                  </a:cubicBezTo>
-                  <a:cubicBezTo>
-                    <a:pt x="0" y="969"/>
-                    <a:pt x="109" y="1069"/>
-                    <a:pt x="251" y="1069"/>
-                  </a:cubicBezTo>
-                  <a:cubicBezTo>
-                    <a:pt x="313" y="1069"/>
-                    <a:pt x="382" y="1050"/>
-                    <a:pt x="452" y="1011"/>
-                  </a:cubicBezTo>
-                  <a:cubicBezTo>
-                    <a:pt x="702" y="886"/>
-                    <a:pt x="878" y="585"/>
-                    <a:pt x="878" y="309"/>
-                  </a:cubicBezTo>
-                  <a:cubicBezTo>
-                    <a:pt x="878" y="101"/>
-                    <a:pt x="769" y="1"/>
-                    <a:pt x="636" y="1"/>
-                  </a:cubicBezTo>
-                  <a:close/>
-                </a:path>
-              </a:pathLst>
-            </a:custGeom>
-            <a:solidFill>
-              <a:schemeClr val="dk1"/>
-            </a:solidFill>
-            <a:ln>
-              <a:noFill/>
-            </a:ln>
-          </p:spPr>
-          <p:txBody>
-            <a:bodyPr spcFirstLastPara="1" wrap="square" lIns="91425" tIns="91425" rIns="91425" bIns="91425" anchor="ctr" anchorCtr="0">
-              <a:noAutofit/>
-            </a:bodyPr>
-            <a:lstStyle/>
-            <a:p>
-              <a:pPr marL="0" lvl="0" indent="0" algn="l" rtl="0">
-                <a:spcBef>
-                  <a:spcPts val="0"/>
-                </a:spcBef>
-                <a:spcAft>
-                  <a:spcPts val="0"/>
-                </a:spcAft>
-                <a:buNone/>
-              </a:pPr>
-              <a:endParaRPr/>
-            </a:p>
-          </p:txBody>
-        </p:sp>
-        <p:sp>
-          <p:nvSpPr>
-            <p:cNvPr id="4162" name="Google Shape;4162;p55"/>
-            <p:cNvSpPr/>
-            <p:nvPr/>
-          </p:nvSpPr>
-          <p:spPr>
-            <a:xfrm>
-              <a:off x="5018325" y="1586400"/>
-              <a:ext cx="21950" cy="27150"/>
-            </a:xfrm>
-            <a:custGeom>
-              <a:avLst/>
-              <a:gdLst/>
-              <a:ahLst/>
-              <a:cxnLst/>
-              <a:rect l="l" t="t" r="r" b="b"/>
-              <a:pathLst>
-                <a:path w="878" h="1086" extrusionOk="0">
-                  <a:moveTo>
-                    <a:pt x="615" y="1"/>
-                  </a:moveTo>
-                  <a:cubicBezTo>
-                    <a:pt x="556" y="1"/>
-                    <a:pt x="491" y="18"/>
-                    <a:pt x="426" y="54"/>
-                  </a:cubicBezTo>
-                  <a:cubicBezTo>
-                    <a:pt x="175" y="180"/>
-                    <a:pt x="0" y="480"/>
-                    <a:pt x="0" y="781"/>
-                  </a:cubicBezTo>
-                  <a:cubicBezTo>
-                    <a:pt x="0" y="978"/>
-                    <a:pt x="89" y="1085"/>
-                    <a:pt x="231" y="1085"/>
-                  </a:cubicBezTo>
-                  <a:cubicBezTo>
-                    <a:pt x="288" y="1085"/>
-                    <a:pt x="354" y="1068"/>
-                    <a:pt x="426" y="1032"/>
-                  </a:cubicBezTo>
-                  <a:cubicBezTo>
-                    <a:pt x="677" y="906"/>
-                    <a:pt x="877" y="581"/>
-                    <a:pt x="877" y="305"/>
-                  </a:cubicBezTo>
-                  <a:cubicBezTo>
-                    <a:pt x="877" y="108"/>
-                    <a:pt x="763" y="1"/>
-                    <a:pt x="615" y="1"/>
-                  </a:cubicBezTo>
-                  <a:close/>
-                </a:path>
-              </a:pathLst>
-            </a:custGeom>
-            <a:solidFill>
-              <a:schemeClr val="dk1"/>
-            </a:solidFill>
-            <a:ln>
-              <a:noFill/>
-            </a:ln>
-          </p:spPr>
-          <p:txBody>
-            <a:bodyPr spcFirstLastPara="1" wrap="square" lIns="91425" tIns="91425" rIns="91425" bIns="91425" anchor="ctr" anchorCtr="0">
-              <a:noAutofit/>
-            </a:bodyPr>
-            <a:lstStyle/>
-            <a:p>
-              <a:pPr marL="0" lvl="0" indent="0" algn="l" rtl="0">
-                <a:spcBef>
-                  <a:spcPts val="0"/>
-                </a:spcBef>
-                <a:spcAft>
-                  <a:spcPts val="0"/>
-                </a:spcAft>
-                <a:buNone/>
-              </a:pPr>
-              <a:endParaRPr/>
-            </a:p>
-          </p:txBody>
-        </p:sp>
-        <p:sp>
-          <p:nvSpPr>
-            <p:cNvPr id="4163" name="Google Shape;4163;p55"/>
-            <p:cNvSpPr/>
-            <p:nvPr/>
-          </p:nvSpPr>
-          <p:spPr>
-            <a:xfrm>
-              <a:off x="5114800" y="1530650"/>
-              <a:ext cx="21325" cy="27125"/>
-            </a:xfrm>
-            <a:custGeom>
-              <a:avLst/>
-              <a:gdLst/>
-              <a:ahLst/>
-              <a:cxnLst/>
-              <a:rect l="l" t="t" r="r" b="b"/>
-              <a:pathLst>
-                <a:path w="853" h="1085" extrusionOk="0">
-                  <a:moveTo>
-                    <a:pt x="611" y="0"/>
-                  </a:moveTo>
-                  <a:cubicBezTo>
-                    <a:pt x="554" y="0"/>
-                    <a:pt x="491" y="18"/>
-                    <a:pt x="427" y="54"/>
-                  </a:cubicBezTo>
-                  <a:cubicBezTo>
-                    <a:pt x="176" y="179"/>
-                    <a:pt x="1" y="530"/>
-                    <a:pt x="1" y="780"/>
-                  </a:cubicBezTo>
-                  <a:cubicBezTo>
-                    <a:pt x="1" y="977"/>
-                    <a:pt x="90" y="1084"/>
-                    <a:pt x="232" y="1084"/>
-                  </a:cubicBezTo>
-                  <a:cubicBezTo>
-                    <a:pt x="289" y="1084"/>
-                    <a:pt x="355" y="1067"/>
-                    <a:pt x="427" y="1031"/>
-                  </a:cubicBezTo>
-                  <a:cubicBezTo>
-                    <a:pt x="677" y="906"/>
-                    <a:pt x="853" y="580"/>
-                    <a:pt x="853" y="304"/>
-                  </a:cubicBezTo>
-                  <a:cubicBezTo>
-                    <a:pt x="853" y="108"/>
-                    <a:pt x="751" y="0"/>
-                    <a:pt x="611" y="0"/>
-                  </a:cubicBezTo>
-                  <a:close/>
-                </a:path>
-              </a:pathLst>
-            </a:custGeom>
-            <a:solidFill>
-              <a:schemeClr val="dk1"/>
-            </a:solidFill>
-            <a:ln>
-              <a:noFill/>
-            </a:ln>
-          </p:spPr>
-          <p:txBody>
-            <a:bodyPr spcFirstLastPara="1" wrap="square" lIns="91425" tIns="91425" rIns="91425" bIns="91425" anchor="ctr" anchorCtr="0">
-              <a:noAutofit/>
-            </a:bodyPr>
-            <a:lstStyle/>
-            <a:p>
-              <a:pPr marL="0" lvl="0" indent="0" algn="l" rtl="0">
-                <a:spcBef>
-                  <a:spcPts val="0"/>
-                </a:spcBef>
-                <a:spcAft>
-                  <a:spcPts val="0"/>
-                </a:spcAft>
-                <a:buNone/>
-              </a:pPr>
-              <a:endParaRPr/>
-            </a:p>
-          </p:txBody>
-        </p:sp>
-        <p:sp>
-          <p:nvSpPr>
-            <p:cNvPr id="4164" name="Google Shape;4164;p55"/>
-            <p:cNvSpPr/>
-            <p:nvPr/>
-          </p:nvSpPr>
-          <p:spPr>
-            <a:xfrm>
-              <a:off x="5210050" y="1474875"/>
-              <a:ext cx="21950" cy="27125"/>
-            </a:xfrm>
-            <a:custGeom>
-              <a:avLst/>
-              <a:gdLst/>
-              <a:ahLst/>
-              <a:cxnLst/>
-              <a:rect l="l" t="t" r="r" b="b"/>
-              <a:pathLst>
-                <a:path w="878" h="1085" extrusionOk="0">
-                  <a:moveTo>
-                    <a:pt x="624" y="1"/>
-                  </a:moveTo>
-                  <a:cubicBezTo>
-                    <a:pt x="568" y="1"/>
-                    <a:pt x="509" y="18"/>
-                    <a:pt x="451" y="54"/>
-                  </a:cubicBezTo>
-                  <a:cubicBezTo>
-                    <a:pt x="226" y="179"/>
-                    <a:pt x="0" y="505"/>
-                    <a:pt x="0" y="781"/>
-                  </a:cubicBezTo>
-                  <a:cubicBezTo>
-                    <a:pt x="0" y="977"/>
-                    <a:pt x="115" y="1085"/>
-                    <a:pt x="263" y="1085"/>
-                  </a:cubicBezTo>
-                  <a:cubicBezTo>
-                    <a:pt x="322" y="1085"/>
-                    <a:pt x="387" y="1067"/>
-                    <a:pt x="451" y="1032"/>
-                  </a:cubicBezTo>
-                  <a:cubicBezTo>
-                    <a:pt x="677" y="906"/>
-                    <a:pt x="877" y="605"/>
-                    <a:pt x="877" y="305"/>
-                  </a:cubicBezTo>
-                  <a:cubicBezTo>
-                    <a:pt x="877" y="108"/>
-                    <a:pt x="763" y="1"/>
-                    <a:pt x="624" y="1"/>
-                  </a:cubicBezTo>
-                  <a:close/>
-                </a:path>
-              </a:pathLst>
-            </a:custGeom>
-            <a:solidFill>
-              <a:schemeClr val="dk1"/>
-            </a:solidFill>
-            <a:ln>
-              <a:noFill/>
-            </a:ln>
-          </p:spPr>
-          <p:txBody>
-            <a:bodyPr spcFirstLastPara="1" wrap="square" lIns="91425" tIns="91425" rIns="91425" bIns="91425" anchor="ctr" anchorCtr="0">
-              <a:noAutofit/>
-            </a:bodyPr>
-            <a:lstStyle/>
-            <a:p>
-              <a:pPr marL="0" lvl="0" indent="0" algn="l" rtl="0">
-                <a:spcBef>
-                  <a:spcPts val="0"/>
-                </a:spcBef>
-                <a:spcAft>
-                  <a:spcPts val="0"/>
-                </a:spcAft>
-                <a:buNone/>
-              </a:pPr>
-              <a:endParaRPr/>
-            </a:p>
-          </p:txBody>
-        </p:sp>
-        <p:sp>
-          <p:nvSpPr>
-            <p:cNvPr id="4165" name="Google Shape;4165;p55"/>
-            <p:cNvSpPr/>
-            <p:nvPr/>
-          </p:nvSpPr>
-          <p:spPr>
-            <a:xfrm>
-              <a:off x="5306525" y="1419625"/>
-              <a:ext cx="21975" cy="26725"/>
-            </a:xfrm>
-            <a:custGeom>
-              <a:avLst/>
-              <a:gdLst/>
-              <a:ahLst/>
-              <a:cxnLst/>
-              <a:rect l="l" t="t" r="r" b="b"/>
-              <a:pathLst>
-                <a:path w="879" h="1069" extrusionOk="0">
-                  <a:moveTo>
-                    <a:pt x="628" y="1"/>
-                  </a:moveTo>
-                  <a:cubicBezTo>
-                    <a:pt x="565" y="1"/>
-                    <a:pt x="496" y="20"/>
-                    <a:pt x="427" y="59"/>
-                  </a:cubicBezTo>
-                  <a:cubicBezTo>
-                    <a:pt x="226" y="184"/>
-                    <a:pt x="1" y="485"/>
-                    <a:pt x="1" y="760"/>
-                  </a:cubicBezTo>
-                  <a:cubicBezTo>
-                    <a:pt x="1" y="969"/>
-                    <a:pt x="97" y="1069"/>
-                    <a:pt x="232" y="1069"/>
-                  </a:cubicBezTo>
-                  <a:cubicBezTo>
-                    <a:pt x="291" y="1069"/>
-                    <a:pt x="358" y="1049"/>
-                    <a:pt x="427" y="1011"/>
-                  </a:cubicBezTo>
-                  <a:cubicBezTo>
-                    <a:pt x="678" y="886"/>
-                    <a:pt x="878" y="585"/>
-                    <a:pt x="878" y="309"/>
-                  </a:cubicBezTo>
-                  <a:cubicBezTo>
-                    <a:pt x="878" y="101"/>
-                    <a:pt x="770" y="1"/>
-                    <a:pt x="628" y="1"/>
-                  </a:cubicBezTo>
-                  <a:close/>
-                </a:path>
-              </a:pathLst>
-            </a:custGeom>
-            <a:solidFill>
-              <a:schemeClr val="dk1"/>
-            </a:solidFill>
-            <a:ln>
-              <a:noFill/>
-            </a:ln>
-          </p:spPr>
-          <p:txBody>
-            <a:bodyPr spcFirstLastPara="1" wrap="square" lIns="91425" tIns="91425" rIns="91425" bIns="91425" anchor="ctr" anchorCtr="0">
-              <a:noAutofit/>
-            </a:bodyPr>
-            <a:lstStyle/>
-            <a:p>
-              <a:pPr marL="0" lvl="0" indent="0" algn="l" rtl="0">
-                <a:spcBef>
-                  <a:spcPts val="0"/>
-                </a:spcBef>
-                <a:spcAft>
-                  <a:spcPts val="0"/>
-                </a:spcAft>
-                <a:buNone/>
-              </a:pPr>
-              <a:endParaRPr/>
-            </a:p>
-          </p:txBody>
-        </p:sp>
-      </p:grpSp>
-      <p:grpSp>
-        <p:nvGrpSpPr>
-          <p:cNvPr id="4166" name="Google Shape;4166;p55"/>
-          <p:cNvGrpSpPr/>
-          <p:nvPr/>
-        </p:nvGrpSpPr>
-        <p:grpSpPr>
-          <a:xfrm>
-            <a:off x="3131516" y="3623098"/>
-            <a:ext cx="593164" cy="1161172"/>
-            <a:chOff x="4921825" y="870250"/>
-            <a:chExt cx="407925" cy="798550"/>
-          </a:xfrm>
-        </p:grpSpPr>
-        <p:sp>
-          <p:nvSpPr>
-            <p:cNvPr id="4167" name="Google Shape;4167;p55"/>
-            <p:cNvSpPr/>
-            <p:nvPr/>
-          </p:nvSpPr>
-          <p:spPr>
-            <a:xfrm>
-              <a:off x="4921825" y="1092675"/>
-              <a:ext cx="21950" cy="27125"/>
-            </a:xfrm>
-            <a:custGeom>
-              <a:avLst/>
-              <a:gdLst/>
-              <a:ahLst/>
-              <a:cxnLst/>
-              <a:rect l="l" t="t" r="r" b="b"/>
-              <a:pathLst>
-                <a:path w="878" h="1085" extrusionOk="0">
-                  <a:moveTo>
-                    <a:pt x="624" y="0"/>
-                  </a:moveTo>
-                  <a:cubicBezTo>
-                    <a:pt x="569" y="0"/>
-                    <a:pt x="509" y="18"/>
-                    <a:pt x="452" y="54"/>
-                  </a:cubicBezTo>
-                  <a:cubicBezTo>
-                    <a:pt x="201" y="179"/>
-                    <a:pt x="0" y="530"/>
-                    <a:pt x="0" y="781"/>
-                  </a:cubicBezTo>
-                  <a:cubicBezTo>
-                    <a:pt x="0" y="977"/>
-                    <a:pt x="115" y="1085"/>
-                    <a:pt x="263" y="1085"/>
-                  </a:cubicBezTo>
-                  <a:cubicBezTo>
-                    <a:pt x="322" y="1085"/>
-                    <a:pt x="387" y="1067"/>
-                    <a:pt x="452" y="1031"/>
-                  </a:cubicBezTo>
-                  <a:cubicBezTo>
-                    <a:pt x="702" y="906"/>
-                    <a:pt x="878" y="580"/>
-                    <a:pt x="878" y="304"/>
-                  </a:cubicBezTo>
-                  <a:cubicBezTo>
-                    <a:pt x="878" y="108"/>
-                    <a:pt x="763" y="0"/>
-                    <a:pt x="624" y="0"/>
-                  </a:cubicBezTo>
-                  <a:close/>
-                </a:path>
-              </a:pathLst>
-            </a:custGeom>
-            <a:solidFill>
-              <a:schemeClr val="dk1"/>
-            </a:solidFill>
-            <a:ln>
-              <a:noFill/>
-            </a:ln>
-          </p:spPr>
-          <p:txBody>
-            <a:bodyPr spcFirstLastPara="1" wrap="square" lIns="91425" tIns="91425" rIns="91425" bIns="91425" anchor="ctr" anchorCtr="0">
-              <a:noAutofit/>
-            </a:bodyPr>
-            <a:lstStyle/>
-            <a:p>
-              <a:pPr marL="0" lvl="0" indent="0" algn="l" rtl="0">
-                <a:spcBef>
-                  <a:spcPts val="0"/>
-                </a:spcBef>
-                <a:spcAft>
-                  <a:spcPts val="0"/>
-                </a:spcAft>
-                <a:buNone/>
-              </a:pPr>
-              <a:endParaRPr/>
-            </a:p>
-          </p:txBody>
-        </p:sp>
-        <p:sp>
-          <p:nvSpPr>
-            <p:cNvPr id="4168" name="Google Shape;4168;p55"/>
-            <p:cNvSpPr/>
-            <p:nvPr/>
-          </p:nvSpPr>
-          <p:spPr>
-            <a:xfrm>
-              <a:off x="5018325" y="1037425"/>
-              <a:ext cx="21950" cy="26725"/>
-            </a:xfrm>
-            <a:custGeom>
-              <a:avLst/>
-              <a:gdLst/>
-              <a:ahLst/>
-              <a:cxnLst/>
-              <a:rect l="l" t="t" r="r" b="b"/>
-              <a:pathLst>
-                <a:path w="878" h="1069" extrusionOk="0">
-                  <a:moveTo>
-                    <a:pt x="627" y="0"/>
-                  </a:moveTo>
-                  <a:cubicBezTo>
-                    <a:pt x="564" y="0"/>
-                    <a:pt x="495" y="20"/>
-                    <a:pt x="426" y="58"/>
-                  </a:cubicBezTo>
-                  <a:cubicBezTo>
-                    <a:pt x="175" y="209"/>
-                    <a:pt x="0" y="509"/>
-                    <a:pt x="0" y="760"/>
-                  </a:cubicBezTo>
-                  <a:cubicBezTo>
-                    <a:pt x="0" y="969"/>
-                    <a:pt x="96" y="1069"/>
-                    <a:pt x="231" y="1069"/>
-                  </a:cubicBezTo>
-                  <a:cubicBezTo>
-                    <a:pt x="290" y="1069"/>
-                    <a:pt x="357" y="1049"/>
-                    <a:pt x="426" y="1011"/>
-                  </a:cubicBezTo>
-                  <a:cubicBezTo>
-                    <a:pt x="677" y="885"/>
-                    <a:pt x="877" y="585"/>
-                    <a:pt x="877" y="309"/>
-                  </a:cubicBezTo>
-                  <a:cubicBezTo>
-                    <a:pt x="877" y="100"/>
-                    <a:pt x="769" y="0"/>
-                    <a:pt x="627" y="0"/>
-                  </a:cubicBezTo>
-                  <a:close/>
-                </a:path>
-              </a:pathLst>
-            </a:custGeom>
-            <a:solidFill>
-              <a:schemeClr val="dk1"/>
-            </a:solidFill>
-            <a:ln>
-              <a:noFill/>
-            </a:ln>
-          </p:spPr>
-          <p:txBody>
-            <a:bodyPr spcFirstLastPara="1" wrap="square" lIns="91425" tIns="91425" rIns="91425" bIns="91425" anchor="ctr" anchorCtr="0">
-              <a:noAutofit/>
-            </a:bodyPr>
-            <a:lstStyle/>
-            <a:p>
-              <a:pPr marL="0" lvl="0" indent="0" algn="l" rtl="0">
-                <a:spcBef>
-                  <a:spcPts val="0"/>
-                </a:spcBef>
-                <a:spcAft>
-                  <a:spcPts val="0"/>
-                </a:spcAft>
-                <a:buNone/>
-              </a:pPr>
-              <a:endParaRPr/>
-            </a:p>
-          </p:txBody>
-        </p:sp>
-        <p:sp>
-          <p:nvSpPr>
-            <p:cNvPr id="4169" name="Google Shape;4169;p55"/>
-            <p:cNvSpPr/>
-            <p:nvPr/>
-          </p:nvSpPr>
-          <p:spPr>
-            <a:xfrm>
-              <a:off x="5114800" y="981775"/>
-              <a:ext cx="21325" cy="26900"/>
-            </a:xfrm>
-            <a:custGeom>
-              <a:avLst/>
-              <a:gdLst/>
-              <a:ahLst/>
-              <a:cxnLst/>
-              <a:rect l="l" t="t" r="r" b="b"/>
-              <a:pathLst>
-                <a:path w="853" h="1076" extrusionOk="0">
-                  <a:moveTo>
-                    <a:pt x="611" y="0"/>
-                  </a:moveTo>
-                  <a:cubicBezTo>
-                    <a:pt x="554" y="0"/>
-                    <a:pt x="491" y="18"/>
-                    <a:pt x="427" y="54"/>
-                  </a:cubicBezTo>
-                  <a:cubicBezTo>
-                    <a:pt x="176" y="204"/>
-                    <a:pt x="1" y="530"/>
-                    <a:pt x="1" y="780"/>
-                  </a:cubicBezTo>
-                  <a:cubicBezTo>
-                    <a:pt x="1" y="969"/>
-                    <a:pt x="95" y="1076"/>
-                    <a:pt x="227" y="1076"/>
-                  </a:cubicBezTo>
-                  <a:cubicBezTo>
-                    <a:pt x="287" y="1076"/>
-                    <a:pt x="356" y="1053"/>
-                    <a:pt x="427" y="1006"/>
-                  </a:cubicBezTo>
-                  <a:cubicBezTo>
-                    <a:pt x="677" y="906"/>
-                    <a:pt x="853" y="580"/>
-                    <a:pt x="853" y="304"/>
-                  </a:cubicBezTo>
-                  <a:cubicBezTo>
-                    <a:pt x="853" y="108"/>
-                    <a:pt x="751" y="0"/>
-                    <a:pt x="611" y="0"/>
-                  </a:cubicBezTo>
-                  <a:close/>
-                </a:path>
-              </a:pathLst>
-            </a:custGeom>
-            <a:solidFill>
-              <a:schemeClr val="dk1"/>
-            </a:solidFill>
-            <a:ln>
-              <a:noFill/>
-            </a:ln>
-          </p:spPr>
-          <p:txBody>
-            <a:bodyPr spcFirstLastPara="1" wrap="square" lIns="91425" tIns="91425" rIns="91425" bIns="91425" anchor="ctr" anchorCtr="0">
-              <a:noAutofit/>
-            </a:bodyPr>
-            <a:lstStyle/>
-            <a:p>
-              <a:pPr marL="0" lvl="0" indent="0" algn="l" rtl="0">
-                <a:spcBef>
-                  <a:spcPts val="0"/>
-                </a:spcBef>
-                <a:spcAft>
-                  <a:spcPts val="0"/>
-                </a:spcAft>
-                <a:buNone/>
-              </a:pPr>
-              <a:endParaRPr/>
-            </a:p>
-          </p:txBody>
-        </p:sp>
-        <p:sp>
-          <p:nvSpPr>
-            <p:cNvPr id="4170" name="Google Shape;4170;p55"/>
-            <p:cNvSpPr/>
-            <p:nvPr/>
-          </p:nvSpPr>
-          <p:spPr>
-            <a:xfrm>
-              <a:off x="5210050" y="926000"/>
-              <a:ext cx="21950" cy="27125"/>
-            </a:xfrm>
-            <a:custGeom>
-              <a:avLst/>
-              <a:gdLst/>
-              <a:ahLst/>
-              <a:cxnLst/>
-              <a:rect l="l" t="t" r="r" b="b"/>
-              <a:pathLst>
-                <a:path w="878" h="1085" extrusionOk="0">
-                  <a:moveTo>
-                    <a:pt x="624" y="1"/>
-                  </a:moveTo>
-                  <a:cubicBezTo>
-                    <a:pt x="568" y="1"/>
-                    <a:pt x="509" y="18"/>
-                    <a:pt x="451" y="54"/>
-                  </a:cubicBezTo>
-                  <a:cubicBezTo>
-                    <a:pt x="226" y="204"/>
-                    <a:pt x="0" y="505"/>
-                    <a:pt x="0" y="781"/>
-                  </a:cubicBezTo>
-                  <a:cubicBezTo>
-                    <a:pt x="0" y="977"/>
-                    <a:pt x="115" y="1085"/>
-                    <a:pt x="263" y="1085"/>
-                  </a:cubicBezTo>
-                  <a:cubicBezTo>
-                    <a:pt x="322" y="1085"/>
-                    <a:pt x="387" y="1067"/>
-                    <a:pt x="451" y="1032"/>
-                  </a:cubicBezTo>
-                  <a:cubicBezTo>
-                    <a:pt x="677" y="906"/>
-                    <a:pt x="877" y="580"/>
-                    <a:pt x="877" y="305"/>
-                  </a:cubicBezTo>
-                  <a:cubicBezTo>
-                    <a:pt x="877" y="108"/>
-                    <a:pt x="763" y="1"/>
-                    <a:pt x="624" y="1"/>
-                  </a:cubicBezTo>
-                  <a:close/>
-                </a:path>
-              </a:pathLst>
-            </a:custGeom>
-            <a:solidFill>
-              <a:schemeClr val="dk1"/>
-            </a:solidFill>
-            <a:ln>
-              <a:noFill/>
-            </a:ln>
-          </p:spPr>
-          <p:txBody>
-            <a:bodyPr spcFirstLastPara="1" wrap="square" lIns="91425" tIns="91425" rIns="91425" bIns="91425" anchor="ctr" anchorCtr="0">
-              <a:noAutofit/>
-            </a:bodyPr>
-            <a:lstStyle/>
-            <a:p>
-              <a:pPr marL="0" lvl="0" indent="0" algn="l" rtl="0">
-                <a:spcBef>
-                  <a:spcPts val="0"/>
-                </a:spcBef>
-                <a:spcAft>
-                  <a:spcPts val="0"/>
-                </a:spcAft>
-                <a:buNone/>
-              </a:pPr>
-              <a:endParaRPr/>
-            </a:p>
-          </p:txBody>
-        </p:sp>
-        <p:sp>
-          <p:nvSpPr>
-            <p:cNvPr id="4171" name="Google Shape;4171;p55"/>
-            <p:cNvSpPr/>
-            <p:nvPr/>
-          </p:nvSpPr>
-          <p:spPr>
-            <a:xfrm>
-              <a:off x="5306525" y="870250"/>
-              <a:ext cx="21975" cy="27125"/>
-            </a:xfrm>
-            <a:custGeom>
-              <a:avLst/>
-              <a:gdLst/>
-              <a:ahLst/>
-              <a:cxnLst/>
-              <a:rect l="l" t="t" r="r" b="b"/>
-              <a:pathLst>
-                <a:path w="879" h="1085" extrusionOk="0">
-                  <a:moveTo>
-                    <a:pt x="616" y="0"/>
-                  </a:moveTo>
-                  <a:cubicBezTo>
-                    <a:pt x="556" y="0"/>
-                    <a:pt x="492" y="18"/>
-                    <a:pt x="427" y="53"/>
-                  </a:cubicBezTo>
-                  <a:cubicBezTo>
-                    <a:pt x="226" y="229"/>
-                    <a:pt x="1" y="505"/>
-                    <a:pt x="1" y="780"/>
-                  </a:cubicBezTo>
-                  <a:cubicBezTo>
-                    <a:pt x="1" y="977"/>
-                    <a:pt x="103" y="1084"/>
-                    <a:pt x="243" y="1084"/>
-                  </a:cubicBezTo>
-                  <a:cubicBezTo>
-                    <a:pt x="300" y="1084"/>
-                    <a:pt x="362" y="1067"/>
-                    <a:pt x="427" y="1031"/>
-                  </a:cubicBezTo>
-                  <a:cubicBezTo>
-                    <a:pt x="678" y="906"/>
-                    <a:pt x="878" y="605"/>
-                    <a:pt x="878" y="304"/>
-                  </a:cubicBezTo>
-                  <a:cubicBezTo>
-                    <a:pt x="878" y="108"/>
-                    <a:pt x="763" y="0"/>
-                    <a:pt x="616" y="0"/>
-                  </a:cubicBezTo>
-                  <a:close/>
-                </a:path>
-              </a:pathLst>
-            </a:custGeom>
-            <a:solidFill>
-              <a:schemeClr val="dk1"/>
-            </a:solidFill>
-            <a:ln>
-              <a:noFill/>
-            </a:ln>
-          </p:spPr>
-          <p:txBody>
-            <a:bodyPr spcFirstLastPara="1" wrap="square" lIns="91425" tIns="91425" rIns="91425" bIns="91425" anchor="ctr" anchorCtr="0">
-              <a:noAutofit/>
-            </a:bodyPr>
-            <a:lstStyle/>
-            <a:p>
-              <a:pPr marL="0" lvl="0" indent="0" algn="l" rtl="0">
-                <a:spcBef>
-                  <a:spcPts val="0"/>
-                </a:spcBef>
-                <a:spcAft>
-                  <a:spcPts val="0"/>
-                </a:spcAft>
-                <a:buNone/>
-              </a:pPr>
-              <a:endParaRPr/>
-            </a:p>
-          </p:txBody>
-        </p:sp>
-        <p:sp>
-          <p:nvSpPr>
-            <p:cNvPr id="4172" name="Google Shape;4172;p55"/>
-            <p:cNvSpPr/>
-            <p:nvPr/>
-          </p:nvSpPr>
-          <p:spPr>
-            <a:xfrm>
-              <a:off x="4921825" y="1203450"/>
-              <a:ext cx="21950" cy="26750"/>
-            </a:xfrm>
-            <a:custGeom>
-              <a:avLst/>
-              <a:gdLst/>
-              <a:ahLst/>
-              <a:cxnLst/>
-              <a:rect l="l" t="t" r="r" b="b"/>
-              <a:pathLst>
-                <a:path w="878" h="1070" extrusionOk="0">
-                  <a:moveTo>
-                    <a:pt x="636" y="1"/>
-                  </a:moveTo>
-                  <a:cubicBezTo>
-                    <a:pt x="577" y="1"/>
-                    <a:pt x="513" y="20"/>
-                    <a:pt x="452" y="59"/>
-                  </a:cubicBezTo>
-                  <a:cubicBezTo>
-                    <a:pt x="226" y="209"/>
-                    <a:pt x="25" y="510"/>
-                    <a:pt x="0" y="761"/>
-                  </a:cubicBezTo>
-                  <a:cubicBezTo>
-                    <a:pt x="0" y="969"/>
-                    <a:pt x="109" y="1069"/>
-                    <a:pt x="251" y="1069"/>
-                  </a:cubicBezTo>
-                  <a:cubicBezTo>
-                    <a:pt x="313" y="1069"/>
-                    <a:pt x="382" y="1050"/>
-                    <a:pt x="452" y="1011"/>
-                  </a:cubicBezTo>
-                  <a:cubicBezTo>
-                    <a:pt x="702" y="886"/>
-                    <a:pt x="878" y="585"/>
-                    <a:pt x="878" y="310"/>
-                  </a:cubicBezTo>
-                  <a:cubicBezTo>
-                    <a:pt x="878" y="101"/>
-                    <a:pt x="769" y="1"/>
-                    <a:pt x="636" y="1"/>
-                  </a:cubicBezTo>
-                  <a:close/>
-                </a:path>
-              </a:pathLst>
-            </a:custGeom>
-            <a:solidFill>
-              <a:schemeClr val="dk1"/>
-            </a:solidFill>
-            <a:ln>
-              <a:noFill/>
-            </a:ln>
-          </p:spPr>
-          <p:txBody>
-            <a:bodyPr spcFirstLastPara="1" wrap="square" lIns="91425" tIns="91425" rIns="91425" bIns="91425" anchor="ctr" anchorCtr="0">
-              <a:noAutofit/>
-            </a:bodyPr>
-            <a:lstStyle/>
-            <a:p>
-              <a:pPr marL="0" lvl="0" indent="0" algn="l" rtl="0">
-                <a:spcBef>
-                  <a:spcPts val="0"/>
-                </a:spcBef>
-                <a:spcAft>
-                  <a:spcPts val="0"/>
-                </a:spcAft>
-                <a:buNone/>
-              </a:pPr>
-              <a:endParaRPr/>
-            </a:p>
-          </p:txBody>
-        </p:sp>
-        <p:sp>
-          <p:nvSpPr>
-            <p:cNvPr id="4173" name="Google Shape;4173;p55"/>
-            <p:cNvSpPr/>
-            <p:nvPr/>
-          </p:nvSpPr>
-          <p:spPr>
-            <a:xfrm>
-              <a:off x="4922450" y="1313850"/>
-              <a:ext cx="21950" cy="27125"/>
-            </a:xfrm>
-            <a:custGeom>
-              <a:avLst/>
-              <a:gdLst/>
-              <a:ahLst/>
-              <a:cxnLst/>
-              <a:rect l="l" t="t" r="r" b="b"/>
-              <a:pathLst>
-                <a:path w="878" h="1085" extrusionOk="0">
-                  <a:moveTo>
-                    <a:pt x="635" y="1"/>
-                  </a:moveTo>
-                  <a:cubicBezTo>
-                    <a:pt x="579" y="1"/>
-                    <a:pt x="516" y="18"/>
-                    <a:pt x="452" y="54"/>
-                  </a:cubicBezTo>
-                  <a:cubicBezTo>
-                    <a:pt x="201" y="204"/>
-                    <a:pt x="0" y="530"/>
-                    <a:pt x="0" y="781"/>
-                  </a:cubicBezTo>
-                  <a:cubicBezTo>
-                    <a:pt x="0" y="977"/>
-                    <a:pt x="102" y="1085"/>
-                    <a:pt x="252" y="1085"/>
-                  </a:cubicBezTo>
-                  <a:cubicBezTo>
-                    <a:pt x="312" y="1085"/>
-                    <a:pt x="380" y="1067"/>
-                    <a:pt x="452" y="1031"/>
-                  </a:cubicBezTo>
-                  <a:cubicBezTo>
-                    <a:pt x="702" y="906"/>
-                    <a:pt x="878" y="580"/>
-                    <a:pt x="878" y="305"/>
-                  </a:cubicBezTo>
-                  <a:cubicBezTo>
-                    <a:pt x="878" y="108"/>
-                    <a:pt x="776" y="1"/>
-                    <a:pt x="635" y="1"/>
-                  </a:cubicBezTo>
-                  <a:close/>
-                </a:path>
-              </a:pathLst>
-            </a:custGeom>
-            <a:solidFill>
-              <a:schemeClr val="dk1"/>
-            </a:solidFill>
-            <a:ln>
-              <a:noFill/>
-            </a:ln>
-          </p:spPr>
-          <p:txBody>
-            <a:bodyPr spcFirstLastPara="1" wrap="square" lIns="91425" tIns="91425" rIns="91425" bIns="91425" anchor="ctr" anchorCtr="0">
-              <a:noAutofit/>
-            </a:bodyPr>
-            <a:lstStyle/>
-            <a:p>
-              <a:pPr marL="0" lvl="0" indent="0" algn="l" rtl="0">
-                <a:spcBef>
-                  <a:spcPts val="0"/>
-                </a:spcBef>
-                <a:spcAft>
-                  <a:spcPts val="0"/>
-                </a:spcAft>
-                <a:buNone/>
-              </a:pPr>
-              <a:endParaRPr/>
-            </a:p>
-          </p:txBody>
-        </p:sp>
-        <p:sp>
-          <p:nvSpPr>
-            <p:cNvPr id="4174" name="Google Shape;4174;p55"/>
-            <p:cNvSpPr/>
-            <p:nvPr/>
-          </p:nvSpPr>
-          <p:spPr>
-            <a:xfrm>
-              <a:off x="4922450" y="1424750"/>
-              <a:ext cx="21950" cy="27125"/>
-            </a:xfrm>
-            <a:custGeom>
-              <a:avLst/>
-              <a:gdLst/>
-              <a:ahLst/>
-              <a:cxnLst/>
-              <a:rect l="l" t="t" r="r" b="b"/>
-              <a:pathLst>
-                <a:path w="878" h="1085" extrusionOk="0">
-                  <a:moveTo>
-                    <a:pt x="635" y="1"/>
-                  </a:moveTo>
-                  <a:cubicBezTo>
-                    <a:pt x="579" y="1"/>
-                    <a:pt x="516" y="18"/>
-                    <a:pt x="452" y="54"/>
-                  </a:cubicBezTo>
-                  <a:cubicBezTo>
-                    <a:pt x="226" y="179"/>
-                    <a:pt x="51" y="505"/>
-                    <a:pt x="0" y="781"/>
-                  </a:cubicBezTo>
-                  <a:cubicBezTo>
-                    <a:pt x="0" y="977"/>
-                    <a:pt x="115" y="1085"/>
-                    <a:pt x="263" y="1085"/>
-                  </a:cubicBezTo>
-                  <a:cubicBezTo>
-                    <a:pt x="322" y="1085"/>
-                    <a:pt x="387" y="1067"/>
-                    <a:pt x="452" y="1032"/>
-                  </a:cubicBezTo>
-                  <a:cubicBezTo>
-                    <a:pt x="702" y="906"/>
-                    <a:pt x="878" y="605"/>
-                    <a:pt x="878" y="305"/>
-                  </a:cubicBezTo>
-                  <a:cubicBezTo>
-                    <a:pt x="878" y="108"/>
-                    <a:pt x="776" y="1"/>
-                    <a:pt x="635" y="1"/>
-                  </a:cubicBezTo>
-                  <a:close/>
-                </a:path>
-              </a:pathLst>
-            </a:custGeom>
-            <a:solidFill>
-              <a:schemeClr val="dk1"/>
-            </a:solidFill>
-            <a:ln>
-              <a:noFill/>
-            </a:ln>
-          </p:spPr>
-          <p:txBody>
-            <a:bodyPr spcFirstLastPara="1" wrap="square" lIns="91425" tIns="91425" rIns="91425" bIns="91425" anchor="ctr" anchorCtr="0">
-              <a:noAutofit/>
-            </a:bodyPr>
-            <a:lstStyle/>
-            <a:p>
-              <a:pPr marL="0" lvl="0" indent="0" algn="l" rtl="0">
-                <a:spcBef>
-                  <a:spcPts val="0"/>
-                </a:spcBef>
-                <a:spcAft>
-                  <a:spcPts val="0"/>
-                </a:spcAft>
-                <a:buNone/>
-              </a:pPr>
-              <a:endParaRPr/>
-            </a:p>
-          </p:txBody>
-        </p:sp>
-        <p:sp>
-          <p:nvSpPr>
-            <p:cNvPr id="4175" name="Google Shape;4175;p55"/>
-            <p:cNvSpPr/>
-            <p:nvPr/>
-          </p:nvSpPr>
-          <p:spPr>
-            <a:xfrm>
-              <a:off x="4923700" y="1535550"/>
-              <a:ext cx="21325" cy="26725"/>
-            </a:xfrm>
-            <a:custGeom>
-              <a:avLst/>
-              <a:gdLst/>
-              <a:ahLst/>
-              <a:cxnLst/>
-              <a:rect l="l" t="t" r="r" b="b"/>
-              <a:pathLst>
-                <a:path w="853" h="1069" extrusionOk="0">
-                  <a:moveTo>
-                    <a:pt x="622" y="0"/>
-                  </a:moveTo>
-                  <a:cubicBezTo>
-                    <a:pt x="563" y="0"/>
-                    <a:pt x="496" y="20"/>
-                    <a:pt x="427" y="58"/>
-                  </a:cubicBezTo>
-                  <a:cubicBezTo>
-                    <a:pt x="176" y="183"/>
-                    <a:pt x="1" y="484"/>
-                    <a:pt x="1" y="760"/>
-                  </a:cubicBezTo>
-                  <a:cubicBezTo>
-                    <a:pt x="1" y="968"/>
-                    <a:pt x="97" y="1069"/>
-                    <a:pt x="231" y="1069"/>
-                  </a:cubicBezTo>
-                  <a:cubicBezTo>
-                    <a:pt x="291" y="1069"/>
-                    <a:pt x="357" y="1049"/>
-                    <a:pt x="427" y="1011"/>
-                  </a:cubicBezTo>
-                  <a:cubicBezTo>
-                    <a:pt x="677" y="885"/>
-                    <a:pt x="853" y="584"/>
-                    <a:pt x="853" y="309"/>
-                  </a:cubicBezTo>
-                  <a:cubicBezTo>
-                    <a:pt x="853" y="100"/>
-                    <a:pt x="756" y="0"/>
-                    <a:pt x="622" y="0"/>
-                  </a:cubicBezTo>
-                  <a:close/>
-                </a:path>
-              </a:pathLst>
-            </a:custGeom>
-            <a:solidFill>
-              <a:schemeClr val="dk1"/>
-            </a:solidFill>
-            <a:ln>
-              <a:noFill/>
-            </a:ln>
-          </p:spPr>
-          <p:txBody>
-            <a:bodyPr spcFirstLastPara="1" wrap="square" lIns="91425" tIns="91425" rIns="91425" bIns="91425" anchor="ctr" anchorCtr="0">
-              <a:noAutofit/>
-            </a:bodyPr>
-            <a:lstStyle/>
-            <a:p>
-              <a:pPr marL="0" lvl="0" indent="0" algn="l" rtl="0">
-                <a:spcBef>
-                  <a:spcPts val="0"/>
-                </a:spcBef>
-                <a:spcAft>
-                  <a:spcPts val="0"/>
-                </a:spcAft>
-                <a:buNone/>
-              </a:pPr>
-              <a:endParaRPr/>
-            </a:p>
-          </p:txBody>
-        </p:sp>
-        <p:sp>
-          <p:nvSpPr>
-            <p:cNvPr id="4176" name="Google Shape;4176;p55"/>
-            <p:cNvSpPr/>
-            <p:nvPr/>
-          </p:nvSpPr>
-          <p:spPr>
-            <a:xfrm>
-              <a:off x="5018325" y="1147800"/>
-              <a:ext cx="21950" cy="27150"/>
-            </a:xfrm>
-            <a:custGeom>
-              <a:avLst/>
-              <a:gdLst/>
-              <a:ahLst/>
-              <a:cxnLst/>
-              <a:rect l="l" t="t" r="r" b="b"/>
-              <a:pathLst>
-                <a:path w="878" h="1086" extrusionOk="0">
-                  <a:moveTo>
-                    <a:pt x="615" y="1"/>
-                  </a:moveTo>
-                  <a:cubicBezTo>
-                    <a:pt x="556" y="1"/>
-                    <a:pt x="491" y="18"/>
-                    <a:pt x="426" y="54"/>
-                  </a:cubicBezTo>
-                  <a:cubicBezTo>
-                    <a:pt x="201" y="205"/>
-                    <a:pt x="0" y="480"/>
-                    <a:pt x="0" y="781"/>
-                  </a:cubicBezTo>
-                  <a:cubicBezTo>
-                    <a:pt x="0" y="978"/>
-                    <a:pt x="102" y="1085"/>
-                    <a:pt x="242" y="1085"/>
-                  </a:cubicBezTo>
-                  <a:cubicBezTo>
-                    <a:pt x="299" y="1085"/>
-                    <a:pt x="361" y="1068"/>
-                    <a:pt x="426" y="1032"/>
-                  </a:cubicBezTo>
-                  <a:cubicBezTo>
-                    <a:pt x="677" y="906"/>
-                    <a:pt x="877" y="581"/>
-                    <a:pt x="877" y="305"/>
-                  </a:cubicBezTo>
-                  <a:cubicBezTo>
-                    <a:pt x="877" y="108"/>
-                    <a:pt x="763" y="1"/>
-                    <a:pt x="615" y="1"/>
-                  </a:cubicBezTo>
-                  <a:close/>
-                </a:path>
-              </a:pathLst>
-            </a:custGeom>
-            <a:solidFill>
-              <a:schemeClr val="dk1"/>
-            </a:solidFill>
-            <a:ln>
-              <a:noFill/>
-            </a:ln>
-          </p:spPr>
-          <p:txBody>
-            <a:bodyPr spcFirstLastPara="1" wrap="square" lIns="91425" tIns="91425" rIns="91425" bIns="91425" anchor="ctr" anchorCtr="0">
-              <a:noAutofit/>
-            </a:bodyPr>
-            <a:lstStyle/>
-            <a:p>
-              <a:pPr marL="0" lvl="0" indent="0" algn="l" rtl="0">
-                <a:spcBef>
-                  <a:spcPts val="0"/>
-                </a:spcBef>
-                <a:spcAft>
-                  <a:spcPts val="0"/>
-                </a:spcAft>
-                <a:buNone/>
-              </a:pPr>
-              <a:endParaRPr/>
-            </a:p>
-          </p:txBody>
-        </p:sp>
-        <p:sp>
-          <p:nvSpPr>
-            <p:cNvPr id="4177" name="Google Shape;4177;p55"/>
-            <p:cNvSpPr/>
-            <p:nvPr/>
-          </p:nvSpPr>
-          <p:spPr>
-            <a:xfrm>
-              <a:off x="5114800" y="1092050"/>
-              <a:ext cx="21325" cy="27125"/>
-            </a:xfrm>
-            <a:custGeom>
-              <a:avLst/>
-              <a:gdLst/>
-              <a:ahLst/>
-              <a:cxnLst/>
-              <a:rect l="l" t="t" r="r" b="b"/>
-              <a:pathLst>
-                <a:path w="853" h="1085" extrusionOk="0">
-                  <a:moveTo>
-                    <a:pt x="611" y="0"/>
-                  </a:moveTo>
-                  <a:cubicBezTo>
-                    <a:pt x="554" y="0"/>
-                    <a:pt x="491" y="18"/>
-                    <a:pt x="427" y="54"/>
-                  </a:cubicBezTo>
-                  <a:cubicBezTo>
-                    <a:pt x="201" y="204"/>
-                    <a:pt x="1" y="530"/>
-                    <a:pt x="1" y="781"/>
-                  </a:cubicBezTo>
-                  <a:cubicBezTo>
-                    <a:pt x="1" y="977"/>
-                    <a:pt x="103" y="1085"/>
-                    <a:pt x="243" y="1085"/>
-                  </a:cubicBezTo>
-                  <a:cubicBezTo>
-                    <a:pt x="299" y="1085"/>
-                    <a:pt x="362" y="1067"/>
-                    <a:pt x="427" y="1031"/>
-                  </a:cubicBezTo>
-                  <a:cubicBezTo>
-                    <a:pt x="677" y="906"/>
-                    <a:pt x="853" y="580"/>
-                    <a:pt x="853" y="304"/>
-                  </a:cubicBezTo>
-                  <a:cubicBezTo>
-                    <a:pt x="853" y="108"/>
-                    <a:pt x="751" y="0"/>
-                    <a:pt x="611" y="0"/>
-                  </a:cubicBezTo>
-                  <a:close/>
-                </a:path>
-              </a:pathLst>
-            </a:custGeom>
-            <a:solidFill>
-              <a:schemeClr val="dk1"/>
-            </a:solidFill>
-            <a:ln>
-              <a:noFill/>
-            </a:ln>
-          </p:spPr>
-          <p:txBody>
-            <a:bodyPr spcFirstLastPara="1" wrap="square" lIns="91425" tIns="91425" rIns="91425" bIns="91425" anchor="ctr" anchorCtr="0">
-              <a:noAutofit/>
-            </a:bodyPr>
-            <a:lstStyle/>
-            <a:p>
-              <a:pPr marL="0" lvl="0" indent="0" algn="l" rtl="0">
-                <a:spcBef>
-                  <a:spcPts val="0"/>
-                </a:spcBef>
-                <a:spcAft>
-                  <a:spcPts val="0"/>
-                </a:spcAft>
-                <a:buNone/>
-              </a:pPr>
-              <a:endParaRPr/>
-            </a:p>
-          </p:txBody>
-        </p:sp>
-        <p:sp>
-          <p:nvSpPr>
-            <p:cNvPr id="4178" name="Google Shape;4178;p55"/>
-            <p:cNvSpPr/>
-            <p:nvPr/>
-          </p:nvSpPr>
-          <p:spPr>
-            <a:xfrm>
-              <a:off x="5210675" y="1036275"/>
-              <a:ext cx="21950" cy="27125"/>
-            </a:xfrm>
-            <a:custGeom>
-              <a:avLst/>
-              <a:gdLst/>
-              <a:ahLst/>
-              <a:cxnLst/>
-              <a:rect l="l" t="t" r="r" b="b"/>
-              <a:pathLst>
-                <a:path w="878" h="1085" extrusionOk="0">
-                  <a:moveTo>
-                    <a:pt x="635" y="1"/>
-                  </a:moveTo>
-                  <a:cubicBezTo>
-                    <a:pt x="579" y="1"/>
-                    <a:pt x="516" y="18"/>
-                    <a:pt x="451" y="54"/>
-                  </a:cubicBezTo>
-                  <a:cubicBezTo>
-                    <a:pt x="201" y="230"/>
-                    <a:pt x="0" y="530"/>
-                    <a:pt x="0" y="781"/>
-                  </a:cubicBezTo>
-                  <a:cubicBezTo>
-                    <a:pt x="0" y="978"/>
-                    <a:pt x="115" y="1085"/>
-                    <a:pt x="263" y="1085"/>
-                  </a:cubicBezTo>
-                  <a:cubicBezTo>
-                    <a:pt x="322" y="1085"/>
-                    <a:pt x="387" y="1068"/>
-                    <a:pt x="451" y="1032"/>
-                  </a:cubicBezTo>
-                  <a:cubicBezTo>
-                    <a:pt x="702" y="906"/>
-                    <a:pt x="878" y="580"/>
-                    <a:pt x="878" y="305"/>
-                  </a:cubicBezTo>
-                  <a:cubicBezTo>
-                    <a:pt x="878" y="108"/>
-                    <a:pt x="776" y="1"/>
-                    <a:pt x="635" y="1"/>
-                  </a:cubicBezTo>
-                  <a:close/>
-                </a:path>
-              </a:pathLst>
-            </a:custGeom>
-            <a:solidFill>
-              <a:schemeClr val="dk1"/>
-            </a:solidFill>
-            <a:ln>
-              <a:noFill/>
-            </a:ln>
-          </p:spPr>
-          <p:txBody>
-            <a:bodyPr spcFirstLastPara="1" wrap="square" lIns="91425" tIns="91425" rIns="91425" bIns="91425" anchor="ctr" anchorCtr="0">
-              <a:noAutofit/>
-            </a:bodyPr>
-            <a:lstStyle/>
-            <a:p>
-              <a:pPr marL="0" lvl="0" indent="0" algn="l" rtl="0">
-                <a:spcBef>
-                  <a:spcPts val="0"/>
-                </a:spcBef>
-                <a:spcAft>
-                  <a:spcPts val="0"/>
-                </a:spcAft>
-                <a:buNone/>
-              </a:pPr>
-              <a:endParaRPr/>
-            </a:p>
-          </p:txBody>
-        </p:sp>
-        <p:sp>
-          <p:nvSpPr>
-            <p:cNvPr id="4179" name="Google Shape;4179;p55"/>
-            <p:cNvSpPr/>
-            <p:nvPr/>
-          </p:nvSpPr>
-          <p:spPr>
-            <a:xfrm>
-              <a:off x="5307150" y="981775"/>
-              <a:ext cx="21975" cy="26900"/>
-            </a:xfrm>
-            <a:custGeom>
-              <a:avLst/>
-              <a:gdLst/>
-              <a:ahLst/>
-              <a:cxnLst/>
-              <a:rect l="l" t="t" r="r" b="b"/>
-              <a:pathLst>
-                <a:path w="879" h="1076" extrusionOk="0">
-                  <a:moveTo>
-                    <a:pt x="625" y="0"/>
-                  </a:moveTo>
-                  <a:cubicBezTo>
-                    <a:pt x="569" y="0"/>
-                    <a:pt x="510" y="18"/>
-                    <a:pt x="452" y="54"/>
-                  </a:cubicBezTo>
-                  <a:cubicBezTo>
-                    <a:pt x="201" y="179"/>
-                    <a:pt x="1" y="480"/>
-                    <a:pt x="1" y="780"/>
-                  </a:cubicBezTo>
-                  <a:cubicBezTo>
-                    <a:pt x="1" y="969"/>
-                    <a:pt x="107" y="1076"/>
-                    <a:pt x="246" y="1076"/>
-                  </a:cubicBezTo>
-                  <a:cubicBezTo>
-                    <a:pt x="310" y="1076"/>
-                    <a:pt x="381" y="1053"/>
-                    <a:pt x="452" y="1006"/>
-                  </a:cubicBezTo>
-                  <a:cubicBezTo>
-                    <a:pt x="678" y="906"/>
-                    <a:pt x="878" y="580"/>
-                    <a:pt x="878" y="304"/>
-                  </a:cubicBezTo>
-                  <a:cubicBezTo>
-                    <a:pt x="878" y="108"/>
-                    <a:pt x="763" y="0"/>
-                    <a:pt x="625" y="0"/>
-                  </a:cubicBezTo>
-                  <a:close/>
-                </a:path>
-              </a:pathLst>
-            </a:custGeom>
-            <a:solidFill>
-              <a:schemeClr val="dk1"/>
-            </a:solidFill>
-            <a:ln>
-              <a:noFill/>
-            </a:ln>
-          </p:spPr>
-          <p:txBody>
-            <a:bodyPr spcFirstLastPara="1" wrap="square" lIns="91425" tIns="91425" rIns="91425" bIns="91425" anchor="ctr" anchorCtr="0">
-              <a:noAutofit/>
-            </a:bodyPr>
-            <a:lstStyle/>
-            <a:p>
-              <a:pPr marL="0" lvl="0" indent="0" algn="l" rtl="0">
-                <a:spcBef>
-                  <a:spcPts val="0"/>
-                </a:spcBef>
-                <a:spcAft>
-                  <a:spcPts val="0"/>
-                </a:spcAft>
-                <a:buNone/>
-              </a:pPr>
-              <a:endParaRPr/>
-            </a:p>
-          </p:txBody>
-        </p:sp>
-        <p:sp>
-          <p:nvSpPr>
-            <p:cNvPr id="4180" name="Google Shape;4180;p55"/>
-            <p:cNvSpPr/>
-            <p:nvPr/>
-          </p:nvSpPr>
-          <p:spPr>
-            <a:xfrm>
-              <a:off x="5018950" y="1258100"/>
-              <a:ext cx="21950" cy="27125"/>
-            </a:xfrm>
-            <a:custGeom>
-              <a:avLst/>
-              <a:gdLst/>
-              <a:ahLst/>
-              <a:cxnLst/>
-              <a:rect l="l" t="t" r="r" b="b"/>
-              <a:pathLst>
-                <a:path w="878" h="1085" extrusionOk="0">
-                  <a:moveTo>
-                    <a:pt x="624" y="0"/>
-                  </a:moveTo>
-                  <a:cubicBezTo>
-                    <a:pt x="568" y="0"/>
-                    <a:pt x="509" y="17"/>
-                    <a:pt x="451" y="53"/>
-                  </a:cubicBezTo>
-                  <a:cubicBezTo>
-                    <a:pt x="176" y="204"/>
-                    <a:pt x="0" y="504"/>
-                    <a:pt x="0" y="780"/>
-                  </a:cubicBezTo>
-                  <a:cubicBezTo>
-                    <a:pt x="0" y="977"/>
-                    <a:pt x="115" y="1084"/>
-                    <a:pt x="262" y="1084"/>
-                  </a:cubicBezTo>
-                  <a:cubicBezTo>
-                    <a:pt x="322" y="1084"/>
-                    <a:pt x="387" y="1067"/>
-                    <a:pt x="451" y="1031"/>
-                  </a:cubicBezTo>
-                  <a:cubicBezTo>
-                    <a:pt x="702" y="905"/>
-                    <a:pt x="877" y="580"/>
-                    <a:pt x="877" y="304"/>
-                  </a:cubicBezTo>
-                  <a:cubicBezTo>
-                    <a:pt x="877" y="107"/>
-                    <a:pt x="763" y="0"/>
-                    <a:pt x="624" y="0"/>
-                  </a:cubicBezTo>
-                  <a:close/>
-                </a:path>
-              </a:pathLst>
-            </a:custGeom>
-            <a:solidFill>
-              <a:schemeClr val="dk1"/>
-            </a:solidFill>
-            <a:ln>
-              <a:noFill/>
-            </a:ln>
-          </p:spPr>
-          <p:txBody>
-            <a:bodyPr spcFirstLastPara="1" wrap="square" lIns="91425" tIns="91425" rIns="91425" bIns="91425" anchor="ctr" anchorCtr="0">
-              <a:noAutofit/>
-            </a:bodyPr>
-            <a:lstStyle/>
-            <a:p>
-              <a:pPr marL="0" lvl="0" indent="0" algn="l" rtl="0">
-                <a:spcBef>
-                  <a:spcPts val="0"/>
-                </a:spcBef>
-                <a:spcAft>
-                  <a:spcPts val="0"/>
-                </a:spcAft>
-                <a:buNone/>
-              </a:pPr>
-              <a:endParaRPr/>
-            </a:p>
-          </p:txBody>
-        </p:sp>
-        <p:sp>
-          <p:nvSpPr>
-            <p:cNvPr id="4181" name="Google Shape;4181;p55"/>
-            <p:cNvSpPr/>
-            <p:nvPr/>
-          </p:nvSpPr>
-          <p:spPr>
-            <a:xfrm>
-              <a:off x="5018950" y="1369225"/>
-              <a:ext cx="21950" cy="27000"/>
-            </a:xfrm>
-            <a:custGeom>
-              <a:avLst/>
-              <a:gdLst/>
-              <a:ahLst/>
-              <a:cxnLst/>
-              <a:rect l="l" t="t" r="r" b="b"/>
-              <a:pathLst>
-                <a:path w="878" h="1080" extrusionOk="0">
-                  <a:moveTo>
-                    <a:pt x="637" y="0"/>
-                  </a:moveTo>
-                  <a:cubicBezTo>
-                    <a:pt x="578" y="0"/>
-                    <a:pt x="513" y="23"/>
-                    <a:pt x="451" y="70"/>
-                  </a:cubicBezTo>
-                  <a:cubicBezTo>
-                    <a:pt x="176" y="195"/>
-                    <a:pt x="0" y="496"/>
-                    <a:pt x="0" y="771"/>
-                  </a:cubicBezTo>
-                  <a:cubicBezTo>
-                    <a:pt x="0" y="980"/>
-                    <a:pt x="109" y="1080"/>
-                    <a:pt x="250" y="1080"/>
-                  </a:cubicBezTo>
-                  <a:cubicBezTo>
-                    <a:pt x="313" y="1080"/>
-                    <a:pt x="382" y="1060"/>
-                    <a:pt x="451" y="1022"/>
-                  </a:cubicBezTo>
-                  <a:cubicBezTo>
-                    <a:pt x="702" y="897"/>
-                    <a:pt x="877" y="596"/>
-                    <a:pt x="877" y="320"/>
-                  </a:cubicBezTo>
-                  <a:cubicBezTo>
-                    <a:pt x="877" y="113"/>
-                    <a:pt x="770" y="0"/>
-                    <a:pt x="637" y="0"/>
-                  </a:cubicBezTo>
-                  <a:close/>
-                </a:path>
-              </a:pathLst>
-            </a:custGeom>
-            <a:solidFill>
-              <a:schemeClr val="dk1"/>
-            </a:solidFill>
-            <a:ln>
-              <a:noFill/>
-            </a:ln>
-          </p:spPr>
-          <p:txBody>
-            <a:bodyPr spcFirstLastPara="1" wrap="square" lIns="91425" tIns="91425" rIns="91425" bIns="91425" anchor="ctr" anchorCtr="0">
-              <a:noAutofit/>
-            </a:bodyPr>
-            <a:lstStyle/>
-            <a:p>
-              <a:pPr marL="0" lvl="0" indent="0" algn="l" rtl="0">
-                <a:spcBef>
-                  <a:spcPts val="0"/>
-                </a:spcBef>
-                <a:spcAft>
-                  <a:spcPts val="0"/>
-                </a:spcAft>
-                <a:buNone/>
-              </a:pPr>
-              <a:endParaRPr/>
-            </a:p>
-          </p:txBody>
-        </p:sp>
-        <p:sp>
-          <p:nvSpPr>
-            <p:cNvPr id="4182" name="Google Shape;4182;p55"/>
-            <p:cNvSpPr/>
-            <p:nvPr/>
-          </p:nvSpPr>
-          <p:spPr>
-            <a:xfrm>
-              <a:off x="5018950" y="1479900"/>
-              <a:ext cx="21950" cy="27125"/>
-            </a:xfrm>
-            <a:custGeom>
-              <a:avLst/>
-              <a:gdLst/>
-              <a:ahLst/>
-              <a:cxnLst/>
-              <a:rect l="l" t="t" r="r" b="b"/>
-              <a:pathLst>
-                <a:path w="878" h="1085" extrusionOk="0">
-                  <a:moveTo>
-                    <a:pt x="624" y="0"/>
-                  </a:moveTo>
-                  <a:cubicBezTo>
-                    <a:pt x="568" y="0"/>
-                    <a:pt x="509" y="18"/>
-                    <a:pt x="451" y="54"/>
-                  </a:cubicBezTo>
-                  <a:cubicBezTo>
-                    <a:pt x="226" y="179"/>
-                    <a:pt x="25" y="505"/>
-                    <a:pt x="0" y="780"/>
-                  </a:cubicBezTo>
-                  <a:cubicBezTo>
-                    <a:pt x="0" y="977"/>
-                    <a:pt x="102" y="1084"/>
-                    <a:pt x="251" y="1084"/>
-                  </a:cubicBezTo>
-                  <a:cubicBezTo>
-                    <a:pt x="312" y="1084"/>
-                    <a:pt x="379" y="1067"/>
-                    <a:pt x="451" y="1031"/>
-                  </a:cubicBezTo>
-                  <a:cubicBezTo>
-                    <a:pt x="702" y="906"/>
-                    <a:pt x="877" y="580"/>
-                    <a:pt x="877" y="304"/>
-                  </a:cubicBezTo>
-                  <a:cubicBezTo>
-                    <a:pt x="877" y="108"/>
-                    <a:pt x="763" y="0"/>
-                    <a:pt x="624" y="0"/>
-                  </a:cubicBezTo>
-                  <a:close/>
-                </a:path>
-              </a:pathLst>
-            </a:custGeom>
-            <a:solidFill>
-              <a:schemeClr val="dk1"/>
-            </a:solidFill>
-            <a:ln>
-              <a:noFill/>
-            </a:ln>
-          </p:spPr>
-          <p:txBody>
-            <a:bodyPr spcFirstLastPara="1" wrap="square" lIns="91425" tIns="91425" rIns="91425" bIns="91425" anchor="ctr" anchorCtr="0">
-              <a:noAutofit/>
-            </a:bodyPr>
-            <a:lstStyle/>
-            <a:p>
-              <a:pPr marL="0" lvl="0" indent="0" algn="l" rtl="0">
-                <a:spcBef>
-                  <a:spcPts val="0"/>
-                </a:spcBef>
-                <a:spcAft>
-                  <a:spcPts val="0"/>
-                </a:spcAft>
-                <a:buNone/>
-              </a:pPr>
-              <a:endParaRPr/>
-            </a:p>
-          </p:txBody>
-        </p:sp>
-        <p:sp>
-          <p:nvSpPr>
-            <p:cNvPr id="4183" name="Google Shape;4183;p55"/>
-            <p:cNvSpPr/>
-            <p:nvPr/>
-          </p:nvSpPr>
-          <p:spPr>
-            <a:xfrm>
-              <a:off x="5114800" y="1203450"/>
-              <a:ext cx="21325" cy="26750"/>
-            </a:xfrm>
-            <a:custGeom>
-              <a:avLst/>
-              <a:gdLst/>
-              <a:ahLst/>
-              <a:cxnLst/>
-              <a:rect l="l" t="t" r="r" b="b"/>
-              <a:pathLst>
-                <a:path w="853" h="1070" extrusionOk="0">
-                  <a:moveTo>
-                    <a:pt x="622" y="1"/>
-                  </a:moveTo>
-                  <a:cubicBezTo>
-                    <a:pt x="563" y="1"/>
-                    <a:pt x="496" y="20"/>
-                    <a:pt x="427" y="59"/>
-                  </a:cubicBezTo>
-                  <a:cubicBezTo>
-                    <a:pt x="201" y="184"/>
-                    <a:pt x="26" y="485"/>
-                    <a:pt x="1" y="761"/>
-                  </a:cubicBezTo>
-                  <a:cubicBezTo>
-                    <a:pt x="1" y="969"/>
-                    <a:pt x="85" y="1069"/>
-                    <a:pt x="220" y="1069"/>
-                  </a:cubicBezTo>
-                  <a:cubicBezTo>
-                    <a:pt x="280" y="1069"/>
-                    <a:pt x="350" y="1050"/>
-                    <a:pt x="427" y="1011"/>
-                  </a:cubicBezTo>
-                  <a:cubicBezTo>
-                    <a:pt x="677" y="886"/>
-                    <a:pt x="853" y="585"/>
-                    <a:pt x="853" y="310"/>
-                  </a:cubicBezTo>
-                  <a:cubicBezTo>
-                    <a:pt x="853" y="101"/>
-                    <a:pt x="756" y="1"/>
-                    <a:pt x="622" y="1"/>
-                  </a:cubicBezTo>
-                  <a:close/>
-                </a:path>
-              </a:pathLst>
-            </a:custGeom>
-            <a:solidFill>
-              <a:schemeClr val="dk1"/>
-            </a:solidFill>
-            <a:ln>
-              <a:noFill/>
-            </a:ln>
-          </p:spPr>
-          <p:txBody>
-            <a:bodyPr spcFirstLastPara="1" wrap="square" lIns="91425" tIns="91425" rIns="91425" bIns="91425" anchor="ctr" anchorCtr="0">
-              <a:noAutofit/>
-            </a:bodyPr>
-            <a:lstStyle/>
-            <a:p>
-              <a:pPr marL="0" lvl="0" indent="0" algn="l" rtl="0">
-                <a:spcBef>
-                  <a:spcPts val="0"/>
-                </a:spcBef>
-                <a:spcAft>
-                  <a:spcPts val="0"/>
-                </a:spcAft>
-                <a:buNone/>
-              </a:pPr>
-              <a:endParaRPr/>
-            </a:p>
-          </p:txBody>
-        </p:sp>
-        <p:sp>
-          <p:nvSpPr>
-            <p:cNvPr id="4184" name="Google Shape;4184;p55"/>
-            <p:cNvSpPr/>
-            <p:nvPr/>
-          </p:nvSpPr>
-          <p:spPr>
-            <a:xfrm>
-              <a:off x="5210675" y="1147800"/>
-              <a:ext cx="21950" cy="27150"/>
-            </a:xfrm>
-            <a:custGeom>
-              <a:avLst/>
-              <a:gdLst/>
-              <a:ahLst/>
-              <a:cxnLst/>
-              <a:rect l="l" t="t" r="r" b="b"/>
-              <a:pathLst>
-                <a:path w="878" h="1086" extrusionOk="0">
-                  <a:moveTo>
-                    <a:pt x="635" y="1"/>
-                  </a:moveTo>
-                  <a:cubicBezTo>
-                    <a:pt x="579" y="1"/>
-                    <a:pt x="516" y="18"/>
-                    <a:pt x="451" y="54"/>
-                  </a:cubicBezTo>
-                  <a:cubicBezTo>
-                    <a:pt x="226" y="180"/>
-                    <a:pt x="0" y="480"/>
-                    <a:pt x="0" y="781"/>
-                  </a:cubicBezTo>
-                  <a:cubicBezTo>
-                    <a:pt x="0" y="978"/>
-                    <a:pt x="115" y="1085"/>
-                    <a:pt x="263" y="1085"/>
-                  </a:cubicBezTo>
-                  <a:cubicBezTo>
-                    <a:pt x="322" y="1085"/>
-                    <a:pt x="387" y="1068"/>
-                    <a:pt x="451" y="1032"/>
-                  </a:cubicBezTo>
-                  <a:cubicBezTo>
-                    <a:pt x="702" y="906"/>
-                    <a:pt x="878" y="581"/>
-                    <a:pt x="878" y="305"/>
-                  </a:cubicBezTo>
-                  <a:cubicBezTo>
-                    <a:pt x="878" y="108"/>
-                    <a:pt x="776" y="1"/>
-                    <a:pt x="635" y="1"/>
-                  </a:cubicBezTo>
-                  <a:close/>
-                </a:path>
-              </a:pathLst>
-            </a:custGeom>
-            <a:solidFill>
-              <a:schemeClr val="dk1"/>
-            </a:solidFill>
-            <a:ln>
-              <a:noFill/>
-            </a:ln>
-          </p:spPr>
-          <p:txBody>
-            <a:bodyPr spcFirstLastPara="1" wrap="square" lIns="91425" tIns="91425" rIns="91425" bIns="91425" anchor="ctr" anchorCtr="0">
-              <a:noAutofit/>
-            </a:bodyPr>
-            <a:lstStyle/>
-            <a:p>
-              <a:pPr marL="0" lvl="0" indent="0" algn="l" rtl="0">
-                <a:spcBef>
-                  <a:spcPts val="0"/>
-                </a:spcBef>
-                <a:spcAft>
-                  <a:spcPts val="0"/>
-                </a:spcAft>
-                <a:buNone/>
-              </a:pPr>
-              <a:endParaRPr/>
-            </a:p>
-          </p:txBody>
-        </p:sp>
-        <p:sp>
-          <p:nvSpPr>
-            <p:cNvPr id="4185" name="Google Shape;4185;p55"/>
-            <p:cNvSpPr/>
-            <p:nvPr/>
-          </p:nvSpPr>
-          <p:spPr>
-            <a:xfrm>
-              <a:off x="5307150" y="1092050"/>
-              <a:ext cx="21975" cy="27125"/>
-            </a:xfrm>
-            <a:custGeom>
-              <a:avLst/>
-              <a:gdLst/>
-              <a:ahLst/>
-              <a:cxnLst/>
-              <a:rect l="l" t="t" r="r" b="b"/>
-              <a:pathLst>
-                <a:path w="879" h="1085" extrusionOk="0">
-                  <a:moveTo>
-                    <a:pt x="625" y="0"/>
-                  </a:moveTo>
-                  <a:cubicBezTo>
-                    <a:pt x="569" y="0"/>
-                    <a:pt x="510" y="18"/>
-                    <a:pt x="452" y="54"/>
-                  </a:cubicBezTo>
-                  <a:cubicBezTo>
-                    <a:pt x="227" y="179"/>
-                    <a:pt x="26" y="530"/>
-                    <a:pt x="1" y="781"/>
-                  </a:cubicBezTo>
-                  <a:cubicBezTo>
-                    <a:pt x="1" y="977"/>
-                    <a:pt x="116" y="1085"/>
-                    <a:pt x="263" y="1085"/>
-                  </a:cubicBezTo>
-                  <a:cubicBezTo>
-                    <a:pt x="323" y="1085"/>
-                    <a:pt x="387" y="1067"/>
-                    <a:pt x="452" y="1031"/>
-                  </a:cubicBezTo>
-                  <a:cubicBezTo>
-                    <a:pt x="678" y="906"/>
-                    <a:pt x="878" y="580"/>
-                    <a:pt x="878" y="304"/>
-                  </a:cubicBezTo>
-                  <a:cubicBezTo>
-                    <a:pt x="878" y="108"/>
-                    <a:pt x="763" y="0"/>
-                    <a:pt x="625" y="0"/>
-                  </a:cubicBezTo>
-                  <a:close/>
-                </a:path>
-              </a:pathLst>
-            </a:custGeom>
-            <a:solidFill>
-              <a:schemeClr val="dk1"/>
-            </a:solidFill>
-            <a:ln>
-              <a:noFill/>
-            </a:ln>
-          </p:spPr>
-          <p:txBody>
-            <a:bodyPr spcFirstLastPara="1" wrap="square" lIns="91425" tIns="91425" rIns="91425" bIns="91425" anchor="ctr" anchorCtr="0">
-              <a:noAutofit/>
-            </a:bodyPr>
-            <a:lstStyle/>
-            <a:p>
-              <a:pPr marL="0" lvl="0" indent="0" algn="l" rtl="0">
-                <a:spcBef>
-                  <a:spcPts val="0"/>
-                </a:spcBef>
-                <a:spcAft>
-                  <a:spcPts val="0"/>
-                </a:spcAft>
-                <a:buNone/>
-              </a:pPr>
-              <a:endParaRPr/>
-            </a:p>
-          </p:txBody>
-        </p:sp>
-        <p:sp>
-          <p:nvSpPr>
-            <p:cNvPr id="4186" name="Google Shape;4186;p55"/>
-            <p:cNvSpPr/>
-            <p:nvPr/>
-          </p:nvSpPr>
-          <p:spPr>
-            <a:xfrm>
-              <a:off x="5115425" y="1313850"/>
-              <a:ext cx="21950" cy="27125"/>
-            </a:xfrm>
-            <a:custGeom>
-              <a:avLst/>
-              <a:gdLst/>
-              <a:ahLst/>
-              <a:cxnLst/>
-              <a:rect l="l" t="t" r="r" b="b"/>
-              <a:pathLst>
-                <a:path w="878" h="1085" extrusionOk="0">
-                  <a:moveTo>
-                    <a:pt x="616" y="1"/>
-                  </a:moveTo>
-                  <a:cubicBezTo>
-                    <a:pt x="556" y="1"/>
-                    <a:pt x="492" y="18"/>
-                    <a:pt x="427" y="54"/>
-                  </a:cubicBezTo>
-                  <a:cubicBezTo>
-                    <a:pt x="176" y="179"/>
-                    <a:pt x="1" y="480"/>
-                    <a:pt x="1" y="781"/>
-                  </a:cubicBezTo>
-                  <a:cubicBezTo>
-                    <a:pt x="1" y="977"/>
-                    <a:pt x="90" y="1085"/>
-                    <a:pt x="232" y="1085"/>
-                  </a:cubicBezTo>
-                  <a:cubicBezTo>
-                    <a:pt x="289" y="1085"/>
-                    <a:pt x="355" y="1067"/>
-                    <a:pt x="427" y="1031"/>
-                  </a:cubicBezTo>
-                  <a:cubicBezTo>
-                    <a:pt x="677" y="906"/>
-                    <a:pt x="878" y="580"/>
-                    <a:pt x="878" y="305"/>
-                  </a:cubicBezTo>
-                  <a:cubicBezTo>
-                    <a:pt x="878" y="108"/>
-                    <a:pt x="763" y="1"/>
-                    <a:pt x="616" y="1"/>
-                  </a:cubicBezTo>
-                  <a:close/>
-                </a:path>
-              </a:pathLst>
-            </a:custGeom>
-            <a:solidFill>
-              <a:schemeClr val="dk1"/>
-            </a:solidFill>
-            <a:ln>
-              <a:noFill/>
-            </a:ln>
-          </p:spPr>
-          <p:txBody>
-            <a:bodyPr spcFirstLastPara="1" wrap="square" lIns="91425" tIns="91425" rIns="91425" bIns="91425" anchor="ctr" anchorCtr="0">
-              <a:noAutofit/>
-            </a:bodyPr>
-            <a:lstStyle/>
-            <a:p>
-              <a:pPr marL="0" lvl="0" indent="0" algn="l" rtl="0">
-                <a:spcBef>
-                  <a:spcPts val="0"/>
-                </a:spcBef>
-                <a:spcAft>
-                  <a:spcPts val="0"/>
-                </a:spcAft>
-                <a:buNone/>
-              </a:pPr>
-              <a:endParaRPr/>
-            </a:p>
-          </p:txBody>
-        </p:sp>
-        <p:sp>
-          <p:nvSpPr>
-            <p:cNvPr id="4187" name="Google Shape;4187;p55"/>
-            <p:cNvSpPr/>
-            <p:nvPr/>
-          </p:nvSpPr>
-          <p:spPr>
-            <a:xfrm>
-              <a:off x="5115425" y="1424125"/>
-              <a:ext cx="21950" cy="27125"/>
-            </a:xfrm>
-            <a:custGeom>
-              <a:avLst/>
-              <a:gdLst/>
-              <a:ahLst/>
-              <a:cxnLst/>
-              <a:rect l="l" t="t" r="r" b="b"/>
-              <a:pathLst>
-                <a:path w="878" h="1085" extrusionOk="0">
-                  <a:moveTo>
-                    <a:pt x="616" y="1"/>
-                  </a:moveTo>
-                  <a:cubicBezTo>
-                    <a:pt x="556" y="1"/>
-                    <a:pt x="492" y="18"/>
-                    <a:pt x="427" y="54"/>
-                  </a:cubicBezTo>
-                  <a:cubicBezTo>
-                    <a:pt x="226" y="179"/>
-                    <a:pt x="26" y="530"/>
-                    <a:pt x="1" y="781"/>
-                  </a:cubicBezTo>
-                  <a:cubicBezTo>
-                    <a:pt x="1" y="977"/>
-                    <a:pt x="90" y="1085"/>
-                    <a:pt x="232" y="1085"/>
-                  </a:cubicBezTo>
-                  <a:cubicBezTo>
-                    <a:pt x="289" y="1085"/>
-                    <a:pt x="355" y="1067"/>
-                    <a:pt x="427" y="1031"/>
-                  </a:cubicBezTo>
-                  <a:cubicBezTo>
-                    <a:pt x="677" y="906"/>
-                    <a:pt x="878" y="580"/>
-                    <a:pt x="878" y="305"/>
-                  </a:cubicBezTo>
-                  <a:cubicBezTo>
-                    <a:pt x="878" y="108"/>
-                    <a:pt x="763" y="1"/>
-                    <a:pt x="616" y="1"/>
-                  </a:cubicBezTo>
-                  <a:close/>
-                </a:path>
-              </a:pathLst>
-            </a:custGeom>
-            <a:solidFill>
-              <a:schemeClr val="dk1"/>
-            </a:solidFill>
-            <a:ln>
-              <a:noFill/>
-            </a:ln>
-          </p:spPr>
-          <p:txBody>
-            <a:bodyPr spcFirstLastPara="1" wrap="square" lIns="91425" tIns="91425" rIns="91425" bIns="91425" anchor="ctr" anchorCtr="0">
-              <a:noAutofit/>
-            </a:bodyPr>
-            <a:lstStyle/>
-            <a:p>
-              <a:pPr marL="0" lvl="0" indent="0" algn="l" rtl="0">
-                <a:spcBef>
-                  <a:spcPts val="0"/>
-                </a:spcBef>
-                <a:spcAft>
-                  <a:spcPts val="0"/>
-                </a:spcAft>
-                <a:buNone/>
-              </a:pPr>
-              <a:endParaRPr/>
-            </a:p>
-          </p:txBody>
-        </p:sp>
-        <p:sp>
-          <p:nvSpPr>
-            <p:cNvPr id="4188" name="Google Shape;4188;p55"/>
-            <p:cNvSpPr/>
-            <p:nvPr/>
-          </p:nvSpPr>
-          <p:spPr>
-            <a:xfrm>
-              <a:off x="5211300" y="1258100"/>
-              <a:ext cx="22575" cy="27125"/>
-            </a:xfrm>
-            <a:custGeom>
-              <a:avLst/>
-              <a:gdLst/>
-              <a:ahLst/>
-              <a:cxnLst/>
-              <a:rect l="l" t="t" r="r" b="b"/>
-              <a:pathLst>
-                <a:path w="903" h="1085" extrusionOk="0">
-                  <a:moveTo>
-                    <a:pt x="640" y="0"/>
-                  </a:moveTo>
-                  <a:cubicBezTo>
-                    <a:pt x="581" y="0"/>
-                    <a:pt x="516" y="17"/>
-                    <a:pt x="452" y="53"/>
-                  </a:cubicBezTo>
-                  <a:cubicBezTo>
-                    <a:pt x="201" y="179"/>
-                    <a:pt x="0" y="530"/>
-                    <a:pt x="25" y="780"/>
-                  </a:cubicBezTo>
-                  <a:cubicBezTo>
-                    <a:pt x="25" y="977"/>
-                    <a:pt x="115" y="1084"/>
-                    <a:pt x="257" y="1084"/>
-                  </a:cubicBezTo>
-                  <a:cubicBezTo>
-                    <a:pt x="314" y="1084"/>
-                    <a:pt x="380" y="1067"/>
-                    <a:pt x="452" y="1031"/>
-                  </a:cubicBezTo>
-                  <a:cubicBezTo>
-                    <a:pt x="702" y="905"/>
-                    <a:pt x="903" y="580"/>
-                    <a:pt x="903" y="304"/>
-                  </a:cubicBezTo>
-                  <a:cubicBezTo>
-                    <a:pt x="903" y="107"/>
-                    <a:pt x="788" y="0"/>
-                    <a:pt x="640" y="0"/>
-                  </a:cubicBezTo>
-                  <a:close/>
-                </a:path>
-              </a:pathLst>
-            </a:custGeom>
-            <a:solidFill>
-              <a:schemeClr val="dk1"/>
-            </a:solidFill>
-            <a:ln>
-              <a:noFill/>
-            </a:ln>
-          </p:spPr>
-          <p:txBody>
-            <a:bodyPr spcFirstLastPara="1" wrap="square" lIns="91425" tIns="91425" rIns="91425" bIns="91425" anchor="ctr" anchorCtr="0">
-              <a:noAutofit/>
-            </a:bodyPr>
-            <a:lstStyle/>
-            <a:p>
-              <a:pPr marL="0" lvl="0" indent="0" algn="l" rtl="0">
-                <a:spcBef>
-                  <a:spcPts val="0"/>
-                </a:spcBef>
-                <a:spcAft>
-                  <a:spcPts val="0"/>
-                </a:spcAft>
-                <a:buNone/>
-              </a:pPr>
-              <a:endParaRPr/>
-            </a:p>
-          </p:txBody>
-        </p:sp>
-        <p:sp>
-          <p:nvSpPr>
-            <p:cNvPr id="4189" name="Google Shape;4189;p55"/>
-            <p:cNvSpPr/>
-            <p:nvPr/>
-          </p:nvSpPr>
-          <p:spPr>
-            <a:xfrm>
-              <a:off x="5307150" y="1202325"/>
-              <a:ext cx="21975" cy="27125"/>
-            </a:xfrm>
-            <a:custGeom>
-              <a:avLst/>
-              <a:gdLst/>
-              <a:ahLst/>
-              <a:cxnLst/>
-              <a:rect l="l" t="t" r="r" b="b"/>
-              <a:pathLst>
-                <a:path w="879" h="1085" extrusionOk="0">
-                  <a:moveTo>
-                    <a:pt x="625" y="0"/>
-                  </a:moveTo>
-                  <a:cubicBezTo>
-                    <a:pt x="569" y="0"/>
-                    <a:pt x="510" y="18"/>
-                    <a:pt x="452" y="54"/>
-                  </a:cubicBezTo>
-                  <a:cubicBezTo>
-                    <a:pt x="227" y="179"/>
-                    <a:pt x="26" y="530"/>
-                    <a:pt x="1" y="781"/>
-                  </a:cubicBezTo>
-                  <a:cubicBezTo>
-                    <a:pt x="1" y="977"/>
-                    <a:pt x="116" y="1085"/>
-                    <a:pt x="263" y="1085"/>
-                  </a:cubicBezTo>
-                  <a:cubicBezTo>
-                    <a:pt x="323" y="1085"/>
-                    <a:pt x="387" y="1067"/>
-                    <a:pt x="452" y="1031"/>
-                  </a:cubicBezTo>
-                  <a:cubicBezTo>
-                    <a:pt x="678" y="906"/>
-                    <a:pt x="878" y="605"/>
-                    <a:pt x="878" y="304"/>
-                  </a:cubicBezTo>
-                  <a:cubicBezTo>
-                    <a:pt x="878" y="108"/>
-                    <a:pt x="763" y="0"/>
-                    <a:pt x="625" y="0"/>
-                  </a:cubicBezTo>
-                  <a:close/>
-                </a:path>
-              </a:pathLst>
-            </a:custGeom>
-            <a:solidFill>
-              <a:schemeClr val="dk1"/>
-            </a:solidFill>
-            <a:ln>
-              <a:noFill/>
-            </a:ln>
-          </p:spPr>
-          <p:txBody>
-            <a:bodyPr spcFirstLastPara="1" wrap="square" lIns="91425" tIns="91425" rIns="91425" bIns="91425" anchor="ctr" anchorCtr="0">
-              <a:noAutofit/>
-            </a:bodyPr>
-            <a:lstStyle/>
-            <a:p>
-              <a:pPr marL="0" lvl="0" indent="0" algn="l" rtl="0">
-                <a:spcBef>
-                  <a:spcPts val="0"/>
-                </a:spcBef>
-                <a:spcAft>
-                  <a:spcPts val="0"/>
-                </a:spcAft>
-                <a:buNone/>
-              </a:pPr>
-              <a:endParaRPr/>
-            </a:p>
-          </p:txBody>
-        </p:sp>
-        <p:sp>
-          <p:nvSpPr>
-            <p:cNvPr id="4190" name="Google Shape;4190;p55"/>
-            <p:cNvSpPr/>
-            <p:nvPr/>
-          </p:nvSpPr>
-          <p:spPr>
-            <a:xfrm>
-              <a:off x="5307800" y="1313100"/>
-              <a:ext cx="21950" cy="26750"/>
-            </a:xfrm>
-            <a:custGeom>
-              <a:avLst/>
-              <a:gdLst/>
-              <a:ahLst/>
-              <a:cxnLst/>
-              <a:rect l="l" t="t" r="r" b="b"/>
-              <a:pathLst>
-                <a:path w="878" h="1070" extrusionOk="0">
-                  <a:moveTo>
-                    <a:pt x="647" y="1"/>
-                  </a:moveTo>
-                  <a:cubicBezTo>
-                    <a:pt x="587" y="1"/>
-                    <a:pt x="520" y="20"/>
-                    <a:pt x="451" y="59"/>
-                  </a:cubicBezTo>
-                  <a:cubicBezTo>
-                    <a:pt x="201" y="184"/>
-                    <a:pt x="0" y="510"/>
-                    <a:pt x="0" y="761"/>
-                  </a:cubicBezTo>
-                  <a:cubicBezTo>
-                    <a:pt x="0" y="969"/>
-                    <a:pt x="108" y="1069"/>
-                    <a:pt x="250" y="1069"/>
-                  </a:cubicBezTo>
-                  <a:cubicBezTo>
-                    <a:pt x="313" y="1069"/>
-                    <a:pt x="382" y="1050"/>
-                    <a:pt x="451" y="1011"/>
-                  </a:cubicBezTo>
-                  <a:cubicBezTo>
-                    <a:pt x="702" y="886"/>
-                    <a:pt x="877" y="585"/>
-                    <a:pt x="877" y="310"/>
-                  </a:cubicBezTo>
-                  <a:cubicBezTo>
-                    <a:pt x="877" y="101"/>
-                    <a:pt x="781" y="1"/>
-                    <a:pt x="647" y="1"/>
-                  </a:cubicBezTo>
-                  <a:close/>
-                </a:path>
-              </a:pathLst>
-            </a:custGeom>
-            <a:solidFill>
-              <a:schemeClr val="dk1"/>
-            </a:solidFill>
-            <a:ln>
-              <a:noFill/>
-            </a:ln>
-          </p:spPr>
-          <p:txBody>
-            <a:bodyPr spcFirstLastPara="1" wrap="square" lIns="91425" tIns="91425" rIns="91425" bIns="91425" anchor="ctr" anchorCtr="0">
-              <a:noAutofit/>
-            </a:bodyPr>
-            <a:lstStyle/>
-            <a:p>
-              <a:pPr marL="0" lvl="0" indent="0" algn="l" rtl="0">
-                <a:spcBef>
-                  <a:spcPts val="0"/>
-                </a:spcBef>
-                <a:spcAft>
-                  <a:spcPts val="0"/>
-                </a:spcAft>
-                <a:buNone/>
-              </a:pPr>
-              <a:endParaRPr/>
-            </a:p>
-          </p:txBody>
-        </p:sp>
-        <p:sp>
-          <p:nvSpPr>
-            <p:cNvPr id="4191" name="Google Shape;4191;p55"/>
-            <p:cNvSpPr/>
-            <p:nvPr/>
-          </p:nvSpPr>
-          <p:spPr>
-            <a:xfrm>
-              <a:off x="5211300" y="1368375"/>
-              <a:ext cx="22575" cy="27125"/>
-            </a:xfrm>
-            <a:custGeom>
-              <a:avLst/>
-              <a:gdLst/>
-              <a:ahLst/>
-              <a:cxnLst/>
-              <a:rect l="l" t="t" r="r" b="b"/>
-              <a:pathLst>
-                <a:path w="903" h="1085" extrusionOk="0">
-                  <a:moveTo>
-                    <a:pt x="640" y="0"/>
-                  </a:moveTo>
-                  <a:cubicBezTo>
-                    <a:pt x="581" y="0"/>
-                    <a:pt x="516" y="17"/>
-                    <a:pt x="452" y="53"/>
-                  </a:cubicBezTo>
-                  <a:cubicBezTo>
-                    <a:pt x="226" y="179"/>
-                    <a:pt x="0" y="530"/>
-                    <a:pt x="25" y="780"/>
-                  </a:cubicBezTo>
-                  <a:cubicBezTo>
-                    <a:pt x="25" y="977"/>
-                    <a:pt x="127" y="1084"/>
-                    <a:pt x="268" y="1084"/>
-                  </a:cubicBezTo>
-                  <a:cubicBezTo>
-                    <a:pt x="324" y="1084"/>
-                    <a:pt x="387" y="1067"/>
-                    <a:pt x="452" y="1031"/>
-                  </a:cubicBezTo>
-                  <a:cubicBezTo>
-                    <a:pt x="702" y="906"/>
-                    <a:pt x="903" y="605"/>
-                    <a:pt x="903" y="304"/>
-                  </a:cubicBezTo>
-                  <a:cubicBezTo>
-                    <a:pt x="903" y="107"/>
-                    <a:pt x="788" y="0"/>
-                    <a:pt x="640" y="0"/>
-                  </a:cubicBezTo>
-                  <a:close/>
-                </a:path>
-              </a:pathLst>
-            </a:custGeom>
-            <a:solidFill>
-              <a:schemeClr val="dk1"/>
-            </a:solidFill>
-            <a:ln>
-              <a:noFill/>
-            </a:ln>
-          </p:spPr>
-          <p:txBody>
-            <a:bodyPr spcFirstLastPara="1" wrap="square" lIns="91425" tIns="91425" rIns="91425" bIns="91425" anchor="ctr" anchorCtr="0">
-              <a:noAutofit/>
-            </a:bodyPr>
-            <a:lstStyle/>
-            <a:p>
-              <a:pPr marL="0" lvl="0" indent="0" algn="l" rtl="0">
-                <a:spcBef>
-                  <a:spcPts val="0"/>
-                </a:spcBef>
-                <a:spcAft>
-                  <a:spcPts val="0"/>
-                </a:spcAft>
-                <a:buNone/>
-              </a:pPr>
-              <a:endParaRPr/>
-            </a:p>
-          </p:txBody>
-        </p:sp>
-        <p:sp>
-          <p:nvSpPr>
-            <p:cNvPr id="4192" name="Google Shape;4192;p55"/>
-            <p:cNvSpPr/>
-            <p:nvPr/>
-          </p:nvSpPr>
-          <p:spPr>
-            <a:xfrm>
-              <a:off x="4921825" y="1642050"/>
-              <a:ext cx="21950" cy="26750"/>
-            </a:xfrm>
-            <a:custGeom>
-              <a:avLst/>
-              <a:gdLst/>
-              <a:ahLst/>
-              <a:cxnLst/>
-              <a:rect l="l" t="t" r="r" b="b"/>
-              <a:pathLst>
-                <a:path w="878" h="1070" extrusionOk="0">
-                  <a:moveTo>
-                    <a:pt x="636" y="1"/>
-                  </a:moveTo>
-                  <a:cubicBezTo>
-                    <a:pt x="577" y="1"/>
-                    <a:pt x="513" y="20"/>
-                    <a:pt x="452" y="59"/>
-                  </a:cubicBezTo>
-                  <a:cubicBezTo>
-                    <a:pt x="201" y="184"/>
-                    <a:pt x="0" y="510"/>
-                    <a:pt x="0" y="761"/>
-                  </a:cubicBezTo>
-                  <a:cubicBezTo>
-                    <a:pt x="0" y="969"/>
-                    <a:pt x="109" y="1069"/>
-                    <a:pt x="251" y="1069"/>
-                  </a:cubicBezTo>
-                  <a:cubicBezTo>
-                    <a:pt x="313" y="1069"/>
-                    <a:pt x="382" y="1050"/>
-                    <a:pt x="452" y="1011"/>
-                  </a:cubicBezTo>
-                  <a:cubicBezTo>
-                    <a:pt x="702" y="886"/>
-                    <a:pt x="878" y="585"/>
-                    <a:pt x="878" y="309"/>
-                  </a:cubicBezTo>
-                  <a:cubicBezTo>
-                    <a:pt x="878" y="101"/>
-                    <a:pt x="769" y="1"/>
-                    <a:pt x="636" y="1"/>
-                  </a:cubicBezTo>
-                  <a:close/>
-                </a:path>
-              </a:pathLst>
-            </a:custGeom>
-            <a:solidFill>
-              <a:schemeClr val="dk1"/>
-            </a:solidFill>
-            <a:ln>
-              <a:noFill/>
-            </a:ln>
-          </p:spPr>
-          <p:txBody>
-            <a:bodyPr spcFirstLastPara="1" wrap="square" lIns="91425" tIns="91425" rIns="91425" bIns="91425" anchor="ctr" anchorCtr="0">
-              <a:noAutofit/>
-            </a:bodyPr>
-            <a:lstStyle/>
-            <a:p>
-              <a:pPr marL="0" lvl="0" indent="0" algn="l" rtl="0">
-                <a:spcBef>
-                  <a:spcPts val="0"/>
-                </a:spcBef>
-                <a:spcAft>
-                  <a:spcPts val="0"/>
-                </a:spcAft>
-                <a:buNone/>
-              </a:pPr>
-              <a:endParaRPr/>
-            </a:p>
-          </p:txBody>
-        </p:sp>
-        <p:sp>
-          <p:nvSpPr>
-            <p:cNvPr id="4193" name="Google Shape;4193;p55"/>
-            <p:cNvSpPr/>
-            <p:nvPr/>
-          </p:nvSpPr>
-          <p:spPr>
-            <a:xfrm>
-              <a:off x="5018325" y="1586400"/>
-              <a:ext cx="21950" cy="27150"/>
-            </a:xfrm>
-            <a:custGeom>
-              <a:avLst/>
-              <a:gdLst/>
-              <a:ahLst/>
-              <a:cxnLst/>
-              <a:rect l="l" t="t" r="r" b="b"/>
-              <a:pathLst>
-                <a:path w="878" h="1086" extrusionOk="0">
-                  <a:moveTo>
-                    <a:pt x="615" y="1"/>
-                  </a:moveTo>
-                  <a:cubicBezTo>
-                    <a:pt x="556" y="1"/>
-                    <a:pt x="491" y="18"/>
-                    <a:pt x="426" y="54"/>
-                  </a:cubicBezTo>
-                  <a:cubicBezTo>
-                    <a:pt x="175" y="180"/>
-                    <a:pt x="0" y="480"/>
-                    <a:pt x="0" y="781"/>
-                  </a:cubicBezTo>
-                  <a:cubicBezTo>
-                    <a:pt x="0" y="978"/>
-                    <a:pt x="89" y="1085"/>
-                    <a:pt x="231" y="1085"/>
-                  </a:cubicBezTo>
-                  <a:cubicBezTo>
-                    <a:pt x="288" y="1085"/>
-                    <a:pt x="354" y="1068"/>
-                    <a:pt x="426" y="1032"/>
-                  </a:cubicBezTo>
-                  <a:cubicBezTo>
-                    <a:pt x="677" y="906"/>
-                    <a:pt x="877" y="581"/>
-                    <a:pt x="877" y="305"/>
-                  </a:cubicBezTo>
-                  <a:cubicBezTo>
-                    <a:pt x="877" y="108"/>
-                    <a:pt x="763" y="1"/>
-                    <a:pt x="615" y="1"/>
-                  </a:cubicBezTo>
-                  <a:close/>
-                </a:path>
-              </a:pathLst>
-            </a:custGeom>
-            <a:solidFill>
-              <a:schemeClr val="dk1"/>
-            </a:solidFill>
-            <a:ln>
-              <a:noFill/>
-            </a:ln>
-          </p:spPr>
-          <p:txBody>
-            <a:bodyPr spcFirstLastPara="1" wrap="square" lIns="91425" tIns="91425" rIns="91425" bIns="91425" anchor="ctr" anchorCtr="0">
-              <a:noAutofit/>
-            </a:bodyPr>
-            <a:lstStyle/>
-            <a:p>
-              <a:pPr marL="0" lvl="0" indent="0" algn="l" rtl="0">
-                <a:spcBef>
-                  <a:spcPts val="0"/>
-                </a:spcBef>
-                <a:spcAft>
-                  <a:spcPts val="0"/>
-                </a:spcAft>
-                <a:buNone/>
-              </a:pPr>
-              <a:endParaRPr/>
-            </a:p>
-          </p:txBody>
-        </p:sp>
-        <p:sp>
-          <p:nvSpPr>
-            <p:cNvPr id="4194" name="Google Shape;4194;p55"/>
-            <p:cNvSpPr/>
-            <p:nvPr/>
-          </p:nvSpPr>
-          <p:spPr>
-            <a:xfrm>
-              <a:off x="5114800" y="1530650"/>
-              <a:ext cx="21325" cy="27125"/>
-            </a:xfrm>
-            <a:custGeom>
-              <a:avLst/>
-              <a:gdLst/>
-              <a:ahLst/>
-              <a:cxnLst/>
-              <a:rect l="l" t="t" r="r" b="b"/>
-              <a:pathLst>
-                <a:path w="853" h="1085" extrusionOk="0">
-                  <a:moveTo>
-                    <a:pt x="611" y="0"/>
-                  </a:moveTo>
-                  <a:cubicBezTo>
-                    <a:pt x="554" y="0"/>
-                    <a:pt x="491" y="18"/>
-                    <a:pt x="427" y="54"/>
-                  </a:cubicBezTo>
-                  <a:cubicBezTo>
-                    <a:pt x="176" y="179"/>
-                    <a:pt x="1" y="530"/>
-                    <a:pt x="1" y="780"/>
-                  </a:cubicBezTo>
-                  <a:cubicBezTo>
-                    <a:pt x="1" y="977"/>
-                    <a:pt x="90" y="1084"/>
-                    <a:pt x="232" y="1084"/>
-                  </a:cubicBezTo>
-                  <a:cubicBezTo>
-                    <a:pt x="289" y="1084"/>
-                    <a:pt x="355" y="1067"/>
-                    <a:pt x="427" y="1031"/>
-                  </a:cubicBezTo>
-                  <a:cubicBezTo>
-                    <a:pt x="677" y="906"/>
-                    <a:pt x="853" y="580"/>
-                    <a:pt x="853" y="304"/>
-                  </a:cubicBezTo>
-                  <a:cubicBezTo>
-                    <a:pt x="853" y="108"/>
-                    <a:pt x="751" y="0"/>
-                    <a:pt x="611" y="0"/>
-                  </a:cubicBezTo>
-                  <a:close/>
-                </a:path>
-              </a:pathLst>
-            </a:custGeom>
-            <a:solidFill>
-              <a:schemeClr val="dk1"/>
-            </a:solidFill>
-            <a:ln>
-              <a:noFill/>
-            </a:ln>
-          </p:spPr>
-          <p:txBody>
-            <a:bodyPr spcFirstLastPara="1" wrap="square" lIns="91425" tIns="91425" rIns="91425" bIns="91425" anchor="ctr" anchorCtr="0">
-              <a:noAutofit/>
-            </a:bodyPr>
-            <a:lstStyle/>
-            <a:p>
-              <a:pPr marL="0" lvl="0" indent="0" algn="l" rtl="0">
-                <a:spcBef>
-                  <a:spcPts val="0"/>
-                </a:spcBef>
-                <a:spcAft>
-                  <a:spcPts val="0"/>
-                </a:spcAft>
-                <a:buNone/>
-              </a:pPr>
-              <a:endParaRPr/>
-            </a:p>
-          </p:txBody>
-        </p:sp>
-        <p:sp>
-          <p:nvSpPr>
-            <p:cNvPr id="4195" name="Google Shape;4195;p55"/>
-            <p:cNvSpPr/>
-            <p:nvPr/>
-          </p:nvSpPr>
-          <p:spPr>
-            <a:xfrm>
-              <a:off x="5210050" y="1474875"/>
-              <a:ext cx="21950" cy="27125"/>
-            </a:xfrm>
-            <a:custGeom>
-              <a:avLst/>
-              <a:gdLst/>
-              <a:ahLst/>
-              <a:cxnLst/>
-              <a:rect l="l" t="t" r="r" b="b"/>
-              <a:pathLst>
-                <a:path w="878" h="1085" extrusionOk="0">
-                  <a:moveTo>
-                    <a:pt x="624" y="1"/>
-                  </a:moveTo>
-                  <a:cubicBezTo>
-                    <a:pt x="568" y="1"/>
-                    <a:pt x="509" y="18"/>
-                    <a:pt x="451" y="54"/>
-                  </a:cubicBezTo>
-                  <a:cubicBezTo>
-                    <a:pt x="226" y="179"/>
-                    <a:pt x="0" y="505"/>
-                    <a:pt x="0" y="781"/>
-                  </a:cubicBezTo>
-                  <a:cubicBezTo>
-                    <a:pt x="0" y="977"/>
-                    <a:pt x="115" y="1085"/>
-                    <a:pt x="263" y="1085"/>
-                  </a:cubicBezTo>
-                  <a:cubicBezTo>
-                    <a:pt x="322" y="1085"/>
-                    <a:pt x="387" y="1067"/>
-                    <a:pt x="451" y="1032"/>
-                  </a:cubicBezTo>
-                  <a:cubicBezTo>
-                    <a:pt x="677" y="906"/>
-                    <a:pt x="877" y="605"/>
-                    <a:pt x="877" y="305"/>
-                  </a:cubicBezTo>
-                  <a:cubicBezTo>
-                    <a:pt x="877" y="108"/>
-                    <a:pt x="763" y="1"/>
-                    <a:pt x="624" y="1"/>
-                  </a:cubicBezTo>
-                  <a:close/>
-                </a:path>
-              </a:pathLst>
-            </a:custGeom>
-            <a:solidFill>
-              <a:schemeClr val="dk1"/>
-            </a:solidFill>
-            <a:ln>
-              <a:noFill/>
-            </a:ln>
-          </p:spPr>
-          <p:txBody>
-            <a:bodyPr spcFirstLastPara="1" wrap="square" lIns="91425" tIns="91425" rIns="91425" bIns="91425" anchor="ctr" anchorCtr="0">
-              <a:noAutofit/>
-            </a:bodyPr>
-            <a:lstStyle/>
-            <a:p>
-              <a:pPr marL="0" lvl="0" indent="0" algn="l" rtl="0">
-                <a:spcBef>
-                  <a:spcPts val="0"/>
-                </a:spcBef>
-                <a:spcAft>
-                  <a:spcPts val="0"/>
-                </a:spcAft>
-                <a:buNone/>
-              </a:pPr>
-              <a:endParaRPr/>
-            </a:p>
-          </p:txBody>
-        </p:sp>
-        <p:sp>
-          <p:nvSpPr>
-            <p:cNvPr id="4196" name="Google Shape;4196;p55"/>
-            <p:cNvSpPr/>
-            <p:nvPr/>
-          </p:nvSpPr>
-          <p:spPr>
-            <a:xfrm>
-              <a:off x="5306525" y="1419625"/>
-              <a:ext cx="21975" cy="26725"/>
-            </a:xfrm>
-            <a:custGeom>
-              <a:avLst/>
-              <a:gdLst/>
-              <a:ahLst/>
-              <a:cxnLst/>
-              <a:rect l="l" t="t" r="r" b="b"/>
-              <a:pathLst>
-                <a:path w="879" h="1069" extrusionOk="0">
-                  <a:moveTo>
-                    <a:pt x="628" y="1"/>
-                  </a:moveTo>
-                  <a:cubicBezTo>
-                    <a:pt x="565" y="1"/>
-                    <a:pt x="496" y="20"/>
-                    <a:pt x="427" y="59"/>
-                  </a:cubicBezTo>
-                  <a:cubicBezTo>
-                    <a:pt x="226" y="184"/>
-                    <a:pt x="1" y="485"/>
-                    <a:pt x="1" y="760"/>
-                  </a:cubicBezTo>
-                  <a:cubicBezTo>
-                    <a:pt x="1" y="969"/>
-                    <a:pt x="97" y="1069"/>
-                    <a:pt x="232" y="1069"/>
-                  </a:cubicBezTo>
-                  <a:cubicBezTo>
-                    <a:pt x="291" y="1069"/>
-                    <a:pt x="358" y="1049"/>
-                    <a:pt x="427" y="1011"/>
-                  </a:cubicBezTo>
-                  <a:cubicBezTo>
-                    <a:pt x="678" y="886"/>
-                    <a:pt x="878" y="585"/>
-                    <a:pt x="878" y="309"/>
-                  </a:cubicBezTo>
-                  <a:cubicBezTo>
-                    <a:pt x="878" y="101"/>
-                    <a:pt x="770" y="1"/>
-                    <a:pt x="628" y="1"/>
-                  </a:cubicBezTo>
-                  <a:close/>
-                </a:path>
-              </a:pathLst>
-            </a:custGeom>
-            <a:solidFill>
-              <a:schemeClr val="dk1"/>
-            </a:solidFill>
-            <a:ln>
-              <a:noFill/>
-            </a:ln>
-          </p:spPr>
-          <p:txBody>
-            <a:bodyPr spcFirstLastPara="1" wrap="square" lIns="91425" tIns="91425" rIns="91425" bIns="91425" anchor="ctr" anchorCtr="0">
-              <a:noAutofit/>
-            </a:bodyPr>
-            <a:lstStyle/>
-            <a:p>
-              <a:pPr marL="0" lvl="0" indent="0" algn="l" rtl="0">
-                <a:spcBef>
-                  <a:spcPts val="0"/>
-                </a:spcBef>
-                <a:spcAft>
-                  <a:spcPts val="0"/>
-                </a:spcAft>
-                <a:buNone/>
-              </a:pPr>
-              <a:endParaRPr/>
-            </a:p>
-          </p:txBody>
-        </p:sp>
-      </p:grpSp>
-      <p:pic>
-        <p:nvPicPr>
-          <p:cNvPr id="2054" name="Picture 6">
-            <a:extLst>
-              <a:ext uri="{FF2B5EF4-FFF2-40B4-BE49-F238E27FC236}">
-                <a16:creationId xmlns:a16="http://schemas.microsoft.com/office/drawing/2014/main" id="{8DCA2829-3AE8-C359-CBB6-9ECDA0A7E65E}"/>
-              </a:ext>
-            </a:extLst>
-          </p:cNvPr>
-          <p:cNvPicPr>
-            <a:picLocks noChangeAspect="1" noChangeArrowheads="1"/>
-          </p:cNvPicPr>
-          <p:nvPr/>
-        </p:nvPicPr>
-        <p:blipFill>
-          <a:blip r:embed="rId3">
-            <a:extLst>
-              <a:ext uri="{BEBA8EAE-BF5A-486C-A8C5-ECC9F3942E4B}">
-                <a14:imgProps xmlns:a14="http://schemas.microsoft.com/office/drawing/2010/main">
-                  <a14:imgLayer r:embed="rId4">
-                    <a14:imgEffect>
-                      <a14:backgroundRemoval t="10000" b="90467" l="9800" r="90000">
-                        <a14:foregroundMark x1="15800" y1="12267" x2="17150" y2="10067"/>
-                        <a14:foregroundMark x1="16950" y1="10733" x2="10750" y2="14867"/>
-                        <a14:foregroundMark x1="10750" y1="14867" x2="11450" y2="87533"/>
-                        <a14:foregroundMark x1="11450" y1="87533" x2="16100" y2="90467"/>
-                        <a14:foregroundMark x1="10500" y1="21067" x2="9800" y2="71133"/>
-                      </a14:backgroundRemoval>
-                    </a14:imgEffect>
-                  </a14:imgLayer>
-                </a14:imgProps>
-              </a:ext>
-              <a:ext uri="{28A0092B-C50C-407E-A947-70E740481C1C}">
-                <a14:useLocalDpi xmlns:a14="http://schemas.microsoft.com/office/drawing/2010/main" val="0"/>
-              </a:ext>
-            </a:extLst>
-          </a:blip>
-          <a:srcRect/>
-          <a:stretch>
-            <a:fillRect/>
-          </a:stretch>
-        </p:blipFill>
-        <p:spPr bwMode="auto">
-          <a:xfrm>
-            <a:off x="4474078" y="470067"/>
-            <a:ext cx="4270677" cy="3203008"/>
-          </a:xfrm>
-          <a:prstGeom prst="rect">
-            <a:avLst/>
-          </a:prstGeom>
-          <a:noFill/>
-          <a:extLst>
-            <a:ext uri="{909E8E84-426E-40DD-AFC4-6F175D3DCCD1}">
-              <a14:hiddenFill xmlns:a14="http://schemas.microsoft.com/office/drawing/2010/main">
-                <a:solidFill>
-                  <a:srgbClr val="FFFFFF"/>
-                </a:solidFill>
-              </a14:hiddenFill>
-            </a:ext>
-          </a:extLst>
-        </p:spPr>
-      </p:pic>
-      <p:sp>
-        <p:nvSpPr>
-          <p:cNvPr id="2" name="Oval 1">
-            <a:extLst>
-              <a:ext uri="{FF2B5EF4-FFF2-40B4-BE49-F238E27FC236}">
-                <a16:creationId xmlns:a16="http://schemas.microsoft.com/office/drawing/2014/main" id="{22BD92B0-4ECA-4051-B340-872D76C05B10}"/>
-              </a:ext>
-            </a:extLst>
-          </p:cNvPr>
-          <p:cNvSpPr/>
-          <p:nvPr/>
-        </p:nvSpPr>
-        <p:spPr>
-          <a:xfrm>
-            <a:off x="7462038" y="859413"/>
-            <a:ext cx="187431" cy="196522"/>
-          </a:xfrm>
-          <a:prstGeom prst="ellipse">
-            <a:avLst/>
-          </a:prstGeom>
-          <a:solidFill>
-            <a:schemeClr val="bg1">
-              <a:lumMod val="95000"/>
-            </a:schemeClr>
-          </a:solidFill>
-          <a:ln>
-            <a:solidFill>
-              <a:schemeClr val="bg1">
-                <a:lumMod val="95000"/>
-              </a:schemeClr>
-            </a:solidFill>
-          </a:ln>
-        </p:spPr>
-        <p:style>
-          <a:lnRef idx="2">
-            <a:schemeClr val="accent1">
-              <a:shade val="50000"/>
-            </a:schemeClr>
-          </a:lnRef>
-          <a:fillRef idx="1">
-            <a:schemeClr val="accent1"/>
-          </a:fillRef>
-          <a:effectRef idx="0">
-            <a:schemeClr val="accent1"/>
-          </a:effectRef>
-          <a:fontRef idx="minor">
-            <a:schemeClr val="lt1"/>
-          </a:fontRef>
-        </p:style>
-        <p:txBody>
-          <a:bodyPr rtlCol="0" anchor="ctr"/>
-          <a:lstStyle/>
-          <a:p>
-            <a:pPr algn="ctr"/>
-            <a:endParaRPr lang="en-US"/>
-          </a:p>
-        </p:txBody>
-      </p:sp>
-    </p:spTree>
-  </p:cSld>
-  <p:clrMapOvr>
-    <a:masterClrMapping/>
-  </p:clrMapOvr>
-  <mc:AlternateContent xmlns:mc="http://schemas.openxmlformats.org/markup-compatibility/2006" xmlns:p159="http://schemas.microsoft.com/office/powerpoint/2015/09/main">
-    <mc:Choice Requires="p159">
-      <p:transition xmlns:p14="http://schemas.microsoft.com/office/powerpoint/2010/main" spd="slow" p14:dur="2000">
-        <p159:morph option="byObject"/>
-      </p:transition>
-    </mc:Choice>
-    <mc:Fallback xmlns="">
-      <p:transition spd="slow">
-        <p:fade/>
-      </p:transition>
-    </mc:Fallback>
-  </mc:AlternateContent>
-</p:sld>
-</file>
-
-<file path=ppt/slides/slide8.xml><?xml version="1.0" encoding="utf-8"?>
-<p:sld xmlns:a="http://schemas.openxmlformats.org/drawingml/2006/main" xmlns:r="http://schemas.openxmlformats.org/officeDocument/2006/relationships" xmlns:p="http://schemas.openxmlformats.org/presentationml/2006/main">
-  <p:cSld>
-    <p:spTree>
-      <p:nvGrpSpPr>
         <p:cNvPr id="1" name="Shape 4826"/>
         <p:cNvGrpSpPr/>
         <p:nvPr/>
@@ -60169,6 +54704,26 @@
 </file>
 
 <file path=customXml/item1.xml><?xml version="1.0" encoding="utf-8"?>
+<p:properties xmlns:p="http://schemas.microsoft.com/office/2006/metadata/properties" xmlns:xsi="http://www.w3.org/2001/XMLSchema-instance" xmlns:pc="http://schemas.microsoft.com/office/infopath/2007/PartnerControls">
+  <documentManagement>
+    <TaxCatchAll xmlns="32e2c7cf-ce1e-48ea-a8a6-9e61056004ec" xsi:nil="true"/>
+    <lcf76f155ced4ddcb4097134ff3c332f xmlns="ed842582-1cbd-44c4-8918-7b1de14440a1">
+      <Terms xmlns="http://schemas.microsoft.com/office/infopath/2007/PartnerControls"/>
+    </lcf76f155ced4ddcb4097134ff3c332f>
+  </documentManagement>
+</p:properties>
+</file>
+
+<file path=customXml/item2.xml><?xml version="1.0" encoding="utf-8"?>
+<?mso-contentType ?>
+<FormTemplates xmlns="http://schemas.microsoft.com/sharepoint/v3/contenttype/forms">
+  <Display>DocumentLibraryForm</Display>
+  <Edit>DocumentLibraryForm</Edit>
+  <New>DocumentLibraryForm</New>
+</FormTemplates>
+</file>
+
+<file path=customXml/item3.xml><?xml version="1.0" encoding="utf-8"?>
 <ct:contentTypeSchema xmlns:ct="http://schemas.microsoft.com/office/2006/metadata/contentType" xmlns:ma="http://schemas.microsoft.com/office/2006/metadata/properties/metaAttributes" ct:_="" ma:_="" ma:contentTypeName="Document" ma:contentTypeID="0x010100608D27D0B751394FA07DB875F5C08C76" ma:contentTypeVersion="12" ma:contentTypeDescription="Create a new document." ma:contentTypeScope="" ma:versionID="218325ff694a31c7ef17c6c429485a49">
   <xsd:schema xmlns:xsd="http://www.w3.org/2001/XMLSchema" xmlns:xs="http://www.w3.org/2001/XMLSchema" xmlns:p="http://schemas.microsoft.com/office/2006/metadata/properties" xmlns:ns2="ed842582-1cbd-44c4-8918-7b1de14440a1" xmlns:ns3="32e2c7cf-ce1e-48ea-a8a6-9e61056004ec" targetNamespace="http://schemas.microsoft.com/office/2006/metadata/properties" ma:root="true" ma:fieldsID="dcb2e3365fdc21a8f974f5f8b7e53a25" ns2:_="" ns3:_="">
     <xsd:import namespace="ed842582-1cbd-44c4-8918-7b1de14440a1"/>
@@ -60385,34 +54940,40 @@
 </ct:contentTypeSchema>
 </file>
 
-<file path=customXml/item2.xml><?xml version="1.0" encoding="utf-8"?>
-<?mso-contentType ?>
-<FormTemplates xmlns="http://schemas.microsoft.com/sharepoint/v3/contenttype/forms">
-  <Display>DocumentLibraryForm</Display>
-  <Edit>DocumentLibraryForm</Edit>
-  <New>DocumentLibraryForm</New>
-</FormTemplates>
-</file>
-
-<file path=customXml/item3.xml><?xml version="1.0" encoding="utf-8"?>
-<p:properties xmlns:p="http://schemas.microsoft.com/office/2006/metadata/properties" xmlns:xsi="http://www.w3.org/2001/XMLSchema-instance" xmlns:pc="http://schemas.microsoft.com/office/infopath/2007/PartnerControls">
-  <documentManagement>
-    <TaxCatchAll xmlns="32e2c7cf-ce1e-48ea-a8a6-9e61056004ec" xsi:nil="true"/>
-    <lcf76f155ced4ddcb4097134ff3c332f xmlns="ed842582-1cbd-44c4-8918-7b1de14440a1">
-      <Terms xmlns="http://schemas.microsoft.com/office/infopath/2007/PartnerControls"/>
-    </lcf76f155ced4ddcb4097134ff3c332f>
-  </documentManagement>
-</p:properties>
-</file>
-
 <file path=customXml/itemProps1.xml><?xml version="1.0" encoding="utf-8"?>
-<ds:datastoreItem xmlns:ds="http://schemas.openxmlformats.org/officeDocument/2006/customXml" ds:itemID="{FC981E15-2435-4358-B3F4-336D6BE2666E}"/>
+<ds:datastoreItem xmlns:ds="http://schemas.openxmlformats.org/officeDocument/2006/customXml" ds:itemID="{39FB6937-B0A0-4CCB-9CFC-CCC43399D4C3}">
+  <ds:schemaRefs>
+    <ds:schemaRef ds:uri="http://schemas.microsoft.com/office/2006/metadata/properties"/>
+    <ds:schemaRef ds:uri="http://schemas.microsoft.com/office/infopath/2007/PartnerControls"/>
+    <ds:schemaRef ds:uri="32e2c7cf-ce1e-48ea-a8a6-9e61056004ec"/>
+    <ds:schemaRef ds:uri="ed842582-1cbd-44c4-8918-7b1de14440a1"/>
+  </ds:schemaRefs>
+</ds:datastoreItem>
 </file>
 
 <file path=customXml/itemProps2.xml><?xml version="1.0" encoding="utf-8"?>
-<ds:datastoreItem xmlns:ds="http://schemas.openxmlformats.org/officeDocument/2006/customXml" ds:itemID="{CE62CADB-2742-47D1-8256-581C1F5D16A7}"/>
+<ds:datastoreItem xmlns:ds="http://schemas.openxmlformats.org/officeDocument/2006/customXml" ds:itemID="{CE62CADB-2742-47D1-8256-581C1F5D16A7}">
+  <ds:schemaRefs>
+    <ds:schemaRef ds:uri="http://schemas.microsoft.com/sharepoint/v3/contenttype/forms"/>
+  </ds:schemaRefs>
+</ds:datastoreItem>
 </file>
 
 <file path=customXml/itemProps3.xml><?xml version="1.0" encoding="utf-8"?>
-<ds:datastoreItem xmlns:ds="http://schemas.openxmlformats.org/officeDocument/2006/customXml" ds:itemID="{39FB6937-B0A0-4CCB-9CFC-CCC43399D4C3}"/>
+<ds:datastoreItem xmlns:ds="http://schemas.openxmlformats.org/officeDocument/2006/customXml" ds:itemID="{FC981E15-2435-4358-B3F4-336D6BE2666E}">
+  <ds:schemaRefs>
+    <ds:schemaRef ds:uri="http://schemas.microsoft.com/office/2006/metadata/contentType"/>
+    <ds:schemaRef ds:uri="http://schemas.microsoft.com/office/2006/metadata/properties/metaAttributes"/>
+    <ds:schemaRef ds:uri="http://www.w3.org/2001/XMLSchema"/>
+    <ds:schemaRef ds:uri="http://schemas.microsoft.com/office/2006/metadata/properties"/>
+    <ds:schemaRef ds:uri="ed842582-1cbd-44c4-8918-7b1de14440a1"/>
+    <ds:schemaRef ds:uri="32e2c7cf-ce1e-48ea-a8a6-9e61056004ec"/>
+    <ds:schemaRef ds:uri="http://schemas.microsoft.com/office/2006/documentManagement/types"/>
+    <ds:schemaRef ds:uri="http://schemas.microsoft.com/office/infopath/2007/PartnerControls"/>
+    <ds:schemaRef ds:uri="http://schemas.openxmlformats.org/package/2006/metadata/core-properties"/>
+    <ds:schemaRef ds:uri="http://purl.org/dc/elements/1.1/"/>
+    <ds:schemaRef ds:uri="http://purl.org/dc/terms/"/>
+    <ds:schemaRef ds:uri="http://schemas.microsoft.com/internal/obd"/>
+  </ds:schemaRefs>
+</ds:datastoreItem>
 </file>
--- a/docs/PDDimitrova19 presentation.pptx
+++ b/docs/PDDimitrova19 presentation.pptx
@@ -20,15 +20,15 @@
   <p:notesSz cx="6858000" cy="9144000"/>
   <p:embeddedFontLst>
     <p:embeddedFont>
-      <p:font typeface="Abel" panose="02000506030000020004" pitchFamily="2" charset="0"/>
+      <p:font typeface="Abel" panose="020B0604020202020204" charset="0"/>
       <p:regular r:id="rId13"/>
     </p:embeddedFont>
     <p:embeddedFont>
-      <p:font typeface="Bebas Neue" panose="020B0606020202050201" pitchFamily="34" charset="0"/>
+      <p:font typeface="Bebas Neue" panose="020B0604020202020204" charset="0"/>
       <p:regular r:id="rId14"/>
     </p:embeddedFont>
     <p:embeddedFont>
-      <p:font typeface="Questrial" pitchFamily="2" charset="0"/>
+      <p:font typeface="Questrial" panose="020B0604020202020204" charset="0"/>
       <p:regular r:id="rId15"/>
     </p:embeddedFont>
   </p:embeddedFontLst>
@@ -32390,14 +32390,14 @@
           <p:nvPr>
             <p:extLst>
               <p:ext uri="{D42A27DB-BD31-4B8C-83A1-F6EECF244321}">
-                <p14:modId xmlns:p14="http://schemas.microsoft.com/office/powerpoint/2010/main" val="3047243971"/>
+                <p14:modId xmlns:p14="http://schemas.microsoft.com/office/powerpoint/2010/main" val="4118029723"/>
               </p:ext>
             </p:extLst>
           </p:nvPr>
         </p:nvGraphicFramePr>
         <p:xfrm>
           <a:off x="1749814" y="1745607"/>
-          <a:ext cx="5575500" cy="1646829"/>
+          <a:ext cx="5575500" cy="1319004"/>
         </p:xfrm>
         <a:graphic>
           <a:graphicData uri="http://schemas.openxmlformats.org/drawingml/2006/table">
@@ -32808,105 +32808,6 @@
                 <a:extLst>
                   <a:ext uri="{0D108BD9-81ED-4DB2-BD59-A6C34878D82A}">
                     <a16:rowId xmlns:a16="http://schemas.microsoft.com/office/drawing/2014/main" val="10003"/>
-                  </a:ext>
-                </a:extLst>
-              </a:tr>
-              <a:tr h="327825">
-                <a:tc>
-                  <a:txBody>
-                    <a:bodyPr/>
-                    <a:lstStyle/>
-                    <a:p>
-                      <a:pPr marL="0" lvl="0" indent="0" algn="ctr" rtl="0">
-                        <a:spcBef>
-                          <a:spcPts val="0"/>
-                        </a:spcBef>
-                        <a:spcAft>
-                          <a:spcPts val="0"/>
-                        </a:spcAft>
-                        <a:buNone/>
-                      </a:pPr>
-                      <a:r>
-                        <a:rPr lang="en-US" sz="1200" b="1" dirty="0">
-                          <a:solidFill>
-                            <a:schemeClr val="dk1"/>
-                          </a:solidFill>
-                          <a:uFill>
-                            <a:noFill/>
-                          </a:uFill>
-                          <a:latin typeface="Questrial"/>
-                          <a:ea typeface="Questrial"/>
-                          <a:cs typeface="Questrial"/>
-                          <a:sym typeface="Questrial"/>
-                        </a:rPr>
-                        <a:t>GUI</a:t>
-                      </a:r>
-                      <a:endParaRPr sz="1200" b="1" dirty="0">
-                        <a:solidFill>
-                          <a:schemeClr val="dk1"/>
-                        </a:solidFill>
-                        <a:latin typeface="Questrial"/>
-                        <a:ea typeface="Questrial"/>
-                        <a:cs typeface="Questrial"/>
-                        <a:sym typeface="Questrial"/>
-                      </a:endParaRPr>
-                    </a:p>
-                  </a:txBody>
-                  <a:tcPr marL="91425" marR="91425" marT="0" marB="0" anchor="ctr">
-                    <a:lnL w="28575" cap="flat" cmpd="sng">
-                      <a:solidFill>
-                        <a:schemeClr val="dk1">
-                          <a:alpha val="0"/>
-                        </a:schemeClr>
-                      </a:solidFill>
-                      <a:prstDash val="dot"/>
-                      <a:round/>
-                      <a:headEnd type="none" w="sm" len="sm"/>
-                      <a:tailEnd type="none" w="sm" len="sm"/>
-                    </a:lnL>
-                    <a:lnR w="19050" cap="flat" cmpd="sng">
-                      <a:solidFill>
-                        <a:schemeClr val="dk1">
-                          <a:alpha val="0"/>
-                        </a:schemeClr>
-                      </a:solidFill>
-                      <a:prstDash val="dot"/>
-                      <a:round/>
-                      <a:headEnd type="none" w="sm" len="sm"/>
-                      <a:tailEnd type="none" w="sm" len="sm"/>
-                    </a:lnR>
-                    <a:lnT w="28575" cap="flat" cmpd="sng">
-                      <a:solidFill>
-                        <a:schemeClr val="dk1">
-                          <a:alpha val="0"/>
-                        </a:schemeClr>
-                      </a:solidFill>
-                      <a:prstDash val="dot"/>
-                      <a:round/>
-                      <a:headEnd type="none" w="sm" len="sm"/>
-                      <a:tailEnd type="none" w="sm" len="sm"/>
-                    </a:lnT>
-                    <a:lnB w="28575" cap="flat" cmpd="sng">
-                      <a:solidFill>
-                        <a:schemeClr val="dk1">
-                          <a:alpha val="0"/>
-                        </a:schemeClr>
-                      </a:solidFill>
-                      <a:prstDash val="dot"/>
-                      <a:round/>
-                      <a:headEnd type="none" w="sm" len="sm"/>
-                      <a:tailEnd type="none" w="sm" len="sm"/>
-                    </a:lnB>
-                    <a:solidFill>
-                      <a:srgbClr val="E6B8AF">
-                        <a:alpha val="70770"/>
-                      </a:srgbClr>
-                    </a:solidFill>
-                  </a:tcPr>
-                </a:tc>
-                <a:extLst>
-                  <a:ext uri="{0D108BD9-81ED-4DB2-BD59-A6C34878D82A}">
-                    <a16:rowId xmlns:a16="http://schemas.microsoft.com/office/drawing/2014/main" val="10004"/>
                   </a:ext>
                 </a:extLst>
               </a:tr>
@@ -54715,15 +54616,6 @@
 </file>
 
 <file path=customXml/item2.xml><?xml version="1.0" encoding="utf-8"?>
-<?mso-contentType ?>
-<FormTemplates xmlns="http://schemas.microsoft.com/sharepoint/v3/contenttype/forms">
-  <Display>DocumentLibraryForm</Display>
-  <Edit>DocumentLibraryForm</Edit>
-  <New>DocumentLibraryForm</New>
-</FormTemplates>
-</file>
-
-<file path=customXml/item3.xml><?xml version="1.0" encoding="utf-8"?>
 <ct:contentTypeSchema xmlns:ct="http://schemas.microsoft.com/office/2006/metadata/contentType" xmlns:ma="http://schemas.microsoft.com/office/2006/metadata/properties/metaAttributes" ct:_="" ma:_="" ma:contentTypeName="Document" ma:contentTypeID="0x010100608D27D0B751394FA07DB875F5C08C76" ma:contentTypeVersion="12" ma:contentTypeDescription="Create a new document." ma:contentTypeScope="" ma:versionID="218325ff694a31c7ef17c6c429485a49">
   <xsd:schema xmlns:xsd="http://www.w3.org/2001/XMLSchema" xmlns:xs="http://www.w3.org/2001/XMLSchema" xmlns:p="http://schemas.microsoft.com/office/2006/metadata/properties" xmlns:ns2="ed842582-1cbd-44c4-8918-7b1de14440a1" xmlns:ns3="32e2c7cf-ce1e-48ea-a8a6-9e61056004ec" targetNamespace="http://schemas.microsoft.com/office/2006/metadata/properties" ma:root="true" ma:fieldsID="dcb2e3365fdc21a8f974f5f8b7e53a25" ns2:_="" ns3:_="">
     <xsd:import namespace="ed842582-1cbd-44c4-8918-7b1de14440a1"/>
@@ -54940,6 +54832,15 @@
 </ct:contentTypeSchema>
 </file>
 
+<file path=customXml/item3.xml><?xml version="1.0" encoding="utf-8"?>
+<?mso-contentType ?>
+<FormTemplates xmlns="http://schemas.microsoft.com/sharepoint/v3/contenttype/forms">
+  <Display>DocumentLibraryForm</Display>
+  <Edit>DocumentLibraryForm</Edit>
+  <New>DocumentLibraryForm</New>
+</FormTemplates>
+</file>
+
 <file path=customXml/itemProps1.xml><?xml version="1.0" encoding="utf-8"?>
 <ds:datastoreItem xmlns:ds="http://schemas.openxmlformats.org/officeDocument/2006/customXml" ds:itemID="{39FB6937-B0A0-4CCB-9CFC-CCC43399D4C3}">
   <ds:schemaRefs>
@@ -54952,14 +54853,6 @@
 </file>
 
 <file path=customXml/itemProps2.xml><?xml version="1.0" encoding="utf-8"?>
-<ds:datastoreItem xmlns:ds="http://schemas.openxmlformats.org/officeDocument/2006/customXml" ds:itemID="{CE62CADB-2742-47D1-8256-581C1F5D16A7}">
-  <ds:schemaRefs>
-    <ds:schemaRef ds:uri="http://schemas.microsoft.com/sharepoint/v3/contenttype/forms"/>
-  </ds:schemaRefs>
-</ds:datastoreItem>
-</file>
-
-<file path=customXml/itemProps3.xml><?xml version="1.0" encoding="utf-8"?>
 <ds:datastoreItem xmlns:ds="http://schemas.openxmlformats.org/officeDocument/2006/customXml" ds:itemID="{FC981E15-2435-4358-B3F4-336D6BE2666E}">
   <ds:schemaRefs>
     <ds:schemaRef ds:uri="http://schemas.microsoft.com/office/2006/metadata/contentType"/>
@@ -54976,4 +54869,12 @@
     <ds:schemaRef ds:uri="http://schemas.microsoft.com/internal/obd"/>
   </ds:schemaRefs>
 </ds:datastoreItem>
+</file>
+
+<file path=customXml/itemProps3.xml><?xml version="1.0" encoding="utf-8"?>
+<ds:datastoreItem xmlns:ds="http://schemas.openxmlformats.org/officeDocument/2006/customXml" ds:itemID="{CE62CADB-2742-47D1-8256-581C1F5D16A7}">
+  <ds:schemaRefs>
+    <ds:schemaRef ds:uri="http://schemas.microsoft.com/sharepoint/v3/contenttype/forms"/>
+  </ds:schemaRefs>
+</ds:datastoreItem>
 </file>